--- a/PLPTH813Bioinformatis/2021/labs/lab01_Excel_regex_vi.pptx
+++ b/PLPTH813Bioinformatis/2021/labs/lab01_Excel_regex_vi.pptx
@@ -5,7 +5,7 @@
     <p:sldMasterId id="2147483648" r:id="rId1"/>
   </p:sldMasterIdLst>
   <p:notesMasterIdLst>
-    <p:notesMasterId r:id="rId25"/>
+    <p:notesMasterId r:id="rId27"/>
   </p:notesMasterIdLst>
   <p:sldIdLst>
     <p:sldId id="256" r:id="rId2"/>
@@ -21,16 +21,18 @@
     <p:sldId id="288" r:id="rId12"/>
     <p:sldId id="284" r:id="rId13"/>
     <p:sldId id="289" r:id="rId14"/>
-    <p:sldId id="280" r:id="rId15"/>
-    <p:sldId id="293" r:id="rId16"/>
-    <p:sldId id="294" r:id="rId17"/>
-    <p:sldId id="295" r:id="rId18"/>
-    <p:sldId id="296" r:id="rId19"/>
-    <p:sldId id="297" r:id="rId20"/>
-    <p:sldId id="298" r:id="rId21"/>
-    <p:sldId id="299" r:id="rId22"/>
-    <p:sldId id="300" r:id="rId23"/>
-    <p:sldId id="301" r:id="rId24"/>
+    <p:sldId id="303" r:id="rId15"/>
+    <p:sldId id="304" r:id="rId16"/>
+    <p:sldId id="293" r:id="rId17"/>
+    <p:sldId id="294" r:id="rId18"/>
+    <p:sldId id="295" r:id="rId19"/>
+    <p:sldId id="296" r:id="rId20"/>
+    <p:sldId id="297" r:id="rId21"/>
+    <p:sldId id="298" r:id="rId22"/>
+    <p:sldId id="299" r:id="rId23"/>
+    <p:sldId id="300" r:id="rId24"/>
+    <p:sldId id="301" r:id="rId25"/>
+    <p:sldId id="280" r:id="rId26"/>
   </p:sldIdLst>
   <p:sldSz cx="9144000" cy="6858000" type="screen4x3"/>
   <p:notesSz cx="6858000" cy="9144000"/>
@@ -129,6 +131,22 @@
       </a:defRPr>
     </a:lvl9pPr>
   </p:defaultTextStyle>
+  <p:extLst>
+    <p:ext uri="{EFAFB233-063F-42B5-8137-9DF3F51BA10A}">
+      <p15:sldGuideLst xmlns:p15="http://schemas.microsoft.com/office/powerpoint/2012/main">
+        <p15:guide id="1" orient="horz" pos="2160">
+          <p15:clr>
+            <a:srgbClr val="A4A3A4"/>
+          </p15:clr>
+        </p15:guide>
+        <p15:guide id="2" pos="2880">
+          <p15:clr>
+            <a:srgbClr val="A4A3A4"/>
+          </p15:clr>
+        </p15:guide>
+      </p15:sldGuideLst>
+    </p:ext>
+  </p:extLst>
 </p:presentation>
 </file>
 
@@ -214,7 +232,7 @@
           <a:p>
             <a:fld id="{08E6E0A8-E17C-C949-B17E-7A1A6494483A}" type="datetimeFigureOut">
               <a:rPr lang="en-US" smtClean="0"/>
-              <a:t>1/23/19</a:t>
+              <a:t>1/27/21</a:t>
             </a:fld>
             <a:endParaRPr lang="en-US"/>
           </a:p>
@@ -278,38 +296,37 @@
           <a:p>
             <a:pPr lvl="0"/>
             <a:r>
-              <a:rPr lang="en-US" smtClean="0"/>
+              <a:rPr lang="en-US"/>
               <a:t>Click to edit Master text styles</a:t>
             </a:r>
           </a:p>
           <a:p>
             <a:pPr lvl="1"/>
             <a:r>
-              <a:rPr lang="en-US" smtClean="0"/>
+              <a:rPr lang="en-US"/>
               <a:t>Second level</a:t>
             </a:r>
           </a:p>
           <a:p>
             <a:pPr lvl="2"/>
             <a:r>
-              <a:rPr lang="en-US" smtClean="0"/>
+              <a:rPr lang="en-US"/>
               <a:t>Third level</a:t>
             </a:r>
           </a:p>
           <a:p>
             <a:pPr lvl="3"/>
             <a:r>
-              <a:rPr lang="en-US" smtClean="0"/>
+              <a:rPr lang="en-US"/>
               <a:t>Fourth level</a:t>
             </a:r>
           </a:p>
           <a:p>
             <a:pPr lvl="4"/>
             <a:r>
-              <a:rPr lang="en-US" smtClean="0"/>
+              <a:rPr lang="en-US"/>
               <a:t>Fifth level</a:t>
             </a:r>
-            <a:endParaRPr lang="en-US"/>
           </a:p>
         </p:txBody>
       </p:sp>
@@ -527,16 +544,15 @@
           <a:lstStyle/>
           <a:p>
             <a:r>
-              <a:rPr lang="en-US" dirty="0" smtClean="0"/>
+              <a:rPr lang="en-US" dirty="0"/>
               <a:t>201[2-4]</a:t>
             </a:r>
           </a:p>
           <a:p>
             <a:r>
-              <a:rPr lang="en-US" dirty="0" smtClean="0"/>
+              <a:rPr lang="en-US" dirty="0"/>
               <a:t>A{10,}$</a:t>
             </a:r>
-            <a:endParaRPr lang="en-US" dirty="0"/>
           </a:p>
         </p:txBody>
       </p:sp>
@@ -614,10 +630,9 @@
           <a:lstStyle/>
           <a:p>
             <a:r>
-              <a:rPr lang="en-US" dirty="0" smtClean="0"/>
+              <a:rPr lang="en-US" dirty="0"/>
               <a:t>Click to edit Master title style</a:t>
             </a:r>
-            <a:endParaRPr lang="en-US" dirty="0"/>
           </a:p>
         </p:txBody>
       </p:sp>
@@ -733,10 +748,9 @@
           </a:lstStyle>
           <a:p>
             <a:r>
-              <a:rPr lang="en-US" dirty="0" smtClean="0"/>
+              <a:rPr lang="en-US" dirty="0"/>
               <a:t>Click to edit Master subtitle style</a:t>
             </a:r>
-            <a:endParaRPr lang="en-US" dirty="0"/>
           </a:p>
         </p:txBody>
       </p:sp>
@@ -757,7 +771,7 @@
           <a:p>
             <a:fld id="{42B8B0BE-C8D7-EB48-AD68-71DB5002F24B}" type="datetimeFigureOut">
               <a:rPr lang="en-US" smtClean="0"/>
-              <a:t>1/23/19</a:t>
+              <a:t>1/27/21</a:t>
             </a:fld>
             <a:endParaRPr lang="en-US"/>
           </a:p>
@@ -851,10 +865,9 @@
           <a:lstStyle/>
           <a:p>
             <a:r>
-              <a:rPr lang="en-US" smtClean="0"/>
+              <a:rPr lang="en-US"/>
               <a:t>Click to edit Master title style</a:t>
             </a:r>
-            <a:endParaRPr lang="en-US"/>
           </a:p>
         </p:txBody>
       </p:sp>
@@ -875,38 +888,37 @@
           <a:p>
             <a:pPr lvl="0"/>
             <a:r>
-              <a:rPr lang="en-US" smtClean="0"/>
+              <a:rPr lang="en-US"/>
               <a:t>Click to edit Master text styles</a:t>
             </a:r>
           </a:p>
           <a:p>
             <a:pPr lvl="1"/>
             <a:r>
-              <a:rPr lang="en-US" smtClean="0"/>
+              <a:rPr lang="en-US"/>
               <a:t>Second level</a:t>
             </a:r>
           </a:p>
           <a:p>
             <a:pPr lvl="2"/>
             <a:r>
-              <a:rPr lang="en-US" smtClean="0"/>
+              <a:rPr lang="en-US"/>
               <a:t>Third level</a:t>
             </a:r>
           </a:p>
           <a:p>
             <a:pPr lvl="3"/>
             <a:r>
-              <a:rPr lang="en-US" smtClean="0"/>
+              <a:rPr lang="en-US"/>
               <a:t>Fourth level</a:t>
             </a:r>
           </a:p>
           <a:p>
             <a:pPr lvl="4"/>
             <a:r>
-              <a:rPr lang="en-US" smtClean="0"/>
+              <a:rPr lang="en-US"/>
               <a:t>Fifth level</a:t>
             </a:r>
-            <a:endParaRPr lang="en-US"/>
           </a:p>
         </p:txBody>
       </p:sp>
@@ -927,7 +939,7 @@
           <a:p>
             <a:fld id="{42B8B0BE-C8D7-EB48-AD68-71DB5002F24B}" type="datetimeFigureOut">
               <a:rPr lang="en-US" smtClean="0"/>
-              <a:t>1/23/19</a:t>
+              <a:t>1/27/21</a:t>
             </a:fld>
             <a:endParaRPr lang="en-US"/>
           </a:p>
@@ -1026,10 +1038,9 @@
           <a:lstStyle/>
           <a:p>
             <a:r>
-              <a:rPr lang="en-US" smtClean="0"/>
+              <a:rPr lang="en-US"/>
               <a:t>Click to edit Master title style</a:t>
             </a:r>
-            <a:endParaRPr lang="en-US"/>
           </a:p>
         </p:txBody>
       </p:sp>
@@ -1055,38 +1066,37 @@
           <a:p>
             <a:pPr lvl="0"/>
             <a:r>
-              <a:rPr lang="en-US" smtClean="0"/>
+              <a:rPr lang="en-US"/>
               <a:t>Click to edit Master text styles</a:t>
             </a:r>
           </a:p>
           <a:p>
             <a:pPr lvl="1"/>
             <a:r>
-              <a:rPr lang="en-US" smtClean="0"/>
+              <a:rPr lang="en-US"/>
               <a:t>Second level</a:t>
             </a:r>
           </a:p>
           <a:p>
             <a:pPr lvl="2"/>
             <a:r>
-              <a:rPr lang="en-US" smtClean="0"/>
+              <a:rPr lang="en-US"/>
               <a:t>Third level</a:t>
             </a:r>
           </a:p>
           <a:p>
             <a:pPr lvl="3"/>
             <a:r>
-              <a:rPr lang="en-US" smtClean="0"/>
+              <a:rPr lang="en-US"/>
               <a:t>Fourth level</a:t>
             </a:r>
           </a:p>
           <a:p>
             <a:pPr lvl="4"/>
             <a:r>
-              <a:rPr lang="en-US" smtClean="0"/>
+              <a:rPr lang="en-US"/>
               <a:t>Fifth level</a:t>
             </a:r>
-            <a:endParaRPr lang="en-US"/>
           </a:p>
         </p:txBody>
       </p:sp>
@@ -1107,7 +1117,7 @@
           <a:p>
             <a:fld id="{42B8B0BE-C8D7-EB48-AD68-71DB5002F24B}" type="datetimeFigureOut">
               <a:rPr lang="en-US" smtClean="0"/>
-              <a:t>1/23/19</a:t>
+              <a:t>1/27/21</a:t>
             </a:fld>
             <a:endParaRPr lang="en-US"/>
           </a:p>
@@ -1201,10 +1211,9 @@
           <a:lstStyle/>
           <a:p>
             <a:r>
-              <a:rPr lang="en-US" smtClean="0"/>
+              <a:rPr lang="en-US"/>
               <a:t>Click to edit Master title style</a:t>
             </a:r>
-            <a:endParaRPr lang="en-US"/>
           </a:p>
         </p:txBody>
       </p:sp>
@@ -1225,38 +1234,37 @@
           <a:p>
             <a:pPr lvl="0"/>
             <a:r>
-              <a:rPr lang="en-US" smtClean="0"/>
+              <a:rPr lang="en-US"/>
               <a:t>Click to edit Master text styles</a:t>
             </a:r>
           </a:p>
           <a:p>
             <a:pPr lvl="1"/>
             <a:r>
-              <a:rPr lang="en-US" smtClean="0"/>
+              <a:rPr lang="en-US"/>
               <a:t>Second level</a:t>
             </a:r>
           </a:p>
           <a:p>
             <a:pPr lvl="2"/>
             <a:r>
-              <a:rPr lang="en-US" smtClean="0"/>
+              <a:rPr lang="en-US"/>
               <a:t>Third level</a:t>
             </a:r>
           </a:p>
           <a:p>
             <a:pPr lvl="3"/>
             <a:r>
-              <a:rPr lang="en-US" smtClean="0"/>
+              <a:rPr lang="en-US"/>
               <a:t>Fourth level</a:t>
             </a:r>
           </a:p>
           <a:p>
             <a:pPr lvl="4"/>
             <a:r>
-              <a:rPr lang="en-US" smtClean="0"/>
+              <a:rPr lang="en-US"/>
               <a:t>Fifth level</a:t>
             </a:r>
-            <a:endParaRPr lang="en-US"/>
           </a:p>
         </p:txBody>
       </p:sp>
@@ -1277,7 +1285,7 @@
           <a:p>
             <a:fld id="{42B8B0BE-C8D7-EB48-AD68-71DB5002F24B}" type="datetimeFigureOut">
               <a:rPr lang="en-US" smtClean="0"/>
-              <a:t>1/23/19</a:t>
+              <a:t>1/27/21</a:t>
             </a:fld>
             <a:endParaRPr lang="en-US"/>
           </a:p>
@@ -1380,10 +1388,9 @@
           </a:lstStyle>
           <a:p>
             <a:r>
-              <a:rPr lang="en-US" smtClean="0"/>
+              <a:rPr lang="en-US"/>
               <a:t>Click to edit Master title style</a:t>
             </a:r>
-            <a:endParaRPr lang="en-US"/>
           </a:p>
         </p:txBody>
       </p:sp>
@@ -1500,7 +1507,7 @@
           <a:p>
             <a:pPr lvl="0"/>
             <a:r>
-              <a:rPr lang="en-US" smtClean="0"/>
+              <a:rPr lang="en-US"/>
               <a:t>Click to edit Master text styles</a:t>
             </a:r>
           </a:p>
@@ -1523,7 +1530,7 @@
           <a:p>
             <a:fld id="{42B8B0BE-C8D7-EB48-AD68-71DB5002F24B}" type="datetimeFigureOut">
               <a:rPr lang="en-US" smtClean="0"/>
-              <a:t>1/23/19</a:t>
+              <a:t>1/27/21</a:t>
             </a:fld>
             <a:endParaRPr lang="en-US"/>
           </a:p>
@@ -1617,10 +1624,9 @@
           <a:lstStyle/>
           <a:p>
             <a:r>
-              <a:rPr lang="en-US" smtClean="0"/>
+              <a:rPr lang="en-US"/>
               <a:t>Click to edit Master title style</a:t>
             </a:r>
-            <a:endParaRPr lang="en-US"/>
           </a:p>
         </p:txBody>
       </p:sp>
@@ -1674,38 +1680,37 @@
           <a:p>
             <a:pPr lvl="0"/>
             <a:r>
-              <a:rPr lang="en-US" smtClean="0"/>
+              <a:rPr lang="en-US"/>
               <a:t>Click to edit Master text styles</a:t>
             </a:r>
           </a:p>
           <a:p>
             <a:pPr lvl="1"/>
             <a:r>
-              <a:rPr lang="en-US" smtClean="0"/>
+              <a:rPr lang="en-US"/>
               <a:t>Second level</a:t>
             </a:r>
           </a:p>
           <a:p>
             <a:pPr lvl="2"/>
             <a:r>
-              <a:rPr lang="en-US" smtClean="0"/>
+              <a:rPr lang="en-US"/>
               <a:t>Third level</a:t>
             </a:r>
           </a:p>
           <a:p>
             <a:pPr lvl="3"/>
             <a:r>
-              <a:rPr lang="en-US" smtClean="0"/>
+              <a:rPr lang="en-US"/>
               <a:t>Fourth level</a:t>
             </a:r>
           </a:p>
           <a:p>
             <a:pPr lvl="4"/>
             <a:r>
-              <a:rPr lang="en-US" smtClean="0"/>
+              <a:rPr lang="en-US"/>
               <a:t>Fifth level</a:t>
             </a:r>
-            <a:endParaRPr lang="en-US"/>
           </a:p>
         </p:txBody>
       </p:sp>
@@ -1759,38 +1764,37 @@
           <a:p>
             <a:pPr lvl="0"/>
             <a:r>
-              <a:rPr lang="en-US" smtClean="0"/>
+              <a:rPr lang="en-US"/>
               <a:t>Click to edit Master text styles</a:t>
             </a:r>
           </a:p>
           <a:p>
             <a:pPr lvl="1"/>
             <a:r>
-              <a:rPr lang="en-US" smtClean="0"/>
+              <a:rPr lang="en-US"/>
               <a:t>Second level</a:t>
             </a:r>
           </a:p>
           <a:p>
             <a:pPr lvl="2"/>
             <a:r>
-              <a:rPr lang="en-US" smtClean="0"/>
+              <a:rPr lang="en-US"/>
               <a:t>Third level</a:t>
             </a:r>
           </a:p>
           <a:p>
             <a:pPr lvl="3"/>
             <a:r>
-              <a:rPr lang="en-US" smtClean="0"/>
+              <a:rPr lang="en-US"/>
               <a:t>Fourth level</a:t>
             </a:r>
           </a:p>
           <a:p>
             <a:pPr lvl="4"/>
             <a:r>
-              <a:rPr lang="en-US" smtClean="0"/>
+              <a:rPr lang="en-US"/>
               <a:t>Fifth level</a:t>
             </a:r>
-            <a:endParaRPr lang="en-US"/>
           </a:p>
         </p:txBody>
       </p:sp>
@@ -1811,7 +1815,7 @@
           <a:p>
             <a:fld id="{42B8B0BE-C8D7-EB48-AD68-71DB5002F24B}" type="datetimeFigureOut">
               <a:rPr lang="en-US" smtClean="0"/>
-              <a:t>1/23/19</a:t>
+              <a:t>1/27/21</a:t>
             </a:fld>
             <a:endParaRPr lang="en-US"/>
           </a:p>
@@ -1909,10 +1913,9 @@
           </a:lstStyle>
           <a:p>
             <a:r>
-              <a:rPr lang="en-US" smtClean="0"/>
+              <a:rPr lang="en-US"/>
               <a:t>Click to edit Master title style</a:t>
             </a:r>
-            <a:endParaRPr lang="en-US"/>
           </a:p>
         </p:txBody>
       </p:sp>
@@ -1975,7 +1978,7 @@
           <a:p>
             <a:pPr lvl="0"/>
             <a:r>
-              <a:rPr lang="en-US" smtClean="0"/>
+              <a:rPr lang="en-US"/>
               <a:t>Click to edit Master text styles</a:t>
             </a:r>
           </a:p>
@@ -2031,38 +2034,37 @@
           <a:p>
             <a:pPr lvl="0"/>
             <a:r>
-              <a:rPr lang="en-US" smtClean="0"/>
+              <a:rPr lang="en-US"/>
               <a:t>Click to edit Master text styles</a:t>
             </a:r>
           </a:p>
           <a:p>
             <a:pPr lvl="1"/>
             <a:r>
-              <a:rPr lang="en-US" smtClean="0"/>
+              <a:rPr lang="en-US"/>
               <a:t>Second level</a:t>
             </a:r>
           </a:p>
           <a:p>
             <a:pPr lvl="2"/>
             <a:r>
-              <a:rPr lang="en-US" smtClean="0"/>
+              <a:rPr lang="en-US"/>
               <a:t>Third level</a:t>
             </a:r>
           </a:p>
           <a:p>
             <a:pPr lvl="3"/>
             <a:r>
-              <a:rPr lang="en-US" smtClean="0"/>
+              <a:rPr lang="en-US"/>
               <a:t>Fourth level</a:t>
             </a:r>
           </a:p>
           <a:p>
             <a:pPr lvl="4"/>
             <a:r>
-              <a:rPr lang="en-US" smtClean="0"/>
+              <a:rPr lang="en-US"/>
               <a:t>Fifth level</a:t>
             </a:r>
-            <a:endParaRPr lang="en-US"/>
           </a:p>
         </p:txBody>
       </p:sp>
@@ -2125,7 +2127,7 @@
           <a:p>
             <a:pPr lvl="0"/>
             <a:r>
-              <a:rPr lang="en-US" smtClean="0"/>
+              <a:rPr lang="en-US"/>
               <a:t>Click to edit Master text styles</a:t>
             </a:r>
           </a:p>
@@ -2181,38 +2183,37 @@
           <a:p>
             <a:pPr lvl="0"/>
             <a:r>
-              <a:rPr lang="en-US" smtClean="0"/>
+              <a:rPr lang="en-US"/>
               <a:t>Click to edit Master text styles</a:t>
             </a:r>
           </a:p>
           <a:p>
             <a:pPr lvl="1"/>
             <a:r>
-              <a:rPr lang="en-US" smtClean="0"/>
+              <a:rPr lang="en-US"/>
               <a:t>Second level</a:t>
             </a:r>
           </a:p>
           <a:p>
             <a:pPr lvl="2"/>
             <a:r>
-              <a:rPr lang="en-US" smtClean="0"/>
+              <a:rPr lang="en-US"/>
               <a:t>Third level</a:t>
             </a:r>
           </a:p>
           <a:p>
             <a:pPr lvl="3"/>
             <a:r>
-              <a:rPr lang="en-US" smtClean="0"/>
+              <a:rPr lang="en-US"/>
               <a:t>Fourth level</a:t>
             </a:r>
           </a:p>
           <a:p>
             <a:pPr lvl="4"/>
             <a:r>
-              <a:rPr lang="en-US" smtClean="0"/>
+              <a:rPr lang="en-US"/>
               <a:t>Fifth level</a:t>
             </a:r>
-            <a:endParaRPr lang="en-US"/>
           </a:p>
         </p:txBody>
       </p:sp>
@@ -2233,7 +2234,7 @@
           <a:p>
             <a:fld id="{42B8B0BE-C8D7-EB48-AD68-71DB5002F24B}" type="datetimeFigureOut">
               <a:rPr lang="en-US" smtClean="0"/>
-              <a:t>1/23/19</a:t>
+              <a:t>1/27/21</a:t>
             </a:fld>
             <a:endParaRPr lang="en-US"/>
           </a:p>
@@ -2327,10 +2328,9 @@
           <a:lstStyle/>
           <a:p>
             <a:r>
-              <a:rPr lang="en-US" smtClean="0"/>
+              <a:rPr lang="en-US"/>
               <a:t>Click to edit Master title style</a:t>
             </a:r>
-            <a:endParaRPr lang="en-US"/>
           </a:p>
         </p:txBody>
       </p:sp>
@@ -2351,7 +2351,7 @@
           <a:p>
             <a:fld id="{42B8B0BE-C8D7-EB48-AD68-71DB5002F24B}" type="datetimeFigureOut">
               <a:rPr lang="en-US" smtClean="0"/>
-              <a:t>1/23/19</a:t>
+              <a:t>1/27/21</a:t>
             </a:fld>
             <a:endParaRPr lang="en-US"/>
           </a:p>
@@ -2446,7 +2446,7 @@
           <a:p>
             <a:fld id="{42B8B0BE-C8D7-EB48-AD68-71DB5002F24B}" type="datetimeFigureOut">
               <a:rPr lang="en-US" smtClean="0"/>
-              <a:t>1/23/19</a:t>
+              <a:t>1/27/21</a:t>
             </a:fld>
             <a:endParaRPr lang="en-US"/>
           </a:p>
@@ -2549,10 +2549,9 @@
           </a:lstStyle>
           <a:p>
             <a:r>
-              <a:rPr lang="en-US" smtClean="0"/>
+              <a:rPr lang="en-US"/>
               <a:t>Click to edit Master title style</a:t>
             </a:r>
-            <a:endParaRPr lang="en-US"/>
           </a:p>
         </p:txBody>
       </p:sp>
@@ -2606,38 +2605,37 @@
           <a:p>
             <a:pPr lvl="0"/>
             <a:r>
-              <a:rPr lang="en-US" smtClean="0"/>
+              <a:rPr lang="en-US"/>
               <a:t>Click to edit Master text styles</a:t>
             </a:r>
           </a:p>
           <a:p>
             <a:pPr lvl="1"/>
             <a:r>
-              <a:rPr lang="en-US" smtClean="0"/>
+              <a:rPr lang="en-US"/>
               <a:t>Second level</a:t>
             </a:r>
           </a:p>
           <a:p>
             <a:pPr lvl="2"/>
             <a:r>
-              <a:rPr lang="en-US" smtClean="0"/>
+              <a:rPr lang="en-US"/>
               <a:t>Third level</a:t>
             </a:r>
           </a:p>
           <a:p>
             <a:pPr lvl="3"/>
             <a:r>
-              <a:rPr lang="en-US" smtClean="0"/>
+              <a:rPr lang="en-US"/>
               <a:t>Fourth level</a:t>
             </a:r>
           </a:p>
           <a:p>
             <a:pPr lvl="4"/>
             <a:r>
-              <a:rPr lang="en-US" smtClean="0"/>
+              <a:rPr lang="en-US"/>
               <a:t>Fifth level</a:t>
             </a:r>
-            <a:endParaRPr lang="en-US"/>
           </a:p>
         </p:txBody>
       </p:sp>
@@ -2700,7 +2698,7 @@
           <a:p>
             <a:pPr lvl="0"/>
             <a:r>
-              <a:rPr lang="en-US" smtClean="0"/>
+              <a:rPr lang="en-US"/>
               <a:t>Click to edit Master text styles</a:t>
             </a:r>
           </a:p>
@@ -2723,7 +2721,7 @@
           <a:p>
             <a:fld id="{42B8B0BE-C8D7-EB48-AD68-71DB5002F24B}" type="datetimeFigureOut">
               <a:rPr lang="en-US" smtClean="0"/>
-              <a:t>1/23/19</a:t>
+              <a:t>1/27/21</a:t>
             </a:fld>
             <a:endParaRPr lang="en-US"/>
           </a:p>
@@ -2826,10 +2824,9 @@
           </a:lstStyle>
           <a:p>
             <a:r>
-              <a:rPr lang="en-US" smtClean="0"/>
+              <a:rPr lang="en-US"/>
               <a:t>Click to edit Master title style</a:t>
             </a:r>
-            <a:endParaRPr lang="en-US"/>
           </a:p>
         </p:txBody>
       </p:sp>
@@ -2953,7 +2950,7 @@
           <a:p>
             <a:pPr lvl="0"/>
             <a:r>
-              <a:rPr lang="en-US" smtClean="0"/>
+              <a:rPr lang="en-US"/>
               <a:t>Click to edit Master text styles</a:t>
             </a:r>
           </a:p>
@@ -2976,7 +2973,7 @@
           <a:p>
             <a:fld id="{42B8B0BE-C8D7-EB48-AD68-71DB5002F24B}" type="datetimeFigureOut">
               <a:rPr lang="en-US" smtClean="0"/>
-              <a:t>1/23/19</a:t>
+              <a:t>1/27/21</a:t>
             </a:fld>
             <a:endParaRPr lang="en-US"/>
           </a:p>
@@ -3085,10 +3082,9 @@
           <a:lstStyle/>
           <a:p>
             <a:r>
-              <a:rPr lang="en-US" smtClean="0"/>
+              <a:rPr lang="en-US"/>
               <a:t>Click to edit Master title style</a:t>
             </a:r>
-            <a:endParaRPr lang="en-US"/>
           </a:p>
         </p:txBody>
       </p:sp>
@@ -3119,38 +3115,37 @@
           <a:p>
             <a:pPr lvl="0"/>
             <a:r>
-              <a:rPr lang="en-US" smtClean="0"/>
+              <a:rPr lang="en-US"/>
               <a:t>Click to edit Master text styles</a:t>
             </a:r>
           </a:p>
           <a:p>
             <a:pPr lvl="1"/>
             <a:r>
-              <a:rPr lang="en-US" smtClean="0"/>
+              <a:rPr lang="en-US"/>
               <a:t>Second level</a:t>
             </a:r>
           </a:p>
           <a:p>
             <a:pPr lvl="2"/>
             <a:r>
-              <a:rPr lang="en-US" smtClean="0"/>
+              <a:rPr lang="en-US"/>
               <a:t>Third level</a:t>
             </a:r>
           </a:p>
           <a:p>
             <a:pPr lvl="3"/>
             <a:r>
-              <a:rPr lang="en-US" smtClean="0"/>
+              <a:rPr lang="en-US"/>
               <a:t>Fourth level</a:t>
             </a:r>
           </a:p>
           <a:p>
             <a:pPr lvl="4"/>
             <a:r>
-              <a:rPr lang="en-US" smtClean="0"/>
+              <a:rPr lang="en-US"/>
               <a:t>Fifth level</a:t>
             </a:r>
-            <a:endParaRPr lang="en-US"/>
           </a:p>
         </p:txBody>
       </p:sp>
@@ -3189,7 +3184,7 @@
           <a:p>
             <a:fld id="{42B8B0BE-C8D7-EB48-AD68-71DB5002F24B}" type="datetimeFigureOut">
               <a:rPr lang="en-US" smtClean="0"/>
-              <a:t>1/23/19</a:t>
+              <a:t>1/27/21</a:t>
             </a:fld>
             <a:endParaRPr lang="en-US"/>
           </a:p>
@@ -3587,44 +3582,27 @@
           <a:lstStyle/>
           <a:p>
             <a:r>
-              <a:rPr lang="en-US" sz="3200" dirty="0" smtClean="0"/>
+              <a:rPr lang="en-US" sz="3200" dirty="0"/>
               <a:t>Excel, </a:t>
             </a:r>
             <a:r>
-              <a:rPr lang="en-US" sz="3200" i="1" dirty="0" smtClean="0"/>
+              <a:rPr lang="en-US" sz="3200" i="1" dirty="0"/>
               <a:t>vi</a:t>
             </a:r>
             <a:r>
-              <a:rPr lang="en-US" sz="3200" dirty="0" smtClean="0"/>
-              <a:t> </a:t>
-            </a:r>
-            <a:r>
-              <a:rPr lang="en-US" sz="3200" dirty="0" smtClean="0"/>
-              <a:t>and regular expression –lab</a:t>
-            </a:r>
-            <a:br>
-              <a:rPr lang="en-US" sz="3200" dirty="0" smtClean="0"/>
-            </a:br>
-            <a:r>
               <a:rPr lang="en-US" sz="3200" dirty="0"/>
-              <a:t/>
+              <a:t> and regular expression –lab</a:t>
             </a:r>
             <a:br>
               <a:rPr lang="en-US" sz="3200" dirty="0"/>
             </a:br>
-            <a:r>
-              <a:rPr lang="en-US" sz="2000" dirty="0" smtClean="0"/>
-              <a:t>Bioinformatics Applications</a:t>
-            </a:r>
+            <a:br>
+              <a:rPr lang="en-US" sz="3200" dirty="0"/>
+            </a:br>
             <a:r>
               <a:rPr lang="en-US" sz="2000" dirty="0"/>
-              <a:t> </a:t>
-            </a:r>
-            <a:r>
-              <a:rPr lang="en-US" sz="2000" dirty="0" smtClean="0"/>
-              <a:t>(PLPTH813)</a:t>
-            </a:r>
-            <a:endParaRPr lang="en-US" sz="2000" dirty="0"/>
+              <a:t>Bioinformatics Applications (PLPTH813)</a:t>
+            </a:r>
           </a:p>
         </p:txBody>
       </p:sp>
@@ -3651,7 +3629,7 @@
           <a:lstStyle/>
           <a:p>
             <a:r>
-              <a:rPr lang="en-US" sz="2800" dirty="0" smtClean="0"/>
+              <a:rPr lang="en-US" sz="2800" dirty="0"/>
               <a:t>Sanzhen Liu</a:t>
             </a:r>
           </a:p>
@@ -3660,14 +3638,9 @@
           </a:p>
           <a:p>
             <a:r>
-              <a:rPr lang="en-US" sz="2800" dirty="0" smtClean="0"/>
-              <a:t>1</a:t>
-            </a:r>
-            <a:r>
-              <a:rPr lang="en-US" sz="2800" dirty="0" smtClean="0"/>
-              <a:t>/24/2019</a:t>
-            </a:r>
-            <a:endParaRPr lang="en-US" sz="2800" dirty="0"/>
+              <a:rPr lang="en-US" sz="2800" dirty="0"/>
+              <a:t>1/28/2021</a:t>
+            </a:r>
           </a:p>
         </p:txBody>
       </p:sp>
@@ -3681,13 +3654,6 @@
   <p:clrMapOvr>
     <a:masterClrMapping/>
   </p:clrMapOvr>
-  <p:timing>
-    <p:tnLst>
-      <p:par>
-        <p:cTn xmlns:p14="http://schemas.microsoft.com/office/powerpoint/2010/main" id="1" dur="indefinite" restart="never" nodeType="tmRoot"/>
-      </p:par>
-    </p:tnLst>
-  </p:timing>
 </p:sld>
 </file>
 
@@ -3724,10 +3690,9 @@
           <a:lstStyle/>
           <a:p>
             <a:r>
-              <a:rPr lang="en-US" dirty="0" smtClean="0"/>
+              <a:rPr lang="en-US" dirty="0"/>
               <a:t>End-of-line</a:t>
             </a:r>
-            <a:endParaRPr lang="en-US" dirty="0"/>
           </a:p>
         </p:txBody>
       </p:sp>
@@ -3759,7 +3724,7 @@
               </a:lnSpc>
             </a:pPr>
             <a:r>
-              <a:rPr lang="en-US" sz="2800" b="1" dirty="0" smtClean="0">
+              <a:rPr lang="en-US" sz="2800" b="1" dirty="0">
                 <a:solidFill>
                   <a:srgbClr val="17375E"/>
                 </a:solidFill>
@@ -3767,10 +3732,9 @@
               <a:t>\r (or \n)</a:t>
             </a:r>
             <a:r>
-              <a:rPr lang="en-US" sz="2800" dirty="0" smtClean="0"/>
+              <a:rPr lang="en-US" sz="2800" dirty="0"/>
               <a:t>: end-of-line</a:t>
             </a:r>
-            <a:endParaRPr lang="en-US" sz="2800" dirty="0"/>
           </a:p>
         </p:txBody>
       </p:sp>
@@ -4017,8 +3981,20 @@
             <a:tbl>
               <a:tblPr/>
               <a:tblGrid>
-                <a:gridCol w="1663700"/>
-                <a:gridCol w="1435100"/>
+                <a:gridCol w="1663700">
+                  <a:extLst>
+                    <a:ext uri="{9D8B030D-6E8A-4147-A177-3AD203B41FA5}">
+                      <a16:colId xmlns:a16="http://schemas.microsoft.com/office/drawing/2014/main" val="20000"/>
+                    </a:ext>
+                  </a:extLst>
+                </a:gridCol>
+                <a:gridCol w="1435100">
+                  <a:extLst>
+                    <a:ext uri="{9D8B030D-6E8A-4147-A177-3AD203B41FA5}">
+                      <a16:colId xmlns:a16="http://schemas.microsoft.com/office/drawing/2014/main" val="20001"/>
+                    </a:ext>
+                  </a:extLst>
+                </a:gridCol>
               </a:tblGrid>
               <a:tr h="381000">
                 <a:tc>
@@ -4135,6 +4111,11 @@
                     </a:lnB>
                   </a:tcPr>
                 </a:tc>
+                <a:extLst>
+                  <a:ext uri="{0D108BD9-81ED-4DB2-BD59-A6C34878D82A}">
+                    <a16:rowId xmlns:a16="http://schemas.microsoft.com/office/drawing/2014/main" val="10000"/>
+                  </a:ext>
+                </a:extLst>
               </a:tr>
               <a:tr h="381000">
                 <a:tc>
@@ -4144,7 +4125,7 @@
                     <a:p>
                       <a:pPr algn="l" fontAlgn="ctr"/>
                       <a:r>
-                        <a:rPr lang="pl-PL" sz="2000" b="0" i="0" u="none" strike="noStrike" dirty="0" smtClean="0">
+                        <a:rPr lang="pl-PL" sz="2000" b="0" i="0" u="none" strike="noStrike" dirty="0">
                           <a:solidFill>
                             <a:srgbClr val="000000"/>
                           </a:solidFill>
@@ -4154,7 +4135,7 @@
                         <a:t>\r</a:t>
                       </a:r>
                       <a:r>
-                        <a:rPr lang="pl-PL" sz="2000" b="0" i="0" u="none" strike="noStrike" baseline="0" dirty="0" smtClean="0">
+                        <a:rPr lang="pl-PL" sz="2000" b="0" i="0" u="none" strike="noStrike" baseline="0" dirty="0">
                           <a:solidFill>
                             <a:srgbClr val="000000"/>
                           </a:solidFill>
@@ -4164,7 +4145,7 @@
                         <a:t> (</a:t>
                       </a:r>
                       <a:r>
-                        <a:rPr lang="pl-PL" sz="2000" b="0" i="0" u="none" strike="noStrike" baseline="0" dirty="0" err="1" smtClean="0">
+                        <a:rPr lang="pl-PL" sz="2000" b="0" i="0" u="none" strike="noStrike" baseline="0" dirty="0" err="1">
                           <a:solidFill>
                             <a:srgbClr val="000000"/>
                           </a:solidFill>
@@ -4174,7 +4155,7 @@
                         <a:t>or</a:t>
                       </a:r>
                       <a:r>
-                        <a:rPr lang="pl-PL" sz="2000" b="0" i="0" u="none" strike="noStrike" baseline="0" dirty="0" smtClean="0">
+                        <a:rPr lang="pl-PL" sz="2000" b="0" i="0" u="none" strike="noStrike" baseline="0" dirty="0">
                           <a:solidFill>
                             <a:srgbClr val="000000"/>
                           </a:solidFill>
@@ -4238,7 +4219,7 @@
                     <a:p>
                       <a:pPr algn="l" fontAlgn="b"/>
                       <a:r>
-                        <a:rPr lang="en-US" sz="2000" b="0" i="0" u="none" strike="noStrike" dirty="0" smtClean="0">
+                        <a:rPr lang="en-US" sz="2000" b="0" i="0" u="none" strike="noStrike" dirty="0">
                           <a:solidFill>
                             <a:srgbClr val="000000"/>
                           </a:solidFill>
@@ -4247,13 +4228,6 @@
                         </a:rPr>
                         <a:t>,</a:t>
                       </a:r>
-                      <a:endParaRPr lang="en-US" sz="2000" b="0" i="0" u="none" strike="noStrike" dirty="0">
-                        <a:solidFill>
-                          <a:srgbClr val="000000"/>
-                        </a:solidFill>
-                        <a:effectLst/>
-                        <a:latin typeface="Courier"/>
-                      </a:endParaRPr>
                     </a:p>
                   </a:txBody>
                   <a:tcPr marL="12700" marR="12700" marT="12700" marB="0" anchor="b">
@@ -4295,6 +4269,11 @@
                     </a:lnB>
                   </a:tcPr>
                 </a:tc>
+                <a:extLst>
+                  <a:ext uri="{0D108BD9-81ED-4DB2-BD59-A6C34878D82A}">
+                    <a16:rowId xmlns:a16="http://schemas.microsoft.com/office/drawing/2014/main" val="10001"/>
+                  </a:ext>
+                </a:extLst>
               </a:tr>
               <a:tr h="381000">
                 <a:tc>
@@ -4304,7 +4283,7 @@
                     <a:p>
                       <a:pPr algn="l" fontAlgn="ctr"/>
                       <a:r>
-                        <a:rPr lang="pl-PL" sz="2000" b="0" i="0" u="none" strike="noStrike" dirty="0" smtClean="0">
+                        <a:rPr lang="pl-PL" sz="2000" b="0" i="0" u="none" strike="noStrike" dirty="0">
                           <a:solidFill>
                             <a:srgbClr val="000000"/>
                           </a:solidFill>
@@ -4313,13 +4292,6 @@
                         </a:rPr>
                         <a:t>,</a:t>
                       </a:r>
-                      <a:endParaRPr lang="pl-PL" sz="2000" b="0" i="0" u="none" strike="noStrike" dirty="0">
-                        <a:solidFill>
-                          <a:srgbClr val="000000"/>
-                        </a:solidFill>
-                        <a:effectLst/>
-                        <a:latin typeface="Courier"/>
-                      </a:endParaRPr>
                     </a:p>
                   </a:txBody>
                   <a:tcPr marL="12700" marR="12700" marT="12700" marB="0" anchor="ctr">
@@ -4368,7 +4340,7 @@
                     <a:p>
                       <a:pPr algn="l" fontAlgn="b"/>
                       <a:r>
-                        <a:rPr lang="en-US" sz="2000" b="0" i="0" u="none" strike="noStrike" dirty="0" smtClean="0">
+                        <a:rPr lang="en-US" sz="2000" b="0" i="0" u="none" strike="noStrike" dirty="0">
                           <a:solidFill>
                             <a:srgbClr val="000000"/>
                           </a:solidFill>
@@ -4377,13 +4349,6 @@
                         </a:rPr>
                         <a:t>\n</a:t>
                       </a:r>
-                      <a:endParaRPr lang="en-US" sz="2000" b="0" i="0" u="none" strike="noStrike" dirty="0">
-                        <a:solidFill>
-                          <a:srgbClr val="000000"/>
-                        </a:solidFill>
-                        <a:effectLst/>
-                        <a:latin typeface="Courier"/>
-                      </a:endParaRPr>
                     </a:p>
                   </a:txBody>
                   <a:tcPr marL="12700" marR="12700" marT="12700" marB="0" anchor="b">
@@ -4425,6 +4390,11 @@
                     </a:lnB>
                   </a:tcPr>
                 </a:tc>
+                <a:extLst>
+                  <a:ext uri="{0D108BD9-81ED-4DB2-BD59-A6C34878D82A}">
+                    <a16:rowId xmlns:a16="http://schemas.microsoft.com/office/drawing/2014/main" val="10002"/>
+                  </a:ext>
+                </a:extLst>
               </a:tr>
             </a:tbl>
           </a:graphicData>
@@ -4476,10 +4446,9 @@
           <a:lstStyle/>
           <a:p>
             <a:r>
-              <a:rPr lang="en-US" dirty="0" smtClean="0"/>
+              <a:rPr lang="en-US" dirty="0"/>
               <a:t>Work character and others</a:t>
             </a:r>
-            <a:endParaRPr lang="en-US" dirty="0"/>
           </a:p>
         </p:txBody>
       </p:sp>
@@ -4516,27 +4485,11 @@
                   <a:srgbClr val="17375E"/>
                 </a:solidFill>
               </a:rPr>
-              <a:t>\</a:t>
-            </a:r>
-            <a:r>
-              <a:rPr lang="en-US" b="1" dirty="0" smtClean="0">
-                <a:solidFill>
-                  <a:srgbClr val="17375E"/>
-                </a:solidFill>
-              </a:rPr>
-              <a:t>w </a:t>
-            </a:r>
-            <a:r>
-              <a:rPr lang="en-US" dirty="0" smtClean="0"/>
-              <a:t>: a </a:t>
+              <a:t>\w </a:t>
             </a:r>
             <a:r>
               <a:rPr lang="en-US" dirty="0"/>
-              <a:t>word character, including letters, numbers and </a:t>
-            </a:r>
-            <a:r>
-              <a:rPr lang="en-US" dirty="0" smtClean="0"/>
-              <a:t>underscore</a:t>
+              <a:t>: a word character, including letters, numbers and underscore</a:t>
             </a:r>
           </a:p>
           <a:p>
@@ -4546,7 +4499,7 @@
               </a:lnSpc>
             </a:pPr>
             <a:r>
-              <a:rPr lang="en-US" b="1" dirty="0" smtClean="0">
+              <a:rPr lang="en-US" b="1" dirty="0">
                 <a:solidFill>
                   <a:srgbClr val="17375E"/>
                 </a:solidFill>
@@ -4554,16 +4507,8 @@
               <a:t>+</a:t>
             </a:r>
             <a:r>
-              <a:rPr lang="en-US" dirty="0" smtClean="0"/>
-              <a:t> </a:t>
-            </a:r>
-            <a:r>
               <a:rPr lang="en-US" dirty="0"/>
-              <a:t>: 1 or more previous regular </a:t>
-            </a:r>
-            <a:r>
-              <a:rPr lang="en-US" dirty="0" smtClean="0"/>
-              <a:t>expression</a:t>
+              <a:t> : 1 or more previous regular expression</a:t>
             </a:r>
           </a:p>
           <a:p>
@@ -4581,14 +4526,10 @@
               <a:t>?</a:t>
             </a:r>
             <a:r>
-              <a:rPr lang="en-US" dirty="0" smtClean="0"/>
-              <a:t> :  </a:t>
-            </a:r>
-            <a:r>
               <a:rPr lang="en-US" dirty="0"/>
-              <a:t>0 or 1 previous regular expression</a:t>
-            </a:r>
-            <a:endParaRPr lang="en-US" b="1" dirty="0" smtClean="0">
+              <a:t> :  0 or 1 previous regular expression</a:t>
+            </a:r>
+            <a:endParaRPr lang="en-US" b="1" dirty="0">
               <a:solidFill>
                 <a:srgbClr val="17375E"/>
               </a:solidFill>
@@ -4601,7 +4542,7 @@
               </a:lnSpc>
             </a:pPr>
             <a:r>
-              <a:rPr lang="en-US" b="1" dirty="0" smtClean="0">
+              <a:rPr lang="en-US" b="1" dirty="0">
                 <a:solidFill>
                   <a:srgbClr val="17375E"/>
                 </a:solidFill>
@@ -4609,16 +4550,8 @@
               <a:t>.</a:t>
             </a:r>
             <a:r>
-              <a:rPr lang="en-US" dirty="0" smtClean="0"/>
-              <a:t>  </a:t>
-            </a:r>
-            <a:r>
               <a:rPr lang="en-US" dirty="0"/>
-              <a:t>: any character except \n \</a:t>
-            </a:r>
-            <a:r>
-              <a:rPr lang="en-US" dirty="0" smtClean="0"/>
-              <a:t>r</a:t>
+              <a:t>  : any character except \n \r</a:t>
             </a:r>
           </a:p>
           <a:p>
@@ -4801,18 +4734,18 @@
               <a:buNone/>
             </a:pPr>
             <a:r>
-              <a:rPr lang="en-US" dirty="0" err="1" smtClean="0"/>
+              <a:rPr lang="en-US" dirty="0" err="1"/>
               <a:t>Agalma</a:t>
             </a:r>
             <a:r>
-              <a:rPr lang="en-US" dirty="0" smtClean="0"/>
+              <a:rPr lang="en-US" dirty="0"/>
               <a:t> </a:t>
             </a:r>
             <a:r>
-              <a:rPr lang="en-US" dirty="0" err="1" smtClean="0"/>
+              <a:rPr lang="en-US" dirty="0" err="1"/>
               <a:t>elegans</a:t>
             </a:r>
-            <a:endParaRPr lang="en-US" dirty="0" smtClean="0"/>
+            <a:endParaRPr lang="en-US" dirty="0"/>
           </a:p>
           <a:p>
             <a:pPr marL="0" indent="0">
@@ -4820,18 +4753,18 @@
               <a:buNone/>
             </a:pPr>
             <a:r>
-              <a:rPr lang="en-US" dirty="0" err="1" smtClean="0"/>
+              <a:rPr lang="en-US" dirty="0" err="1"/>
               <a:t>Frillagalma</a:t>
             </a:r>
             <a:r>
-              <a:rPr lang="en-US" dirty="0" smtClean="0"/>
+              <a:rPr lang="en-US" dirty="0"/>
               <a:t> </a:t>
             </a:r>
             <a:r>
-              <a:rPr lang="en-US" dirty="0" err="1" smtClean="0"/>
+              <a:rPr lang="en-US" dirty="0" err="1"/>
               <a:t>vitiazi</a:t>
             </a:r>
-            <a:endParaRPr lang="en-US" dirty="0" smtClean="0"/>
+            <a:endParaRPr lang="en-US" dirty="0"/>
           </a:p>
           <a:p>
             <a:pPr marL="0" indent="0">
@@ -4839,15 +4772,15 @@
               <a:buNone/>
             </a:pPr>
             <a:r>
-              <a:rPr lang="en-US" dirty="0" err="1" smtClean="0"/>
+              <a:rPr lang="en-US" dirty="0" err="1"/>
               <a:t>Mus</a:t>
             </a:r>
             <a:r>
-              <a:rPr lang="en-US" dirty="0" smtClean="0"/>
+              <a:rPr lang="en-US" dirty="0"/>
               <a:t> </a:t>
             </a:r>
             <a:r>
-              <a:rPr lang="en-US" dirty="0" err="1" smtClean="0"/>
+              <a:rPr lang="en-US" dirty="0" err="1"/>
               <a:t>musculus</a:t>
             </a:r>
             <a:endParaRPr lang="en-US" dirty="0"/>
@@ -4877,8 +4810,20 @@
             <a:tbl>
               <a:tblPr/>
               <a:tblGrid>
-                <a:gridCol w="1695462"/>
-                <a:gridCol w="1435100"/>
+                <a:gridCol w="1695462">
+                  <a:extLst>
+                    <a:ext uri="{9D8B030D-6E8A-4147-A177-3AD203B41FA5}">
+                      <a16:colId xmlns:a16="http://schemas.microsoft.com/office/drawing/2014/main" val="20000"/>
+                    </a:ext>
+                  </a:extLst>
+                </a:gridCol>
+                <a:gridCol w="1435100">
+                  <a:extLst>
+                    <a:ext uri="{9D8B030D-6E8A-4147-A177-3AD203B41FA5}">
+                      <a16:colId xmlns:a16="http://schemas.microsoft.com/office/drawing/2014/main" val="20001"/>
+                    </a:ext>
+                  </a:extLst>
+                </a:gridCol>
               </a:tblGrid>
               <a:tr h="381000">
                 <a:tc>
@@ -5002,6 +4947,11 @@
                     </a:lnB>
                   </a:tcPr>
                 </a:tc>
+                <a:extLst>
+                  <a:ext uri="{0D108BD9-81ED-4DB2-BD59-A6C34878D82A}">
+                    <a16:rowId xmlns:a16="http://schemas.microsoft.com/office/drawing/2014/main" val="10000"/>
+                  </a:ext>
+                </a:extLst>
               </a:tr>
               <a:tr h="381000">
                 <a:tc>
@@ -5068,7 +5018,7 @@
                     <a:p>
                       <a:pPr algn="l" fontAlgn="b"/>
                       <a:r>
-                        <a:rPr lang="en-US" sz="2000" b="0" i="0" u="none" strike="noStrike" dirty="0" smtClean="0">
+                        <a:rPr lang="en-US" sz="2000" b="0" i="0" u="none" strike="noStrike" dirty="0">
                           <a:solidFill>
                             <a:srgbClr val="000000"/>
                           </a:solidFill>
@@ -5077,13 +5027,6 @@
                         </a:rPr>
                         <a:t>start</a:t>
                       </a:r>
-                      <a:endParaRPr lang="en-US" sz="2000" b="0" i="0" u="none" strike="noStrike" dirty="0">
-                        <a:solidFill>
-                          <a:srgbClr val="000000"/>
-                        </a:solidFill>
-                        <a:effectLst/>
-                        <a:latin typeface="Courier"/>
-                      </a:endParaRPr>
                     </a:p>
                   </a:txBody>
                   <a:tcPr marL="12700" marR="12700" marT="12700" marB="0" anchor="b">
@@ -5125,6 +5068,11 @@
                     </a:lnB>
                   </a:tcPr>
                 </a:tc>
+                <a:extLst>
+                  <a:ext uri="{0D108BD9-81ED-4DB2-BD59-A6C34878D82A}">
+                    <a16:rowId xmlns:a16="http://schemas.microsoft.com/office/drawing/2014/main" val="10001"/>
+                  </a:ext>
+                </a:extLst>
               </a:tr>
               <a:tr h="381000">
                 <a:tc>
@@ -5134,7 +5082,7 @@
                     <a:p>
                       <a:pPr algn="l" fontAlgn="ctr"/>
                       <a:r>
-                        <a:rPr lang="pl-PL" sz="2000" b="0" i="0" u="none" strike="noStrike" dirty="0" smtClean="0">
+                        <a:rPr lang="pl-PL" sz="2000" b="0" i="0" u="none" strike="noStrike" dirty="0">
                           <a:solidFill>
                             <a:srgbClr val="000000"/>
                           </a:solidFill>
@@ -5143,13 +5091,6 @@
                         </a:rPr>
                         <a:t>^A+</a:t>
                       </a:r>
-                      <a:endParaRPr lang="pl-PL" sz="2000" b="0" i="0" u="none" strike="noStrike" dirty="0">
-                        <a:solidFill>
-                          <a:srgbClr val="000000"/>
-                        </a:solidFill>
-                        <a:effectLst/>
-                        <a:latin typeface="Courier"/>
-                      </a:endParaRPr>
                     </a:p>
                   </a:txBody>
                   <a:tcPr marL="12700" marR="12700" marT="12700" marB="0" anchor="ctr">
@@ -5198,7 +5139,7 @@
                     <a:p>
                       <a:pPr algn="l" fontAlgn="b"/>
                       <a:r>
-                        <a:rPr lang="en-US" sz="2000" b="0" i="0" u="none" strike="noStrike" dirty="0" smtClean="0">
+                        <a:rPr lang="en-US" sz="2000" b="0" i="0" u="none" strike="noStrike" dirty="0">
                           <a:solidFill>
                             <a:srgbClr val="000000"/>
                           </a:solidFill>
@@ -5207,13 +5148,6 @@
                         </a:rPr>
                         <a:t>a</a:t>
                       </a:r>
-                      <a:endParaRPr lang="en-US" sz="2000" b="0" i="0" u="none" strike="noStrike" dirty="0">
-                        <a:solidFill>
-                          <a:srgbClr val="000000"/>
-                        </a:solidFill>
-                        <a:effectLst/>
-                        <a:latin typeface="Courier"/>
-                      </a:endParaRPr>
                     </a:p>
                   </a:txBody>
                   <a:tcPr marL="12700" marR="12700" marT="12700" marB="0" anchor="b">
@@ -5255,6 +5189,11 @@
                     </a:lnB>
                   </a:tcPr>
                 </a:tc>
+                <a:extLst>
+                  <a:ext uri="{0D108BD9-81ED-4DB2-BD59-A6C34878D82A}">
+                    <a16:rowId xmlns:a16="http://schemas.microsoft.com/office/drawing/2014/main" val="10002"/>
+                  </a:ext>
+                </a:extLst>
               </a:tr>
               <a:tr h="381000">
                 <a:tc>
@@ -5264,7 +5203,7 @@
                     <a:p>
                       <a:pPr algn="l" fontAlgn="ctr"/>
                       <a:r>
-                        <a:rPr lang="pl-PL" sz="2000" b="0" i="0" u="none" strike="noStrike" dirty="0" smtClean="0">
+                        <a:rPr lang="pl-PL" sz="2000" b="0" i="0" u="none" strike="noStrike" dirty="0">
                           <a:solidFill>
                             <a:srgbClr val="000000"/>
                           </a:solidFill>
@@ -5273,13 +5212,6 @@
                         </a:rPr>
                         <a:t>^a?</a:t>
                       </a:r>
-                      <a:endParaRPr lang="pl-PL" sz="2000" b="0" i="0" u="none" strike="noStrike" dirty="0">
-                        <a:solidFill>
-                          <a:srgbClr val="000000"/>
-                        </a:solidFill>
-                        <a:effectLst/>
-                        <a:latin typeface="Courier"/>
-                      </a:endParaRPr>
                     </a:p>
                   </a:txBody>
                   <a:tcPr marL="12700" marR="12700" marT="12700" marB="0" anchor="ctr">
@@ -5328,7 +5260,7 @@
                     <a:p>
                       <a:pPr algn="l" fontAlgn="b"/>
                       <a:r>
-                        <a:rPr lang="en-US" sz="2000" b="0" i="0" u="none" strike="noStrike" dirty="0" smtClean="0">
+                        <a:rPr lang="en-US" sz="2000" b="0" i="0" u="none" strike="noStrike" dirty="0">
                           <a:solidFill>
                             <a:srgbClr val="000000"/>
                           </a:solidFill>
@@ -5337,13 +5269,6 @@
                         </a:rPr>
                         <a:t>A</a:t>
                       </a:r>
-                      <a:endParaRPr lang="en-US" sz="2000" b="0" i="0" u="none" strike="noStrike" dirty="0">
-                        <a:solidFill>
-                          <a:srgbClr val="000000"/>
-                        </a:solidFill>
-                        <a:effectLst/>
-                        <a:latin typeface="Courier"/>
-                      </a:endParaRPr>
                     </a:p>
                   </a:txBody>
                   <a:tcPr marL="12700" marR="12700" marT="12700" marB="0" anchor="b">
@@ -5385,6 +5310,11 @@
                     </a:lnB>
                   </a:tcPr>
                 </a:tc>
+                <a:extLst>
+                  <a:ext uri="{0D108BD9-81ED-4DB2-BD59-A6C34878D82A}">
+                    <a16:rowId xmlns:a16="http://schemas.microsoft.com/office/drawing/2014/main" val="10003"/>
+                  </a:ext>
+                </a:extLst>
               </a:tr>
               <a:tr h="381000">
                 <a:tc>
@@ -5401,25 +5331,8 @@
                           <a:effectLst/>
                           <a:latin typeface="Courier"/>
                         </a:rPr>
-                        <a:t>^\</a:t>
-                      </a:r>
-                      <a:r>
-                        <a:rPr lang="pl-PL" sz="2000" b="0" i="0" u="none" strike="noStrike" dirty="0" smtClean="0">
-                          <a:solidFill>
-                            <a:srgbClr val="000000"/>
-                          </a:solidFill>
-                          <a:effectLst/>
-                          <a:latin typeface="Courier"/>
-                        </a:rPr>
-                        <a:t>w.</a:t>
-                      </a:r>
-                      <a:endParaRPr lang="pl-PL" sz="2000" b="0" i="0" u="none" strike="noStrike" dirty="0">
-                        <a:solidFill>
-                          <a:srgbClr val="000000"/>
-                        </a:solidFill>
-                        <a:effectLst/>
-                        <a:latin typeface="Courier"/>
-                      </a:endParaRPr>
+                        <a:t>^\w.</a:t>
+                      </a:r>
                     </a:p>
                   </a:txBody>
                   <a:tcPr marL="12700" marR="12700" marT="12700" marB="0" anchor="ctr">
@@ -5468,7 +5381,7 @@
                     <a:p>
                       <a:pPr algn="l" fontAlgn="b"/>
                       <a:r>
-                        <a:rPr lang="en-US" sz="2000" b="0" i="0" u="none" strike="noStrike" dirty="0" smtClean="0">
+                        <a:rPr lang="en-US" sz="2000" b="0" i="0" u="none" strike="noStrike" dirty="0">
                           <a:solidFill>
                             <a:srgbClr val="000000"/>
                           </a:solidFill>
@@ -5477,13 +5390,6 @@
                         </a:rPr>
                         <a:t>dot</a:t>
                       </a:r>
-                      <a:endParaRPr lang="en-US" sz="2000" b="0" i="0" u="none" strike="noStrike" dirty="0">
-                        <a:solidFill>
-                          <a:srgbClr val="000000"/>
-                        </a:solidFill>
-                        <a:effectLst/>
-                        <a:latin typeface="Courier"/>
-                      </a:endParaRPr>
                     </a:p>
                   </a:txBody>
                   <a:tcPr marL="12700" marR="12700" marT="12700" marB="0" anchor="b">
@@ -5525,6 +5431,11 @@
                     </a:lnB>
                   </a:tcPr>
                 </a:tc>
+                <a:extLst>
+                  <a:ext uri="{0D108BD9-81ED-4DB2-BD59-A6C34878D82A}">
+                    <a16:rowId xmlns:a16="http://schemas.microsoft.com/office/drawing/2014/main" val="10004"/>
+                  </a:ext>
+                </a:extLst>
               </a:tr>
             </a:tbl>
           </a:graphicData>
@@ -5576,10 +5487,9 @@
           <a:lstStyle/>
           <a:p>
             <a:r>
-              <a:rPr lang="en-US" dirty="0" smtClean="0"/>
+              <a:rPr lang="en-US" dirty="0"/>
               <a:t>Regular expression (IV)</a:t>
             </a:r>
-            <a:endParaRPr lang="en-US" dirty="0"/>
           </a:p>
         </p:txBody>
       </p:sp>
@@ -5620,11 +5530,7 @@
             </a:r>
             <a:r>
               <a:rPr lang="en-US" sz="2800" dirty="0"/>
-              <a:t>  : numerical </a:t>
-            </a:r>
-            <a:r>
-              <a:rPr lang="en-US" sz="2800" dirty="0" smtClean="0"/>
-              <a:t>digits</a:t>
+              <a:t>  : numerical digits</a:t>
             </a:r>
           </a:p>
           <a:p>
@@ -5634,7 +5540,7 @@
               </a:lnSpc>
             </a:pPr>
             <a:r>
-              <a:rPr lang="en-US" sz="2800" b="1" dirty="0" smtClean="0">
+              <a:rPr lang="en-US" sz="2800" b="1" dirty="0">
                 <a:solidFill>
                   <a:srgbClr val="17375E"/>
                 </a:solidFill>
@@ -5642,26 +5548,9 @@
               <a:t>\1-9</a:t>
             </a:r>
             <a:r>
-              <a:rPr lang="en-US" sz="2800" dirty="0" smtClean="0"/>
-              <a:t>  </a:t>
-            </a:r>
-            <a:r>
               <a:rPr lang="en-US" sz="2800" dirty="0"/>
-              <a:t>: Nth </a:t>
-            </a:r>
-            <a:r>
-              <a:rPr lang="en-US" sz="2800" dirty="0" smtClean="0"/>
-              <a:t>previous </a:t>
-            </a:r>
-            <a:r>
-              <a:rPr lang="en-US" sz="2800" dirty="0"/>
-              <a:t>captured </a:t>
-            </a:r>
-            <a:r>
-              <a:rPr lang="en-US" sz="2800" dirty="0" smtClean="0"/>
-              <a:t>group by parentheses </a:t>
-            </a:r>
-            <a:endParaRPr lang="en-US" sz="2800" dirty="0"/>
+              <a:t>  : Nth previous captured group by parentheses </a:t>
+            </a:r>
           </a:p>
         </p:txBody>
       </p:sp>
@@ -5835,10 +5724,9 @@
               <a:buNone/>
             </a:pPr>
             <a:r>
-              <a:rPr lang="en-US" dirty="0" smtClean="0"/>
+              <a:rPr lang="en-US" dirty="0"/>
               <a:t>+38 30.5’N</a:t>
             </a:r>
-            <a:endParaRPr lang="en-US" dirty="0"/>
           </a:p>
         </p:txBody>
       </p:sp>
@@ -5865,8 +5753,20 @@
             <a:tbl>
               <a:tblPr/>
               <a:tblGrid>
-                <a:gridCol w="3486726"/>
-                <a:gridCol w="1878061"/>
+                <a:gridCol w="3486726">
+                  <a:extLst>
+                    <a:ext uri="{9D8B030D-6E8A-4147-A177-3AD203B41FA5}">
+                      <a16:colId xmlns:a16="http://schemas.microsoft.com/office/drawing/2014/main" val="20000"/>
+                    </a:ext>
+                  </a:extLst>
+                </a:gridCol>
+                <a:gridCol w="1878061">
+                  <a:extLst>
+                    <a:ext uri="{9D8B030D-6E8A-4147-A177-3AD203B41FA5}">
+                      <a16:colId xmlns:a16="http://schemas.microsoft.com/office/drawing/2014/main" val="20001"/>
+                    </a:ext>
+                  </a:extLst>
+                </a:gridCol>
               </a:tblGrid>
               <a:tr h="381000">
                 <a:tc>
@@ -5983,6 +5883,11 @@
                     </a:lnB>
                   </a:tcPr>
                 </a:tc>
+                <a:extLst>
+                  <a:ext uri="{0D108BD9-81ED-4DB2-BD59-A6C34878D82A}">
+                    <a16:rowId xmlns:a16="http://schemas.microsoft.com/office/drawing/2014/main" val="10000"/>
+                  </a:ext>
+                </a:extLst>
               </a:tr>
               <a:tr h="381000">
                 <a:tc>
@@ -5992,7 +5897,7 @@
                     <a:p>
                       <a:pPr algn="l" fontAlgn="ctr"/>
                       <a:r>
-                        <a:rPr lang="pl-PL" sz="2000" b="0" i="0" u="none" strike="noStrike" dirty="0" smtClean="0">
+                        <a:rPr lang="pl-PL" sz="2000" b="0" i="0" u="none" strike="noStrike" dirty="0">
                           <a:solidFill>
                             <a:srgbClr val="000000"/>
                           </a:solidFill>
@@ -6001,13 +5906,6 @@
                         </a:rPr>
                         <a:t>(.\d+)\s(\d+\.\d)\’N</a:t>
                       </a:r>
-                      <a:endParaRPr lang="pl-PL" sz="2000" b="0" i="0" u="none" strike="noStrike" dirty="0">
-                        <a:solidFill>
-                          <a:srgbClr val="000000"/>
-                        </a:solidFill>
-                        <a:effectLst/>
-                        <a:latin typeface="Courier"/>
-                      </a:endParaRPr>
                     </a:p>
                   </a:txBody>
                   <a:tcPr marL="12700" marR="12700" marT="12700" marB="0" anchor="ctr">
@@ -6056,7 +5954,7 @@
                     <a:p>
                       <a:pPr algn="l" fontAlgn="b"/>
                       <a:r>
-                        <a:rPr lang="en-US" sz="2000" b="0" i="0" u="none" strike="noStrike" dirty="0" smtClean="0">
+                        <a:rPr lang="en-US" sz="2000" b="0" i="0" u="none" strike="noStrike" dirty="0">
                           <a:solidFill>
                             <a:srgbClr val="000000"/>
                           </a:solidFill>
@@ -6065,13 +5963,6 @@
                         </a:rPr>
                         <a:t>\1\t\2\t</a:t>
                       </a:r>
-                      <a:endParaRPr lang="en-US" sz="2000" b="0" i="0" u="none" strike="noStrike" dirty="0">
-                        <a:solidFill>
-                          <a:srgbClr val="000000"/>
-                        </a:solidFill>
-                        <a:effectLst/>
-                        <a:latin typeface="Courier"/>
-                      </a:endParaRPr>
                     </a:p>
                   </a:txBody>
                   <a:tcPr marL="12700" marR="12700" marT="12700" marB="0" anchor="b">
@@ -6113,6 +6004,11 @@
                     </a:lnB>
                   </a:tcPr>
                 </a:tc>
+                <a:extLst>
+                  <a:ext uri="{0D108BD9-81ED-4DB2-BD59-A6C34878D82A}">
+                    <a16:rowId xmlns:a16="http://schemas.microsoft.com/office/drawing/2014/main" val="10001"/>
+                  </a:ext>
+                </a:extLst>
               </a:tr>
             </a:tbl>
           </a:graphicData>
@@ -6164,10 +6060,9 @@
           <a:lstStyle/>
           <a:p>
             <a:r>
-              <a:rPr lang="en-US" dirty="0" smtClean="0"/>
+              <a:rPr lang="en-US" dirty="0"/>
               <a:t>Problems</a:t>
             </a:r>
-            <a:endParaRPr lang="en-US" dirty="0"/>
           </a:p>
         </p:txBody>
       </p:sp>
@@ -6194,10 +6089,9 @@
           <a:lstStyle/>
           <a:p>
             <a:r>
-              <a:rPr lang="en-US" sz="2400" dirty="0" smtClean="0"/>
+              <a:rPr lang="en-US" sz="2400" dirty="0"/>
               <a:t>2012, 2013, 2014</a:t>
             </a:r>
-            <a:endParaRPr lang="en-US" sz="2400" dirty="0"/>
           </a:p>
         </p:txBody>
       </p:sp>
@@ -6275,13 +6169,8 @@
             </a:r>
             <a:r>
               <a:rPr lang="en-US" sz="2400" dirty="0"/>
-              <a:t>  : specify a range of numbers to repeat the match of the immediately preceding character</a:t>
-            </a:r>
-            <a:r>
-              <a:rPr lang="en-US" sz="2400" dirty="0" smtClean="0"/>
-              <a:t>. (e.g., </a:t>
-            </a:r>
-            <a:endParaRPr lang="en-US" sz="2400" dirty="0"/>
+              <a:t>  : specify a range of numbers to repeat the match of the immediately preceding character. (e.g., </a:t>
+            </a:r>
           </a:p>
         </p:txBody>
       </p:sp>
@@ -6308,18 +6197,13 @@
           <a:lstStyle/>
           <a:p>
             <a:r>
-              <a:rPr lang="en-US" sz="2400" dirty="0" smtClean="0">
+              <a:rPr lang="en-US" sz="2400" dirty="0">
                 <a:solidFill>
                   <a:srgbClr val="008000"/>
                 </a:solidFill>
               </a:rPr>
               <a:t>Problem 1: change all these years to 2000.</a:t>
             </a:r>
-            <a:endParaRPr lang="en-US" sz="2400" dirty="0">
-              <a:solidFill>
-                <a:srgbClr val="008000"/>
-              </a:solidFill>
-            </a:endParaRPr>
           </a:p>
         </p:txBody>
       </p:sp>
@@ -6346,28 +6230,27 @@
           <a:lstStyle/>
           <a:p>
             <a:r>
-              <a:rPr lang="en-US" dirty="0" smtClean="0"/>
+              <a:rPr lang="en-US" dirty="0"/>
               <a:t>GATACGTACTTCAGAAAAAAAA</a:t>
             </a:r>
           </a:p>
           <a:p>
             <a:r>
-              <a:rPr lang="en-US" dirty="0" smtClean="0"/>
+              <a:rPr lang="en-US" dirty="0"/>
               <a:t>GATACGTACTTCAGAAAAAAAAAA</a:t>
             </a:r>
           </a:p>
           <a:p>
             <a:r>
-              <a:rPr lang="en-US" dirty="0" smtClean="0"/>
+              <a:rPr lang="en-US" dirty="0"/>
               <a:t>GATACGTACTTCAGAAAAAAAAAAAA</a:t>
             </a:r>
           </a:p>
           <a:p>
             <a:r>
-              <a:rPr lang="en-US" dirty="0" smtClean="0"/>
+              <a:rPr lang="en-US" dirty="0"/>
               <a:t>GATACGTACTTCAGAAAAAAAAAAAAAAA</a:t>
             </a:r>
-            <a:endParaRPr lang="en-US" dirty="0"/>
           </a:p>
         </p:txBody>
       </p:sp>
@@ -6394,7 +6277,7 @@
           <a:lstStyle/>
           <a:p>
             <a:r>
-              <a:rPr lang="en-US" sz="2400" dirty="0" smtClean="0">
+              <a:rPr lang="en-US" sz="2400" dirty="0">
                 <a:solidFill>
                   <a:srgbClr val="008000"/>
                 </a:solidFill>
@@ -6402,7 +6285,7 @@
               <a:t>Problem 2: trim </a:t>
             </a:r>
             <a:r>
-              <a:rPr lang="en-US" sz="2400" dirty="0" err="1" smtClean="0">
+              <a:rPr lang="en-US" sz="2400" dirty="0" err="1">
                 <a:solidFill>
                   <a:srgbClr val="008000"/>
                 </a:solidFill>
@@ -6410,7 +6293,7 @@
               <a:t>polyA</a:t>
             </a:r>
             <a:r>
-              <a:rPr lang="en-US" sz="2400" dirty="0" smtClean="0">
+              <a:rPr lang="en-US" sz="2400" dirty="0">
                 <a:solidFill>
                   <a:srgbClr val="008000"/>
                 </a:solidFill>
@@ -6420,7 +6303,7 @@
           </a:p>
           <a:p>
             <a:r>
-              <a:rPr lang="en-US" sz="2400" dirty="0" smtClean="0">
+              <a:rPr lang="en-US" sz="2400" dirty="0">
                 <a:solidFill>
                   <a:schemeClr val="bg1">
                     <a:lumMod val="50000"/>
@@ -6429,13 +6312,6 @@
               </a:rPr>
               <a:t>* clue: refer to the lecture slides</a:t>
             </a:r>
-            <a:endParaRPr lang="en-US" sz="2400" dirty="0">
-              <a:solidFill>
-                <a:schemeClr val="bg1">
-                  <a:lumMod val="50000"/>
-                </a:schemeClr>
-              </a:solidFill>
-            </a:endParaRPr>
           </a:p>
         </p:txBody>
       </p:sp>
@@ -6449,13 +6325,6 @@
   <p:clrMapOvr>
     <a:masterClrMapping/>
   </p:clrMapOvr>
-  <p:timing>
-    <p:tnLst>
-      <p:par>
-        <p:cTn xmlns:p14="http://schemas.microsoft.com/office/powerpoint/2010/main" id="1" dur="indefinite" restart="never" nodeType="tmRoot"/>
-      </p:par>
-    </p:tnLst>
-  </p:timing>
 </p:sld>
 </file>
 
@@ -6486,16 +6355,20 @@
             <p:ph type="title"/>
           </p:nvPr>
         </p:nvSpPr>
-        <p:spPr/>
+        <p:spPr>
+          <a:xfrm>
+            <a:off x="457200" y="274638"/>
+            <a:ext cx="8229600" cy="924806"/>
+          </a:xfrm>
+        </p:spPr>
         <p:txBody>
           <a:bodyPr/>
           <a:lstStyle/>
           <a:p>
             <a:r>
-              <a:rPr lang="en-US" dirty="0" smtClean="0"/>
-              <a:t>Reference links</a:t>
-            </a:r>
-            <a:endParaRPr lang="en-US" dirty="0"/>
+              <a:rPr lang="en-US" dirty="0"/>
+              <a:t>Outline</a:t>
+            </a:r>
           </a:p>
         </p:txBody>
       </p:sp>
@@ -6511,121 +6384,71 @@
         </p:nvSpPr>
         <p:spPr>
           <a:xfrm>
-            <a:off x="1261917" y="1963748"/>
-            <a:ext cx="6726883" cy="3124515"/>
+            <a:off x="966732" y="1727111"/>
+            <a:ext cx="6873970" cy="2590889"/>
           </a:xfrm>
         </p:spPr>
         <p:txBody>
           <a:bodyPr>
-            <a:normAutofit/>
+            <a:noAutofit/>
           </a:bodyPr>
           <a:lstStyle/>
           <a:p>
-            <a:r>
-              <a:rPr lang="en-US" dirty="0" err="1"/>
-              <a:t>TextWrangler</a:t>
-            </a:r>
-            <a:r>
-              <a:rPr lang="en-US" dirty="0"/>
-              <a:t> Regular Expression Cheat-</a:t>
-            </a:r>
-            <a:r>
-              <a:rPr lang="en-US" dirty="0" smtClean="0"/>
-              <a:t>Sheet</a:t>
-            </a:r>
-          </a:p>
-          <a:p>
-            <a:pPr marL="0" indent="0">
-              <a:buNone/>
+            <a:pPr>
+              <a:lnSpc>
+                <a:spcPct val="160000"/>
+              </a:lnSpc>
             </a:pPr>
             <a:r>
-              <a:rPr lang="en-US" dirty="0" smtClean="0">
-                <a:hlinkClick r:id="rId2"/>
+              <a:rPr lang="en-US" sz="2800" dirty="0">
+                <a:solidFill>
+                  <a:schemeClr val="bg1">
+                    <a:lumMod val="75000"/>
+                  </a:schemeClr>
+                </a:solidFill>
               </a:rPr>
-              <a:t>https</a:t>
-            </a:r>
-            <a:r>
-              <a:rPr lang="en-US" dirty="0">
-                <a:hlinkClick r:id="rId2"/>
-              </a:rPr>
-              <a:t>://gist.github.com/ccstone/</a:t>
-            </a:r>
-            <a:r>
-              <a:rPr lang="en-US" dirty="0" smtClean="0">
-                <a:hlinkClick r:id="rId2"/>
-              </a:rPr>
-              <a:t>5385334</a:t>
-            </a:r>
-          </a:p>
-          <a:p>
-            <a:pPr marL="0" indent="0">
-              <a:buNone/>
+              <a:t>Familiar to Excel functions</a:t>
+            </a:r>
+          </a:p>
+          <a:p>
+            <a:pPr>
+              <a:lnSpc>
+                <a:spcPct val="160000"/>
+              </a:lnSpc>
             </a:pPr>
-            <a:endParaRPr lang="en-US" dirty="0">
-              <a:hlinkClick r:id="rId2"/>
-            </a:endParaRPr>
-          </a:p>
-          <a:p>
-            <a:r>
-              <a:rPr lang="en-US" dirty="0" smtClean="0"/>
+            <a:r>
+              <a:rPr lang="en-US" sz="2800" dirty="0"/>
+              <a:t>Practice using regular expression in BBEdit</a:t>
+            </a:r>
+            <a:endParaRPr lang="en-US" sz="2800" i="1" dirty="0"/>
+          </a:p>
+          <a:p>
+            <a:pPr>
+              <a:lnSpc>
+                <a:spcPct val="160000"/>
+              </a:lnSpc>
+            </a:pPr>
+            <a:r>
+              <a:rPr lang="en-US" sz="2800" i="1" dirty="0"/>
               <a:t>vi</a:t>
             </a:r>
-          </a:p>
-          <a:p>
-            <a:pPr marL="0" indent="0">
-              <a:buNone/>
-            </a:pPr>
-            <a:r>
-              <a:rPr lang="en-US" dirty="0" smtClean="0">
-                <a:hlinkClick r:id="rId2"/>
-              </a:rPr>
-              <a:t>www.ccsf.edu/Pub/Fac/vi.html</a:t>
-            </a:r>
-            <a:endParaRPr lang="en-US" dirty="0"/>
-          </a:p>
-          <a:p>
-            <a:pPr marL="0" indent="0">
-              <a:buNone/>
-            </a:pPr>
-            <a:r>
-              <a:rPr lang="en-US" dirty="0">
-                <a:hlinkClick r:id="rId3"/>
-              </a:rPr>
-              <a:t>www.tutorialspoint.com/unix/unix-vi-editor.htm</a:t>
-            </a:r>
-            <a:endParaRPr lang="en-US" dirty="0"/>
-          </a:p>
-          <a:p>
-            <a:pPr marL="0" indent="0">
-              <a:buNone/>
-            </a:pPr>
-            <a:endParaRPr lang="en-US" dirty="0"/>
-          </a:p>
-          <a:p>
-            <a:endParaRPr lang="en-US" dirty="0" smtClean="0"/>
-          </a:p>
-          <a:p>
-            <a:endParaRPr lang="en-US" dirty="0"/>
+            <a:r>
+              <a:rPr lang="en-US" sz="2800" dirty="0"/>
+              <a:t> practice</a:t>
+            </a:r>
           </a:p>
         </p:txBody>
       </p:sp>
     </p:spTree>
     <p:extLst>
       <p:ext uri="{BB962C8B-B14F-4D97-AF65-F5344CB8AC3E}">
-        <p14:creationId xmlns:p14="http://schemas.microsoft.com/office/powerpoint/2010/main" val="3591626229"/>
+        <p14:creationId xmlns:p14="http://schemas.microsoft.com/office/powerpoint/2010/main" val="2366954486"/>
       </p:ext>
     </p:extLst>
   </p:cSld>
   <p:clrMapOvr>
     <a:masterClrMapping/>
   </p:clrMapOvr>
-  <p:timing>
-    <p:tnLst>
-      <p:par>
-        <p:cTn xmlns:p14="http://schemas.microsoft.com/office/powerpoint/2010/main" id="1" dur="indefinite" restart="never" nodeType="tmRoot"/>
-      </p:par>
-    </p:tnLst>
-  </p:timing>
 </p:sld>
 </file>
 
@@ -6648,7 +6471,13 @@
       </p:grpSpPr>
       <p:sp>
         <p:nvSpPr>
-          <p:cNvPr id="2" name="Title 1"/>
+          <p:cNvPr id="2" name="Title 1">
+            <a:extLst>
+              <a:ext uri="{FF2B5EF4-FFF2-40B4-BE49-F238E27FC236}">
+                <a16:creationId xmlns:a16="http://schemas.microsoft.com/office/drawing/2014/main" id="{35EECB6A-C4B8-6B43-9891-30C4ACCC63D1}"/>
+              </a:ext>
+            </a:extLst>
+          </p:cNvPr>
           <p:cNvSpPr>
             <a:spLocks noGrp="1"/>
           </p:cNvSpPr>
@@ -6656,19 +6485,18 @@
             <p:ph type="title"/>
           </p:nvPr>
         </p:nvSpPr>
-        <p:spPr>
-          <a:xfrm>
-            <a:off x="457200" y="274638"/>
-            <a:ext cx="8229600" cy="772987"/>
-          </a:xfrm>
-        </p:spPr>
+        <p:spPr/>
         <p:txBody>
           <a:bodyPr/>
           <a:lstStyle/>
           <a:p>
             <a:r>
-              <a:rPr lang="en-US" dirty="0" smtClean="0"/>
-              <a:t>vi</a:t>
+              <a:rPr lang="en-US" dirty="0"/>
+              <a:t>Log in </a:t>
+            </a:r>
+            <a:r>
+              <a:rPr lang="en-US" dirty="0" err="1"/>
+              <a:t>Beocat</a:t>
             </a:r>
             <a:endParaRPr lang="en-US" dirty="0"/>
           </a:p>
@@ -6676,7 +6504,13 @@
       </p:sp>
       <p:sp>
         <p:nvSpPr>
-          <p:cNvPr id="3" name="Content Placeholder 2"/>
+          <p:cNvPr id="3" name="Content Placeholder 2">
+            <a:extLst>
+              <a:ext uri="{FF2B5EF4-FFF2-40B4-BE49-F238E27FC236}">
+                <a16:creationId xmlns:a16="http://schemas.microsoft.com/office/drawing/2014/main" id="{A483C339-CD88-174B-B178-D36CA589E8BB}"/>
+              </a:ext>
+            </a:extLst>
+          </p:cNvPr>
           <p:cNvSpPr>
             <a:spLocks noGrp="1"/>
           </p:cNvSpPr>
@@ -6684,172 +6518,171 @@
             <p:ph idx="1"/>
           </p:nvPr>
         </p:nvSpPr>
-        <p:spPr/>
+        <p:spPr>
+          <a:xfrm>
+            <a:off x="457200" y="1293026"/>
+            <a:ext cx="8229600" cy="469324"/>
+          </a:xfrm>
+        </p:spPr>
         <p:txBody>
           <a:bodyPr>
-            <a:normAutofit/>
+            <a:noAutofit/>
           </a:bodyPr>
           <a:lstStyle/>
-          <a:p>
-            <a:r>
-              <a:rPr lang="en-US" i="1" dirty="0"/>
-              <a:t>vi</a:t>
-            </a:r>
-            <a:r>
-              <a:rPr lang="en-US" dirty="0"/>
-              <a:t> is a text editor created for the Unix operating system</a:t>
-            </a:r>
-            <a:r>
-              <a:rPr lang="en-US" dirty="0" smtClean="0"/>
-              <a:t>.</a:t>
-            </a:r>
-          </a:p>
-          <a:p>
-            <a:r>
-              <a:rPr lang="en-US" dirty="0" smtClean="0"/>
-              <a:t>fast and powerful</a:t>
-            </a:r>
-            <a:endParaRPr lang="en-US" dirty="0" smtClean="0"/>
-          </a:p>
-          <a:p>
-            <a:r>
-              <a:rPr lang="en-US" i="1" dirty="0" smtClean="0"/>
-              <a:t>vi</a:t>
-            </a:r>
-            <a:r>
-              <a:rPr lang="en-US" dirty="0" smtClean="0"/>
-              <a:t> has two modes:</a:t>
-            </a:r>
-          </a:p>
-          <a:p>
-            <a:pPr indent="0">
-              <a:buAutoNum type="arabicPeriod"/>
-            </a:pPr>
-            <a:r>
-              <a:rPr lang="en-US" dirty="0" smtClean="0"/>
-              <a:t> insert mode (edit as other text editors)</a:t>
-            </a:r>
-          </a:p>
-          <a:p>
-            <a:pPr indent="0">
-              <a:buAutoNum type="arabicPeriod"/>
-            </a:pPr>
-            <a:r>
-              <a:rPr lang="en-US" dirty="0" smtClean="0"/>
-              <a:t> command mode (commands </a:t>
-            </a:r>
-            <a:r>
-              <a:rPr lang="en-US" dirty="0"/>
-              <a:t>that control the edit session)</a:t>
-            </a:r>
-            <a:r>
-              <a:rPr lang="en-US" dirty="0" smtClean="0"/>
-              <a:t>.</a:t>
-            </a:r>
-          </a:p>
-          <a:p>
-            <a:pPr indent="0">
-              <a:buNone/>
-            </a:pPr>
-            <a:endParaRPr lang="en-US" dirty="0" smtClean="0">
-              <a:solidFill>
-                <a:srgbClr val="FF0000"/>
-              </a:solidFill>
-            </a:endParaRPr>
-          </a:p>
-          <a:p>
-            <a:pPr indent="0">
-              <a:buNone/>
-            </a:pPr>
-            <a:r>
-              <a:rPr lang="en-US" dirty="0" smtClean="0">
-                <a:solidFill>
-                  <a:srgbClr val="FF0000"/>
-                </a:solidFill>
-              </a:rPr>
-              <a:t>switch modes by using “</a:t>
-            </a:r>
-            <a:r>
-              <a:rPr lang="en-US" dirty="0" err="1" smtClean="0">
-                <a:solidFill>
-                  <a:srgbClr val="FF0000"/>
-                </a:solidFill>
-              </a:rPr>
-              <a:t>i</a:t>
-            </a:r>
-            <a:r>
-              <a:rPr lang="en-US" dirty="0" smtClean="0">
-                <a:solidFill>
-                  <a:srgbClr val="FF0000"/>
-                </a:solidFill>
-              </a:rPr>
-              <a:t>” and “ESC” key</a:t>
-            </a:r>
-          </a:p>
           <a:p>
             <a:pPr marL="0" indent="0">
               <a:buNone/>
             </a:pPr>
-            <a:endParaRPr lang="en-US" dirty="0"/>
+            <a:r>
+              <a:rPr lang="en-US" sz="3200" b="1" dirty="0" err="1"/>
+              <a:t>ssh</a:t>
+            </a:r>
+            <a:r>
+              <a:rPr lang="en-US" sz="3200" dirty="0"/>
+              <a:t> (a remote login program)</a:t>
+            </a:r>
           </a:p>
           <a:p>
             <a:pPr marL="0" indent="0">
               <a:buNone/>
             </a:pPr>
-            <a:endParaRPr lang="en-US" dirty="0"/>
-          </a:p>
-          <a:p>
-            <a:pPr marL="0" indent="0">
-              <a:buNone/>
-            </a:pPr>
-            <a:r>
-              <a:rPr lang="en-US" sz="2800" dirty="0" smtClean="0"/>
-              <a:t>Your keyboard controls “everything”.</a:t>
-            </a:r>
-            <a:endParaRPr lang="en-US" sz="2800" dirty="0"/>
+            <a:endParaRPr lang="en-US" sz="3200" dirty="0"/>
           </a:p>
         </p:txBody>
       </p:sp>
       <p:sp>
         <p:nvSpPr>
-          <p:cNvPr id="4" name="Slide Number Placeholder 3"/>
-          <p:cNvSpPr>
-            <a:spLocks noGrp="1"/>
-          </p:cNvSpPr>
-          <p:nvPr>
-            <p:ph type="sldNum" sz="quarter" idx="12"/>
-          </p:nvPr>
+          <p:cNvPr id="4" name="TextBox 3">
+            <a:extLst>
+              <a:ext uri="{FF2B5EF4-FFF2-40B4-BE49-F238E27FC236}">
+                <a16:creationId xmlns:a16="http://schemas.microsoft.com/office/drawing/2014/main" id="{055DA563-0F4F-7449-B6DC-9E0E6E7527A3}"/>
+              </a:ext>
+            </a:extLst>
+          </p:cNvPr>
+          <p:cNvSpPr txBox="1"/>
+          <p:nvPr/>
         </p:nvSpPr>
-        <p:spPr/>
+        <p:spPr>
+          <a:xfrm>
+            <a:off x="1379267" y="2274838"/>
+            <a:ext cx="6385466" cy="2308324"/>
+          </a:xfrm>
+          <a:prstGeom prst="rect">
+            <a:avLst/>
+          </a:prstGeom>
+          <a:noFill/>
+        </p:spPr>
         <p:txBody>
-          <a:bodyPr/>
+          <a:bodyPr wrap="none" rtlCol="0">
+            <a:spAutoFit/>
+          </a:bodyPr>
           <a:lstStyle/>
           <a:p>
-            <a:fld id="{9DA039C4-C5F2-1743-BB7A-5D831266C61E}" type="slidenum">
-              <a:rPr lang="en-US" smtClean="0"/>
-              <a:t>15</a:t>
-            </a:fld>
-            <a:endParaRPr lang="en-US"/>
+            <a:r>
+              <a:rPr lang="en-US" sz="3600" dirty="0" err="1"/>
+              <a:t>ssh</a:t>
+            </a:r>
+            <a:r>
+              <a:rPr lang="en-US" sz="3600" dirty="0"/>
+              <a:t> -l &lt;</a:t>
+            </a:r>
+            <a:r>
+              <a:rPr lang="en-US" sz="3600" dirty="0" err="1"/>
+              <a:t>eid</a:t>
+            </a:r>
+            <a:r>
+              <a:rPr lang="en-US" sz="3600" dirty="0"/>
+              <a:t>&gt; </a:t>
+            </a:r>
+            <a:r>
+              <a:rPr lang="en-US" sz="3600" dirty="0" err="1"/>
+              <a:t>beocat.cis.ksu.edu</a:t>
+            </a:r>
+            <a:endParaRPr lang="en-US" sz="3600" dirty="0"/>
+          </a:p>
+          <a:p>
+            <a:endParaRPr lang="en-US" sz="3600" dirty="0"/>
+          </a:p>
+          <a:p>
+            <a:r>
+              <a:rPr lang="en-US" sz="3600" dirty="0"/>
+              <a:t>e.g.,</a:t>
+            </a:r>
+          </a:p>
+          <a:p>
+            <a:r>
+              <a:rPr lang="en-US" sz="3600" dirty="0" err="1"/>
+              <a:t>ssh</a:t>
+            </a:r>
+            <a:r>
+              <a:rPr lang="en-US" sz="3600" dirty="0"/>
+              <a:t> -l </a:t>
+            </a:r>
+            <a:r>
+              <a:rPr lang="en-US" sz="3600" dirty="0">
+                <a:highlight>
+                  <a:srgbClr val="FFFF00"/>
+                </a:highlight>
+              </a:rPr>
+              <a:t>liu3zhen</a:t>
+            </a:r>
+            <a:r>
+              <a:rPr lang="en-US" sz="3600" dirty="0"/>
+              <a:t> </a:t>
+            </a:r>
+            <a:r>
+              <a:rPr lang="en-US" sz="3600" dirty="0" err="1"/>
+              <a:t>beocat.cis.ksu.edu</a:t>
+            </a:r>
+            <a:endParaRPr lang="en-US" sz="3600" dirty="0"/>
+          </a:p>
+        </p:txBody>
+      </p:sp>
+      <p:sp>
+        <p:nvSpPr>
+          <p:cNvPr id="5" name="TextBox 4">
+            <a:extLst>
+              <a:ext uri="{FF2B5EF4-FFF2-40B4-BE49-F238E27FC236}">
+                <a16:creationId xmlns:a16="http://schemas.microsoft.com/office/drawing/2014/main" id="{63A3A019-C601-5A43-9BAB-0D158846E1DD}"/>
+              </a:ext>
+            </a:extLst>
+          </p:cNvPr>
+          <p:cNvSpPr txBox="1"/>
+          <p:nvPr/>
+        </p:nvSpPr>
+        <p:spPr>
+          <a:xfrm>
+            <a:off x="457200" y="5272586"/>
+            <a:ext cx="5611857" cy="584775"/>
+          </a:xfrm>
+          <a:prstGeom prst="rect">
+            <a:avLst/>
+          </a:prstGeom>
+          <a:noFill/>
+        </p:spPr>
+        <p:txBody>
+          <a:bodyPr wrap="none" rtlCol="0">
+            <a:spAutoFit/>
+          </a:bodyPr>
+          <a:lstStyle/>
+          <a:p>
+            <a:r>
+              <a:rPr lang="en-US" sz="3200" dirty="0"/>
+              <a:t>Putty: Graphic interface for login</a:t>
+            </a:r>
           </a:p>
         </p:txBody>
       </p:sp>
     </p:spTree>
     <p:extLst>
       <p:ext uri="{BB962C8B-B14F-4D97-AF65-F5344CB8AC3E}">
-        <p14:creationId xmlns:p14="http://schemas.microsoft.com/office/powerpoint/2010/main" val="3189971127"/>
+        <p14:creationId xmlns:p14="http://schemas.microsoft.com/office/powerpoint/2010/main" val="468295792"/>
       </p:ext>
     </p:extLst>
   </p:cSld>
   <p:clrMapOvr>
     <a:masterClrMapping/>
   </p:clrMapOvr>
-  <p:timing>
-    <p:tnLst>
-      <p:par>
-        <p:cTn xmlns:p14="http://schemas.microsoft.com/office/powerpoint/2010/main" id="1" dur="indefinite" restart="never" nodeType="tmRoot"/>
-      </p:par>
-    </p:tnLst>
-  </p:timing>
 </p:sld>
 </file>
 
@@ -6891,10 +6724,9 @@
           <a:lstStyle/>
           <a:p>
             <a:r>
-              <a:rPr lang="en-US" dirty="0" smtClean="0"/>
-              <a:t>modes</a:t>
-            </a:r>
-            <a:endParaRPr lang="en-US" dirty="0"/>
+              <a:rPr lang="en-US" dirty="0"/>
+              <a:t>vi</a:t>
+            </a:r>
           </a:p>
         </p:txBody>
       </p:sp>
@@ -6908,12 +6740,7 @@
             <p:ph idx="1"/>
           </p:nvPr>
         </p:nvSpPr>
-        <p:spPr>
-          <a:xfrm>
-            <a:off x="457200" y="1384876"/>
-            <a:ext cx="8229600" cy="2693235"/>
-          </a:xfrm>
-        </p:spPr>
+        <p:spPr/>
         <p:txBody>
           <a:bodyPr>
             <a:normAutofit/>
@@ -6921,11 +6748,27 @@
           <a:lstStyle/>
           <a:p>
             <a:r>
-              <a:rPr lang="en-US" i="1" dirty="0" smtClean="0"/>
+              <a:rPr lang="en-US" i="1" dirty="0"/>
               <a:t>vi</a:t>
             </a:r>
             <a:r>
-              <a:rPr lang="en-US" dirty="0" smtClean="0"/>
+              <a:rPr lang="en-US" dirty="0"/>
+              <a:t> is a text editor created for the Unix operating system.</a:t>
+            </a:r>
+          </a:p>
+          <a:p>
+            <a:r>
+              <a:rPr lang="en-US" dirty="0"/>
+              <a:t>fast and powerful</a:t>
+            </a:r>
+          </a:p>
+          <a:p>
+            <a:r>
+              <a:rPr lang="en-US" i="1" dirty="0"/>
+              <a:t>vi</a:t>
+            </a:r>
+            <a:r>
+              <a:rPr lang="en-US" dirty="0"/>
               <a:t> has two modes:</a:t>
             </a:r>
           </a:p>
@@ -6934,16 +6777,8 @@
               <a:buAutoNum type="arabicPeriod"/>
             </a:pPr>
             <a:r>
-              <a:rPr lang="en-US" dirty="0" smtClean="0"/>
-              <a:t> insert </a:t>
-            </a:r>
-            <a:r>
               <a:rPr lang="en-US" dirty="0"/>
-              <a:t>mode </a:t>
-            </a:r>
-            <a:r>
-              <a:rPr lang="en-US" dirty="0" smtClean="0"/>
-              <a:t>(edit as other text editors)</a:t>
+              <a:t> insert mode (edit as other text editors)</a:t>
             </a:r>
           </a:p>
           <a:p>
@@ -6951,31 +6786,15 @@
               <a:buAutoNum type="arabicPeriod"/>
             </a:pPr>
             <a:r>
-              <a:rPr lang="en-US" dirty="0" smtClean="0"/>
-              <a:t> command </a:t>
-            </a:r>
-            <a:r>
               <a:rPr lang="en-US" dirty="0"/>
-              <a:t>mode </a:t>
-            </a:r>
-            <a:r>
-              <a:rPr lang="en-US" dirty="0" smtClean="0"/>
-              <a:t>(commands </a:t>
-            </a:r>
-            <a:r>
-              <a:rPr lang="en-US" dirty="0"/>
-              <a:t>that control the edit session)</a:t>
-            </a:r>
-            <a:r>
-              <a:rPr lang="en-US" dirty="0" smtClean="0"/>
-              <a:t>.</a:t>
+              <a:t> command mode (commands that control the edit session).</a:t>
             </a:r>
           </a:p>
           <a:p>
             <a:pPr indent="0">
               <a:buNone/>
             </a:pPr>
-            <a:endParaRPr lang="en-US" dirty="0" smtClean="0">
+            <a:endParaRPr lang="en-US" dirty="0">
               <a:solidFill>
                 <a:srgbClr val="FF0000"/>
               </a:solidFill>
@@ -6986,7 +6805,7 @@
               <a:buNone/>
             </a:pPr>
             <a:r>
-              <a:rPr lang="en-US" dirty="0" smtClean="0">
+              <a:rPr lang="en-US" dirty="0">
                 <a:solidFill>
                   <a:srgbClr val="FF0000"/>
                 </a:solidFill>
@@ -6994,7 +6813,7 @@
               <a:t>switch modes by using “</a:t>
             </a:r>
             <a:r>
-              <a:rPr lang="en-US" dirty="0" err="1" smtClean="0">
+              <a:rPr lang="en-US" dirty="0" err="1">
                 <a:solidFill>
                   <a:srgbClr val="FF0000"/>
                 </a:solidFill>
@@ -7002,12 +6821,33 @@
               <a:t>i</a:t>
             </a:r>
             <a:r>
-              <a:rPr lang="en-US" dirty="0" smtClean="0">
+              <a:rPr lang="en-US" dirty="0">
                 <a:solidFill>
                   <a:srgbClr val="FF0000"/>
                 </a:solidFill>
               </a:rPr>
               <a:t>” and “ESC” key</a:t>
+            </a:r>
+          </a:p>
+          <a:p>
+            <a:pPr marL="0" indent="0">
+              <a:buNone/>
+            </a:pPr>
+            <a:endParaRPr lang="en-US" dirty="0"/>
+          </a:p>
+          <a:p>
+            <a:pPr marL="0" indent="0">
+              <a:buNone/>
+            </a:pPr>
+            <a:endParaRPr lang="en-US" dirty="0"/>
+          </a:p>
+          <a:p>
+            <a:pPr marL="0" indent="0">
+              <a:buNone/>
+            </a:pPr>
+            <a:r>
+              <a:rPr lang="en-US" sz="2800" dirty="0"/>
+              <a:t>Your keyboard controls “everything”.</a:t>
             </a:r>
           </a:p>
         </p:txBody>
@@ -7038,20 +6878,13 @@
     </p:spTree>
     <p:extLst>
       <p:ext uri="{BB962C8B-B14F-4D97-AF65-F5344CB8AC3E}">
-        <p14:creationId xmlns:p14="http://schemas.microsoft.com/office/powerpoint/2010/main" val="2722021501"/>
+        <p14:creationId xmlns:p14="http://schemas.microsoft.com/office/powerpoint/2010/main" val="3189971127"/>
       </p:ext>
     </p:extLst>
   </p:cSld>
   <p:clrMapOvr>
     <a:masterClrMapping/>
   </p:clrMapOvr>
-  <p:timing>
-    <p:tnLst>
-      <p:par>
-        <p:cTn xmlns:p14="http://schemas.microsoft.com/office/powerpoint/2010/main" id="1" dur="indefinite" restart="never" nodeType="tmRoot"/>
-      </p:par>
-    </p:tnLst>
-  </p:timing>
 </p:sld>
 </file>
 
@@ -7082,16 +6915,20 @@
             <p:ph type="title"/>
           </p:nvPr>
         </p:nvSpPr>
-        <p:spPr/>
+        <p:spPr>
+          <a:xfrm>
+            <a:off x="457200" y="274638"/>
+            <a:ext cx="8229600" cy="772987"/>
+          </a:xfrm>
+        </p:spPr>
         <p:txBody>
           <a:bodyPr/>
           <a:lstStyle/>
           <a:p>
             <a:r>
-              <a:rPr lang="en-US" dirty="0" smtClean="0"/>
-              <a:t>Practice I</a:t>
-            </a:r>
-            <a:endParaRPr lang="en-US" dirty="0"/>
+              <a:rPr lang="en-US" dirty="0"/>
+              <a:t>modes</a:t>
+            </a:r>
           </a:p>
         </p:txBody>
       </p:sp>
@@ -7107,8 +6944,8 @@
         </p:nvSpPr>
         <p:spPr>
           <a:xfrm>
-            <a:off x="555978" y="2725431"/>
-            <a:ext cx="8229600" cy="3314124"/>
+            <a:off x="457200" y="1384876"/>
+            <a:ext cx="8229600" cy="2693235"/>
           </a:xfrm>
         </p:spPr>
         <p:txBody>
@@ -7118,110 +6955,76 @@
           <a:lstStyle/>
           <a:p>
             <a:r>
-              <a:rPr lang="en-US" sz="2800" dirty="0" smtClean="0"/>
-              <a:t>Type “vi p1.txt” in Linux</a:t>
-            </a:r>
-            <a:endParaRPr lang="en-US" sz="2800" dirty="0"/>
-          </a:p>
-          <a:p>
-            <a:r>
-              <a:rPr lang="en-US" sz="2800" dirty="0" smtClean="0"/>
-              <a:t>Type the letter “</a:t>
-            </a:r>
-            <a:r>
-              <a:rPr lang="en-US" sz="2800" dirty="0" err="1" smtClean="0"/>
-              <a:t>i</a:t>
-            </a:r>
-            <a:r>
-              <a:rPr lang="en-US" sz="2800" dirty="0" smtClean="0"/>
-              <a:t>” to change to insert mode</a:t>
-            </a:r>
-          </a:p>
-          <a:p>
-            <a:r>
-              <a:rPr lang="en-US" sz="2800" dirty="0" smtClean="0"/>
-              <a:t>Enter text (anything more than 6 lines)</a:t>
-            </a:r>
-          </a:p>
-          <a:p>
-            <a:r>
-              <a:rPr lang="en-US" sz="2800" dirty="0" smtClean="0"/>
-              <a:t>Press </a:t>
-            </a:r>
-            <a:r>
-              <a:rPr lang="en-US" sz="2800" b="1" dirty="0" smtClean="0"/>
-              <a:t>ESC</a:t>
-            </a:r>
-            <a:r>
-              <a:rPr lang="en-US" sz="2800" dirty="0" smtClean="0"/>
-              <a:t> key</a:t>
-            </a:r>
-          </a:p>
-          <a:p>
-            <a:r>
-              <a:rPr lang="en-US" sz="2800" dirty="0" smtClean="0"/>
-              <a:t>Type :</a:t>
-            </a:r>
-            <a:r>
-              <a:rPr lang="en-US" sz="2800" dirty="0" err="1" smtClean="0"/>
-              <a:t>wq</a:t>
-            </a:r>
-            <a:endParaRPr lang="en-US" sz="2800" dirty="0"/>
-          </a:p>
-          <a:p>
-            <a:pPr marL="0" indent="0">
+              <a:rPr lang="en-US" i="1" dirty="0"/>
+              <a:t>vi</a:t>
+            </a:r>
+            <a:r>
+              <a:rPr lang="en-US" dirty="0"/>
+              <a:t> has two modes:</a:t>
+            </a:r>
+          </a:p>
+          <a:p>
+            <a:pPr indent="0">
+              <a:buAutoNum type="arabicPeriod"/>
+            </a:pPr>
+            <a:r>
+              <a:rPr lang="en-US" dirty="0"/>
+              <a:t> insert mode (edit as other text editors)</a:t>
+            </a:r>
+          </a:p>
+          <a:p>
+            <a:pPr indent="0">
+              <a:buAutoNum type="arabicPeriod"/>
+            </a:pPr>
+            <a:r>
+              <a:rPr lang="en-US" dirty="0"/>
+              <a:t> command mode (commands that control the edit session).</a:t>
+            </a:r>
+          </a:p>
+          <a:p>
+            <a:pPr indent="0">
               <a:buNone/>
             </a:pPr>
-            <a:r>
-              <a:rPr lang="en-US" sz="2800" dirty="0" smtClean="0"/>
-              <a:t>(w: save; q: quit)</a:t>
+            <a:endParaRPr lang="en-US" dirty="0">
+              <a:solidFill>
+                <a:srgbClr val="FF0000"/>
+              </a:solidFill>
+            </a:endParaRPr>
+          </a:p>
+          <a:p>
+            <a:pPr indent="0">
+              <a:buNone/>
+            </a:pPr>
+            <a:r>
+              <a:rPr lang="en-US" dirty="0">
+                <a:solidFill>
+                  <a:srgbClr val="FF0000"/>
+                </a:solidFill>
+              </a:rPr>
+              <a:t>switch modes by using “</a:t>
+            </a:r>
+            <a:r>
+              <a:rPr lang="en-US" dirty="0" err="1">
+                <a:solidFill>
+                  <a:srgbClr val="FF0000"/>
+                </a:solidFill>
+              </a:rPr>
+              <a:t>i</a:t>
+            </a:r>
+            <a:r>
+              <a:rPr lang="en-US" dirty="0">
+                <a:solidFill>
+                  <a:srgbClr val="FF0000"/>
+                </a:solidFill>
+              </a:rPr>
+              <a:t>” and “ESC” key</a:t>
             </a:r>
           </a:p>
         </p:txBody>
       </p:sp>
       <p:sp>
         <p:nvSpPr>
-          <p:cNvPr id="4" name="TextBox 3"/>
-          <p:cNvSpPr txBox="1"/>
-          <p:nvPr/>
-        </p:nvSpPr>
-        <p:spPr>
-          <a:xfrm>
-            <a:off x="555978" y="1354667"/>
-            <a:ext cx="8057295" cy="954107"/>
-          </a:xfrm>
-          <a:prstGeom prst="rect">
-            <a:avLst/>
-          </a:prstGeom>
-          <a:noFill/>
-        </p:spPr>
-        <p:txBody>
-          <a:bodyPr wrap="square" rtlCol="0">
-            <a:spAutoFit/>
-          </a:bodyPr>
-          <a:lstStyle/>
-          <a:p>
-            <a:r>
-              <a:rPr lang="en-US" sz="2800" b="1" dirty="0" smtClean="0">
-                <a:solidFill>
-                  <a:schemeClr val="tx2">
-                    <a:lumMod val="75000"/>
-                  </a:schemeClr>
-                </a:solidFill>
-              </a:rPr>
-              <a:t>Task</a:t>
-            </a:r>
-            <a:r>
-              <a:rPr lang="en-US" sz="2800" dirty="0" smtClean="0"/>
-              <a:t>: to create a file named “p1.txt”, enter some text in the file and save it via vi. </a:t>
-            </a:r>
-            <a:endParaRPr lang="en-US" sz="2800" dirty="0"/>
-          </a:p>
-        </p:txBody>
-      </p:sp>
-      <p:sp>
-        <p:nvSpPr>
-          <p:cNvPr id="5" name="Slide Number Placeholder 4"/>
+          <p:cNvPr id="4" name="Slide Number Placeholder 3"/>
           <p:cNvSpPr>
             <a:spLocks noGrp="1"/>
           </p:cNvSpPr>
@@ -7245,20 +7048,13 @@
     </p:spTree>
     <p:extLst>
       <p:ext uri="{BB962C8B-B14F-4D97-AF65-F5344CB8AC3E}">
-        <p14:creationId xmlns:p14="http://schemas.microsoft.com/office/powerpoint/2010/main" val="3340244466"/>
+        <p14:creationId xmlns:p14="http://schemas.microsoft.com/office/powerpoint/2010/main" val="2722021501"/>
       </p:ext>
     </p:extLst>
   </p:cSld>
   <p:clrMapOvr>
     <a:masterClrMapping/>
   </p:clrMapOvr>
-  <p:timing>
-    <p:tnLst>
-      <p:par>
-        <p:cTn xmlns:p14="http://schemas.microsoft.com/office/powerpoint/2010/main" id="1" dur="indefinite" restart="never" nodeType="tmRoot"/>
-      </p:par>
-    </p:tnLst>
-  </p:timing>
 </p:sld>
 </file>
 
@@ -7296,13 +7092,8 @@
           <a:p>
             <a:r>
               <a:rPr lang="en-US" dirty="0"/>
-              <a:t>Quitting and Saving a </a:t>
-            </a:r>
-            <a:r>
-              <a:rPr lang="en-US" dirty="0" smtClean="0"/>
-              <a:t>file in command mode</a:t>
-            </a:r>
-            <a:endParaRPr lang="en-US" dirty="0"/>
+              <a:t>Practice I</a:t>
+            </a:r>
           </a:p>
         </p:txBody>
       </p:sp>
@@ -7318,8 +7109,8 @@
         </p:nvSpPr>
         <p:spPr>
           <a:xfrm>
-            <a:off x="877211" y="1994920"/>
-            <a:ext cx="7503018" cy="2285392"/>
+            <a:off x="555978" y="2725431"/>
+            <a:ext cx="8229600" cy="3314124"/>
           </a:xfrm>
         </p:spPr>
         <p:txBody>
@@ -7329,104 +7120,108 @@
           <a:lstStyle/>
           <a:p>
             <a:r>
-              <a:rPr lang="en-US" b="1" dirty="0">
-                <a:solidFill>
-                  <a:srgbClr val="17375E"/>
-                </a:solidFill>
-              </a:rPr>
-              <a:t>:w</a:t>
-            </a:r>
-            <a:r>
-              <a:rPr lang="en-US" dirty="0"/>
-              <a:t>	to save your file but not </a:t>
-            </a:r>
-            <a:r>
-              <a:rPr lang="en-US" dirty="0" smtClean="0"/>
-              <a:t>quit.</a:t>
-            </a:r>
-            <a:endParaRPr lang="en-US" dirty="0"/>
-          </a:p>
-          <a:p>
-            <a:r>
-              <a:rPr lang="en-US" b="1" dirty="0">
-                <a:solidFill>
-                  <a:srgbClr val="17375E"/>
-                </a:solidFill>
-              </a:rPr>
-              <a:t>:q</a:t>
-            </a:r>
-            <a:r>
-              <a:rPr lang="en-US" dirty="0"/>
-              <a:t>	to quit if you haven't made any edits.</a:t>
-            </a:r>
-          </a:p>
-          <a:p>
-            <a:r>
-              <a:rPr lang="en-US" b="1" dirty="0">
-                <a:solidFill>
-                  <a:srgbClr val="17375E"/>
-                </a:solidFill>
-              </a:rPr>
-              <a:t>:</a:t>
-            </a:r>
-            <a:r>
-              <a:rPr lang="en-US" b="1" dirty="0" err="1">
-                <a:solidFill>
-                  <a:srgbClr val="17375E"/>
-                </a:solidFill>
-              </a:rPr>
+              <a:rPr lang="en-US" sz="2800" dirty="0"/>
+              <a:t>Type “vi p1.txt” in Linux</a:t>
+            </a:r>
+          </a:p>
+          <a:p>
+            <a:r>
+              <a:rPr lang="en-US" sz="2800" dirty="0"/>
+              <a:t>Type the letter “</a:t>
+            </a:r>
+            <a:r>
+              <a:rPr lang="en-US" sz="2800" dirty="0" err="1"/>
+              <a:t>i</a:t>
+            </a:r>
+            <a:r>
+              <a:rPr lang="en-US" sz="2800" dirty="0"/>
+              <a:t>” to change to insert mode</a:t>
+            </a:r>
+          </a:p>
+          <a:p>
+            <a:r>
+              <a:rPr lang="en-US" sz="2800" dirty="0"/>
+              <a:t>Enter text (anything more than 6 lines)</a:t>
+            </a:r>
+          </a:p>
+          <a:p>
+            <a:r>
+              <a:rPr lang="en-US" sz="2800" dirty="0"/>
+              <a:t>Press </a:t>
+            </a:r>
+            <a:r>
+              <a:rPr lang="en-US" sz="2800" b="1" dirty="0"/>
+              <a:t>ESC</a:t>
+            </a:r>
+            <a:r>
+              <a:rPr lang="en-US" sz="2800" dirty="0"/>
+              <a:t> key</a:t>
+            </a:r>
+          </a:p>
+          <a:p>
+            <a:r>
+              <a:rPr lang="en-US" sz="2800" dirty="0"/>
+              <a:t>Type :</a:t>
+            </a:r>
+            <a:r>
+              <a:rPr lang="en-US" sz="2800" dirty="0" err="1"/>
               <a:t>wq</a:t>
             </a:r>
-            <a:r>
-              <a:rPr lang="en-US" dirty="0"/>
-              <a:t>	to quit and save </a:t>
-            </a:r>
-            <a:r>
-              <a:rPr lang="en-US" dirty="0" smtClean="0"/>
-              <a:t>edits.</a:t>
-            </a:r>
-            <a:endParaRPr lang="en-US" dirty="0"/>
-          </a:p>
-          <a:p>
-            <a:r>
-              <a:rPr lang="en-US" b="1" dirty="0" smtClean="0">
-                <a:solidFill>
-                  <a:srgbClr val="17375E"/>
-                </a:solidFill>
-              </a:rPr>
-              <a:t>:</a:t>
-            </a:r>
-            <a:r>
-              <a:rPr lang="en-US" b="1" dirty="0">
-                <a:solidFill>
-                  <a:srgbClr val="17375E"/>
-                </a:solidFill>
-              </a:rPr>
-              <a:t>q!</a:t>
-            </a:r>
-            <a:r>
-              <a:rPr lang="en-US" dirty="0"/>
-              <a:t>	</a:t>
-            </a:r>
-            <a:r>
-              <a:rPr lang="en-US" dirty="0" smtClean="0"/>
-              <a:t>to quit </a:t>
-            </a:r>
-            <a:r>
-              <a:rPr lang="en-US" b="1" i="1" dirty="0" smtClean="0"/>
-              <a:t>without</a:t>
-            </a:r>
-            <a:r>
-              <a:rPr lang="en-US" dirty="0" smtClean="0"/>
-              <a:t> saving.</a:t>
-            </a:r>
-            <a:endParaRPr lang="en-US" dirty="0"/>
+            <a:endParaRPr lang="en-US" sz="2800" dirty="0"/>
+          </a:p>
+          <a:p>
+            <a:pPr marL="0" indent="0">
+              <a:buNone/>
+            </a:pPr>
+            <a:r>
+              <a:rPr lang="en-US" sz="2800" dirty="0"/>
+              <a:t>(w: save; q: quit)</a:t>
+            </a:r>
           </a:p>
         </p:txBody>
       </p:sp>
       <p:sp>
         <p:nvSpPr>
-          <p:cNvPr id="4" name="Slide Number Placeholder 3"/>
+          <p:cNvPr id="4" name="TextBox 3"/>
+          <p:cNvSpPr txBox="1"/>
+          <p:nvPr/>
+        </p:nvSpPr>
+        <p:spPr>
+          <a:xfrm>
+            <a:off x="555978" y="1354667"/>
+            <a:ext cx="8057295" cy="954107"/>
+          </a:xfrm>
+          <a:prstGeom prst="rect">
+            <a:avLst/>
+          </a:prstGeom>
+          <a:noFill/>
+        </p:spPr>
+        <p:txBody>
+          <a:bodyPr wrap="square" rtlCol="0">
+            <a:spAutoFit/>
+          </a:bodyPr>
+          <a:lstStyle/>
+          <a:p>
+            <a:r>
+              <a:rPr lang="en-US" sz="2800" b="1" dirty="0">
+                <a:solidFill>
+                  <a:schemeClr val="tx2">
+                    <a:lumMod val="75000"/>
+                  </a:schemeClr>
+                </a:solidFill>
+              </a:rPr>
+              <a:t>Task</a:t>
+            </a:r>
+            <a:r>
+              <a:rPr lang="en-US" sz="2800" dirty="0"/>
+              <a:t>: to create a file named “p1.txt”, enter some text in the file and save it via vi. </a:t>
+            </a:r>
+          </a:p>
+        </p:txBody>
+      </p:sp>
+      <p:sp>
+        <p:nvSpPr>
+          <p:cNvPr id="5" name="Slide Number Placeholder 4"/>
           <p:cNvSpPr>
             <a:spLocks noGrp="1"/>
           </p:cNvSpPr>
@@ -7450,20 +7245,13 @@
     </p:spTree>
     <p:extLst>
       <p:ext uri="{BB962C8B-B14F-4D97-AF65-F5344CB8AC3E}">
-        <p14:creationId xmlns:p14="http://schemas.microsoft.com/office/powerpoint/2010/main" val="149524925"/>
+        <p14:creationId xmlns:p14="http://schemas.microsoft.com/office/powerpoint/2010/main" val="3340244466"/>
       </p:ext>
     </p:extLst>
   </p:cSld>
   <p:clrMapOvr>
     <a:masterClrMapping/>
   </p:clrMapOvr>
-  <p:timing>
-    <p:tnLst>
-      <p:par>
-        <p:cTn xmlns:p14="http://schemas.microsoft.com/office/powerpoint/2010/main" id="1" dur="indefinite" restart="never" nodeType="tmRoot"/>
-      </p:par>
-    </p:tnLst>
-  </p:timing>
 </p:sld>
 </file>
 
@@ -7500,17 +7288,16 @@
           <a:lstStyle/>
           <a:p>
             <a:r>
-              <a:rPr lang="en-US" dirty="0" smtClean="0"/>
-              <a:t>Practice II – move cursor</a:t>
-            </a:r>
-            <a:endParaRPr lang="en-US" dirty="0"/>
+              <a:rPr lang="en-US" dirty="0"/>
+              <a:t>Quitting and Saving a file in command mode</a:t>
+            </a:r>
           </a:p>
         </p:txBody>
       </p:sp>
       <p:sp>
         <p:nvSpPr>
-          <p:cNvPr id="4" name="Content Placeholder 3"/>
-          <p:cNvSpPr txBox="1">
+          <p:cNvPr id="3" name="Content Placeholder 2"/>
+          <p:cNvSpPr>
             <a:spLocks noGrp="1"/>
           </p:cNvSpPr>
           <p:nvPr>
@@ -7519,126 +7306,92 @@
         </p:nvSpPr>
         <p:spPr>
           <a:xfrm>
-            <a:off x="457200" y="3061960"/>
-            <a:ext cx="8229600" cy="3108544"/>
+            <a:off x="877211" y="1994920"/>
+            <a:ext cx="7503018" cy="2285392"/>
           </a:xfrm>
-          <a:prstGeom prst="rect">
-            <a:avLst/>
-          </a:prstGeom>
-          <a:noFill/>
         </p:spPr>
         <p:txBody>
-          <a:bodyPr wrap="square" rtlCol="0">
-            <a:spAutoFit/>
+          <a:bodyPr>
+            <a:normAutofit/>
           </a:bodyPr>
           <a:lstStyle/>
           <a:p>
             <a:r>
-              <a:rPr lang="en-US" sz="2800" dirty="0"/>
-              <a:t>v</a:t>
-            </a:r>
-            <a:r>
-              <a:rPr lang="en-US" sz="2800" dirty="0" smtClean="0"/>
-              <a:t>i p1.txt</a:t>
-            </a:r>
-          </a:p>
-          <a:p>
-            <a:r>
-              <a:rPr lang="en-US" sz="2800" dirty="0"/>
-              <a:t>Type the letter “</a:t>
-            </a:r>
-            <a:r>
-              <a:rPr lang="en-US" sz="2800" dirty="0" err="1"/>
-              <a:t>i</a:t>
-            </a:r>
-            <a:r>
-              <a:rPr lang="en-US" sz="2800" dirty="0"/>
-              <a:t>” to change to insert mode</a:t>
-            </a:r>
-          </a:p>
-          <a:p>
-            <a:r>
-              <a:rPr lang="en-US" sz="2800" dirty="0" smtClean="0"/>
-              <a:t>Edit text (delete and add)</a:t>
-            </a:r>
-            <a:endParaRPr lang="en-US" sz="2800" dirty="0"/>
-          </a:p>
-          <a:p>
-            <a:r>
-              <a:rPr lang="en-US" sz="2800" dirty="0"/>
-              <a:t>Press </a:t>
-            </a:r>
-            <a:r>
-              <a:rPr lang="en-US" sz="2800" b="1" dirty="0"/>
-              <a:t>ESC</a:t>
-            </a:r>
-            <a:r>
-              <a:rPr lang="en-US" sz="2800" dirty="0"/>
-              <a:t> </a:t>
-            </a:r>
-            <a:r>
-              <a:rPr lang="en-US" sz="2800" dirty="0" smtClean="0"/>
-              <a:t>key</a:t>
-            </a:r>
-          </a:p>
-          <a:p>
-            <a:r>
-              <a:rPr lang="en-US" sz="2800" dirty="0" smtClean="0"/>
-              <a:t>Try 0 and then $ and then 0 and then $</a:t>
-            </a:r>
-          </a:p>
-          <a:p>
-            <a:r>
-              <a:rPr lang="en-US" sz="2800" dirty="0" smtClean="0"/>
-              <a:t>Try H, M, L</a:t>
-            </a:r>
-            <a:endParaRPr lang="en-US" sz="2800" dirty="0"/>
+              <a:rPr lang="en-US" b="1" dirty="0">
+                <a:solidFill>
+                  <a:srgbClr val="17375E"/>
+                </a:solidFill>
+              </a:rPr>
+              <a:t>:w</a:t>
+            </a:r>
+            <a:r>
+              <a:rPr lang="en-US" dirty="0"/>
+              <a:t>	to save your file but not quit.</a:t>
+            </a:r>
+          </a:p>
+          <a:p>
+            <a:r>
+              <a:rPr lang="en-US" b="1" dirty="0">
+                <a:solidFill>
+                  <a:srgbClr val="17375E"/>
+                </a:solidFill>
+              </a:rPr>
+              <a:t>:q</a:t>
+            </a:r>
+            <a:r>
+              <a:rPr lang="en-US" dirty="0"/>
+              <a:t>	to quit if you haven't made any edits.</a:t>
+            </a:r>
+          </a:p>
+          <a:p>
+            <a:r>
+              <a:rPr lang="en-US" b="1" dirty="0">
+                <a:solidFill>
+                  <a:srgbClr val="17375E"/>
+                </a:solidFill>
+              </a:rPr>
+              <a:t>:</a:t>
+            </a:r>
+            <a:r>
+              <a:rPr lang="en-US" b="1" dirty="0" err="1">
+                <a:solidFill>
+                  <a:srgbClr val="17375E"/>
+                </a:solidFill>
+              </a:rPr>
+              <a:t>wq</a:t>
+            </a:r>
+            <a:r>
+              <a:rPr lang="en-US" dirty="0"/>
+              <a:t>	to quit and save edits.</a:t>
+            </a:r>
+          </a:p>
+          <a:p>
+            <a:r>
+              <a:rPr lang="en-US" b="1" dirty="0">
+                <a:solidFill>
+                  <a:srgbClr val="17375E"/>
+                </a:solidFill>
+              </a:rPr>
+              <a:t>:q!</a:t>
+            </a:r>
+            <a:r>
+              <a:rPr lang="en-US" dirty="0"/>
+              <a:t>	to quit </a:t>
+            </a:r>
+            <a:r>
+              <a:rPr lang="en-US" b="1" i="1" dirty="0"/>
+              <a:t>without</a:t>
+            </a:r>
+            <a:r>
+              <a:rPr lang="en-US" dirty="0"/>
+              <a:t> saving.</a:t>
+            </a:r>
           </a:p>
         </p:txBody>
       </p:sp>
       <p:sp>
         <p:nvSpPr>
-          <p:cNvPr id="5" name="TextBox 4"/>
-          <p:cNvSpPr txBox="1"/>
-          <p:nvPr/>
-        </p:nvSpPr>
-        <p:spPr>
-          <a:xfrm>
-            <a:off x="555978" y="1354667"/>
-            <a:ext cx="8057295" cy="1384995"/>
-          </a:xfrm>
-          <a:prstGeom prst="rect">
-            <a:avLst/>
-          </a:prstGeom>
-          <a:noFill/>
-        </p:spPr>
-        <p:txBody>
-          <a:bodyPr wrap="square" rtlCol="0">
-            <a:spAutoFit/>
-          </a:bodyPr>
-          <a:lstStyle/>
-          <a:p>
-            <a:r>
-              <a:rPr lang="en-US" sz="2800" b="1" dirty="0" smtClean="0">
-                <a:solidFill>
-                  <a:schemeClr val="tx2">
-                    <a:lumMod val="75000"/>
-                  </a:schemeClr>
-                </a:solidFill>
-              </a:rPr>
-              <a:t>Task</a:t>
-            </a:r>
-            <a:r>
-              <a:rPr lang="en-US" sz="2800" dirty="0" smtClean="0"/>
-              <a:t>: to edit the file “p1.txt”, deleting a few words and adding some new words , and practice $, 0, H, M, and L in command mode. </a:t>
-            </a:r>
-            <a:endParaRPr lang="en-US" sz="2800" dirty="0"/>
-          </a:p>
-        </p:txBody>
-      </p:sp>
-      <p:sp>
-        <p:nvSpPr>
-          <p:cNvPr id="3" name="Slide Number Placeholder 2"/>
+          <p:cNvPr id="4" name="Slide Number Placeholder 3"/>
           <p:cNvSpPr>
             <a:spLocks noGrp="1"/>
           </p:cNvSpPr>
@@ -7662,20 +7415,13 @@
     </p:spTree>
     <p:extLst>
       <p:ext uri="{BB962C8B-B14F-4D97-AF65-F5344CB8AC3E}">
-        <p14:creationId xmlns:p14="http://schemas.microsoft.com/office/powerpoint/2010/main" val="1539527986"/>
+        <p14:creationId xmlns:p14="http://schemas.microsoft.com/office/powerpoint/2010/main" val="149524925"/>
       </p:ext>
     </p:extLst>
   </p:cSld>
   <p:clrMapOvr>
     <a:masterClrMapping/>
   </p:clrMapOvr>
-  <p:timing>
-    <p:tnLst>
-      <p:par>
-        <p:cTn xmlns:p14="http://schemas.microsoft.com/office/powerpoint/2010/main" id="1" dur="indefinite" restart="never" nodeType="tmRoot"/>
-      </p:par>
-    </p:tnLst>
-  </p:timing>
 </p:sld>
 </file>
 
@@ -7712,10 +7458,9 @@
           <a:lstStyle/>
           <a:p>
             <a:r>
-              <a:rPr lang="en-US" dirty="0" smtClean="0"/>
+              <a:rPr lang="en-US" dirty="0"/>
               <a:t>Goal of today’s lab</a:t>
             </a:r>
-            <a:endParaRPr lang="en-US" dirty="0"/>
           </a:p>
         </p:txBody>
       </p:sp>
@@ -7731,7 +7476,7 @@
         </p:nvSpPr>
         <p:spPr>
           <a:xfrm>
-            <a:off x="636532" y="1727111"/>
+            <a:off x="636532" y="1460411"/>
             <a:ext cx="7999468" cy="2489289"/>
           </a:xfrm>
         </p:spPr>
@@ -7747,7 +7492,7 @@
               </a:lnSpc>
             </a:pPr>
             <a:r>
-              <a:rPr lang="en-US" sz="2800" dirty="0" smtClean="0"/>
+              <a:rPr lang="en-US" sz="2800" dirty="0"/>
               <a:t>Familiar to Excel functions</a:t>
             </a:r>
           </a:p>
@@ -7758,26 +7503,9 @@
               </a:lnSpc>
             </a:pPr>
             <a:r>
-              <a:rPr lang="en-US" sz="2800" dirty="0" smtClean="0"/>
-              <a:t>Try </a:t>
-            </a:r>
-            <a:r>
-              <a:rPr lang="en-US" sz="2800" i="1" dirty="0" smtClean="0"/>
-              <a:t>vi</a:t>
-            </a:r>
-            <a:r>
               <a:rPr lang="en-US" sz="2800" dirty="0"/>
-              <a:t> </a:t>
-            </a:r>
-            <a:r>
-              <a:rPr lang="en-US" sz="2800" dirty="0" smtClean="0"/>
-              <a:t>at </a:t>
-            </a:r>
-            <a:r>
-              <a:rPr lang="en-US" sz="2800" dirty="0" err="1" smtClean="0"/>
-              <a:t>Beocat</a:t>
-            </a:r>
-            <a:endParaRPr lang="en-US" sz="2800" i="1" dirty="0" smtClean="0"/>
+              <a:t>Practice using regular expression in BBEdit</a:t>
+            </a:r>
           </a:p>
           <a:p>
             <a:pPr>
@@ -7787,13 +7515,21 @@
             </a:pPr>
             <a:r>
               <a:rPr lang="en-US" sz="2800" dirty="0"/>
-              <a:t>Practice using regular expression in </a:t>
-            </a:r>
-            <a:r>
-              <a:rPr lang="en-US" sz="2800" dirty="0" err="1" smtClean="0"/>
-              <a:t>TextWrangler</a:t>
-            </a:r>
-            <a:endParaRPr lang="en-US" sz="2800" dirty="0"/>
+              <a:t>Try </a:t>
+            </a:r>
+            <a:r>
+              <a:rPr lang="en-US" sz="2800" i="1" dirty="0"/>
+              <a:t>vi</a:t>
+            </a:r>
+            <a:r>
+              <a:rPr lang="en-US" sz="2800" dirty="0"/>
+              <a:t> at </a:t>
+            </a:r>
+            <a:r>
+              <a:rPr lang="en-US" sz="2800" dirty="0" err="1"/>
+              <a:t>Beocat</a:t>
+            </a:r>
+            <a:endParaRPr lang="en-US" sz="2800" i="1" dirty="0"/>
           </a:p>
         </p:txBody>
       </p:sp>
@@ -7805,8 +7541,8 @@
         </p:nvSpPr>
         <p:spPr>
           <a:xfrm>
-            <a:off x="1028700" y="4800600"/>
-            <a:ext cx="7180872" cy="830997"/>
+            <a:off x="636532" y="4725511"/>
+            <a:ext cx="8050268" cy="1477328"/>
           </a:xfrm>
           <a:prstGeom prst="rect">
             <a:avLst/>
@@ -7814,28 +7550,46 @@
           <a:noFill/>
         </p:spPr>
         <p:txBody>
-          <a:bodyPr wrap="none" rtlCol="0">
+          <a:bodyPr wrap="square" rtlCol="0">
             <a:spAutoFit/>
           </a:bodyPr>
           <a:lstStyle/>
           <a:p>
             <a:r>
-              <a:rPr lang="en-US" sz="2400" dirty="0" smtClean="0">
+              <a:rPr lang="en-US" sz="2400" dirty="0">
                 <a:solidFill>
                   <a:srgbClr val="FF0000"/>
                 </a:solidFill>
               </a:rPr>
-              <a:t>for PC, download the software "putty" and "notepad+</a:t>
-            </a:r>
-            <a:r>
-              <a:rPr lang="en-US" sz="2400" dirty="0" smtClean="0">
+              <a:t>for PC, download the software "</a:t>
+            </a:r>
+            <a:r>
+              <a:rPr lang="en-US" sz="2400" dirty="0">
+                <a:solidFill>
+                  <a:srgbClr val="FF0000"/>
+                </a:solidFill>
+                <a:hlinkClick r:id="rId2"/>
+              </a:rPr>
+              <a:t>putty</a:t>
+            </a:r>
+            <a:r>
+              <a:rPr lang="en-US" sz="2400" dirty="0">
                 <a:solidFill>
                   <a:srgbClr val="FF0000"/>
                 </a:solidFill>
               </a:rPr>
-              <a:t>+"</a:t>
-            </a:r>
-            <a:endParaRPr lang="en-US" sz="2400" dirty="0" smtClean="0">
+              <a:t>" and "</a:t>
+            </a:r>
+            <a:r>
+              <a:rPr lang="en-US" sz="2400" dirty="0">
+                <a:solidFill>
+                  <a:srgbClr val="FF0000"/>
+                </a:solidFill>
+                <a:hlinkClick r:id="rId3"/>
+              </a:rPr>
+              <a:t>notepad++"</a:t>
+            </a:r>
+            <a:endParaRPr lang="en-US" sz="2400" dirty="0">
               <a:solidFill>
                 <a:srgbClr val="FF0000"/>
               </a:solidFill>
@@ -7843,7 +7597,25 @@
           </a:p>
           <a:p>
             <a:r>
-              <a:rPr lang="en-US" sz="2400" dirty="0" smtClean="0">
+              <a:rPr lang="en-US" dirty="0">
+                <a:solidFill>
+                  <a:srgbClr val="FF0000"/>
+                </a:solidFill>
+                <a:hlinkClick r:id="rId4"/>
+              </a:rPr>
+              <a:t>32 or 64 bits</a:t>
+            </a:r>
+          </a:p>
+          <a:p>
+            <a:endParaRPr lang="en-US" sz="2400" dirty="0">
+              <a:solidFill>
+                <a:srgbClr val="FF0000"/>
+              </a:solidFill>
+            </a:endParaRPr>
+          </a:p>
+          <a:p>
+            <a:r>
+              <a:rPr lang="en-US" sz="2400" dirty="0">
                 <a:solidFill>
                   <a:srgbClr val="FF0000"/>
                 </a:solidFill>
@@ -7851,26 +7623,22 @@
               <a:t>for mac, download "</a:t>
             </a:r>
             <a:r>
-              <a:rPr lang="en-US" sz="2400" dirty="0" err="1" smtClean="0">
+              <a:rPr lang="en-US" sz="2400" dirty="0">
                 <a:solidFill>
                   <a:srgbClr val="FF0000"/>
                 </a:solidFill>
+                <a:hlinkClick r:id="rId5"/>
               </a:rPr>
-              <a:t>textWrangler</a:t>
-            </a:r>
-            <a:r>
-              <a:rPr lang="en-US" sz="2400" dirty="0" smtClean="0">
+              <a:t>BBEdit</a:t>
+            </a:r>
+            <a:r>
+              <a:rPr lang="en-US" sz="2400" dirty="0">
                 <a:solidFill>
                   <a:srgbClr val="FF0000"/>
                 </a:solidFill>
               </a:rPr>
               <a:t>"</a:t>
             </a:r>
-            <a:endParaRPr lang="en-US" sz="2400" dirty="0">
-              <a:solidFill>
-                <a:srgbClr val="FF0000"/>
-              </a:solidFill>
-            </a:endParaRPr>
           </a:p>
         </p:txBody>
       </p:sp>
@@ -7907,13 +7675,6 @@
   <p:clrMapOvr>
     <a:masterClrMapping/>
   </p:clrMapOvr>
-  <p:timing>
-    <p:tnLst>
-      <p:par>
-        <p:cTn xmlns:p14="http://schemas.microsoft.com/office/powerpoint/2010/main" id="1" dur="indefinite" restart="never" nodeType="tmRoot"/>
-      </p:par>
-    </p:tnLst>
-  </p:timing>
 </p:sld>
 </file>
 
@@ -7950,10 +7711,9 @@
           <a:lstStyle/>
           <a:p>
             <a:r>
-              <a:rPr lang="en-US" dirty="0" smtClean="0"/>
-              <a:t>Practice II – search</a:t>
-            </a:r>
-            <a:endParaRPr lang="en-US" dirty="0"/>
+              <a:rPr lang="en-US" dirty="0"/>
+              <a:t>Practice II – move cursor</a:t>
+            </a:r>
           </a:p>
         </p:txBody>
       </p:sp>
@@ -7969,8 +7729,8 @@
         </p:nvSpPr>
         <p:spPr>
           <a:xfrm>
-            <a:off x="457200" y="2921950"/>
-            <a:ext cx="8229600" cy="2419124"/>
+            <a:off x="457200" y="3061960"/>
+            <a:ext cx="8229600" cy="3108544"/>
           </a:xfrm>
           <a:prstGeom prst="rect">
             <a:avLst/>
@@ -7984,46 +7744,55 @@
           <a:lstStyle/>
           <a:p>
             <a:r>
-              <a:rPr lang="en-US" sz="2800" dirty="0" smtClean="0"/>
-              <a:t>/xxx</a:t>
-            </a:r>
-          </a:p>
-          <a:p>
-            <a:r>
-              <a:rPr lang="en-US" sz="2800" dirty="0" smtClean="0"/>
+              <a:rPr lang="en-US" sz="2800" dirty="0"/>
+              <a:t>vi p1.txt</a:t>
+            </a:r>
+          </a:p>
+          <a:p>
+            <a:r>
+              <a:rPr lang="en-US" sz="2800" dirty="0"/>
+              <a:t>Type the letter “</a:t>
+            </a:r>
+            <a:r>
+              <a:rPr lang="en-US" sz="2800" dirty="0" err="1"/>
+              <a:t>i</a:t>
+            </a:r>
+            <a:r>
+              <a:rPr lang="en-US" sz="2800" dirty="0"/>
+              <a:t>” to change to insert mode</a:t>
+            </a:r>
+          </a:p>
+          <a:p>
+            <a:r>
+              <a:rPr lang="en-US" sz="2800" dirty="0"/>
+              <a:t>Edit text (delete and add)</a:t>
+            </a:r>
+          </a:p>
+          <a:p>
+            <a:r>
+              <a:rPr lang="en-US" sz="2800" dirty="0"/>
               <a:t>Press </a:t>
             </a:r>
             <a:r>
+              <a:rPr lang="en-US" sz="2800" b="1" dirty="0"/>
+              <a:t>ESC</a:t>
+            </a:r>
+            <a:r>
               <a:rPr lang="en-US" sz="2800" dirty="0"/>
-              <a:t>Return, the cursor will move to the first incidence of that </a:t>
-            </a:r>
-            <a:r>
-              <a:rPr lang="en-US" sz="2800" dirty="0" smtClean="0"/>
-              <a:t>string (xxx)</a:t>
-            </a:r>
-          </a:p>
-          <a:p>
-            <a:r>
-              <a:rPr lang="en-US" sz="2800" dirty="0" smtClean="0"/>
-              <a:t>Repeat </a:t>
-            </a:r>
+              <a:t> key</a:t>
+            </a:r>
+          </a:p>
+          <a:p>
             <a:r>
               <a:rPr lang="en-US" sz="2800" dirty="0"/>
-              <a:t>the search by typing </a:t>
-            </a:r>
-            <a:r>
-              <a:rPr lang="en-US" sz="2800" dirty="0" smtClean="0"/>
-              <a:t>“n” </a:t>
-            </a:r>
+              <a:t>Try 0 and then $ and then 0 and then $</a:t>
+            </a:r>
+          </a:p>
+          <a:p>
             <a:r>
               <a:rPr lang="en-US" sz="2800" dirty="0"/>
-              <a:t>or search in a backwards direction by using </a:t>
-            </a:r>
-            <a:r>
-              <a:rPr lang="en-US" sz="2800" dirty="0" smtClean="0"/>
-              <a:t>“N”</a:t>
-            </a:r>
-            <a:endParaRPr lang="en-US" sz="2800" dirty="0"/>
+              <a:t>Try H, M, L</a:t>
+            </a:r>
           </a:p>
         </p:txBody>
       </p:sp>
@@ -8036,7 +7805,7 @@
         <p:spPr>
           <a:xfrm>
             <a:off x="555978" y="1354667"/>
-            <a:ext cx="8057295" cy="523220"/>
+            <a:ext cx="8057295" cy="1384995"/>
           </a:xfrm>
           <a:prstGeom prst="rect">
             <a:avLst/>
@@ -8050,7 +7819,7 @@
           <a:lstStyle/>
           <a:p>
             <a:r>
-              <a:rPr lang="en-US" sz="2800" b="1" dirty="0" smtClean="0">
+              <a:rPr lang="en-US" sz="2800" b="1" dirty="0">
                 <a:solidFill>
                   <a:schemeClr val="tx2">
                     <a:lumMod val="75000"/>
@@ -8060,10 +7829,9 @@
               <a:t>Task</a:t>
             </a:r>
             <a:r>
-              <a:rPr lang="en-US" sz="2800" dirty="0" smtClean="0"/>
-              <a:t>: to search content in “p1.txt” using “/”</a:t>
-            </a:r>
-            <a:endParaRPr lang="en-US" sz="2800" dirty="0"/>
+              <a:rPr lang="en-US" sz="2800" dirty="0"/>
+              <a:t>: to edit the file “p1.txt”, deleting a few words and adding some new words , and practice $, 0, H, M, and L in command mode. </a:t>
+            </a:r>
           </a:p>
         </p:txBody>
       </p:sp>
@@ -8093,20 +7861,13 @@
     </p:spTree>
     <p:extLst>
       <p:ext uri="{BB962C8B-B14F-4D97-AF65-F5344CB8AC3E}">
-        <p14:creationId xmlns:p14="http://schemas.microsoft.com/office/powerpoint/2010/main" val="3750666015"/>
+        <p14:creationId xmlns:p14="http://schemas.microsoft.com/office/powerpoint/2010/main" val="1539527986"/>
       </p:ext>
     </p:extLst>
   </p:cSld>
   <p:clrMapOvr>
     <a:masterClrMapping/>
   </p:clrMapOvr>
-  <p:timing>
-    <p:tnLst>
-      <p:par>
-        <p:cTn xmlns:p14="http://schemas.microsoft.com/office/powerpoint/2010/main" id="1" dur="indefinite" restart="never" nodeType="tmRoot"/>
-      </p:par>
-    </p:tnLst>
-  </p:timing>
 </p:sld>
 </file>
 
@@ -8143,17 +7904,16 @@
           <a:lstStyle/>
           <a:p>
             <a:r>
-              <a:rPr lang="en-US" dirty="0" smtClean="0"/>
-              <a:t>Practice II – Undo in command mode</a:t>
-            </a:r>
-            <a:endParaRPr lang="en-US" dirty="0"/>
+              <a:rPr lang="en-US" dirty="0"/>
+              <a:t>Practice II – search</a:t>
+            </a:r>
           </a:p>
         </p:txBody>
       </p:sp>
       <p:sp>
         <p:nvSpPr>
-          <p:cNvPr id="3" name="Content Placeholder 2"/>
-          <p:cNvSpPr>
+          <p:cNvPr id="4" name="Content Placeholder 3"/>
+          <p:cNvSpPr txBox="1">
             <a:spLocks noGrp="1"/>
           </p:cNvSpPr>
           <p:nvPr>
@@ -8162,68 +7922,81 @@
         </p:nvSpPr>
         <p:spPr>
           <a:xfrm>
-            <a:off x="1231028" y="2481938"/>
-            <a:ext cx="5959750" cy="925292"/>
+            <a:off x="457200" y="2921950"/>
+            <a:ext cx="8229600" cy="2419124"/>
           </a:xfrm>
+          <a:prstGeom prst="rect">
+            <a:avLst/>
+          </a:prstGeom>
+          <a:noFill/>
         </p:spPr>
         <p:txBody>
-          <a:bodyPr>
-            <a:noAutofit/>
+          <a:bodyPr wrap="square" rtlCol="0">
+            <a:spAutoFit/>
           </a:bodyPr>
           <a:lstStyle/>
           <a:p>
             <a:r>
-              <a:rPr lang="en-US" sz="2800" b="1" dirty="0">
-                <a:solidFill>
-                  <a:srgbClr val="17375E"/>
-                </a:solidFill>
-              </a:rPr>
-              <a:t>u</a:t>
-            </a:r>
-            <a:r>
               <a:rPr lang="en-US" sz="2800" dirty="0"/>
-              <a:t>	</a:t>
-            </a:r>
-            <a:r>
-              <a:rPr lang="en-US" sz="2800" dirty="0" smtClean="0"/>
-              <a:t>undoes the change</a:t>
-            </a:r>
-          </a:p>
-          <a:p>
-            <a:r>
-              <a:rPr lang="en-US" sz="2800" b="1" dirty="0" err="1">
-                <a:solidFill>
-                  <a:srgbClr val="17375E"/>
-                </a:solidFill>
-              </a:rPr>
-              <a:t>c</a:t>
-            </a:r>
-            <a:r>
-              <a:rPr lang="en-US" sz="2800" b="1" dirty="0" err="1" smtClean="0">
-                <a:solidFill>
-                  <a:srgbClr val="17375E"/>
-                </a:solidFill>
-              </a:rPr>
-              <a:t>ontol+r</a:t>
-            </a:r>
-            <a:r>
-              <a:rPr lang="en-US" sz="2800" b="1" dirty="0" smtClean="0">
-                <a:solidFill>
-                  <a:srgbClr val="17375E"/>
-                </a:solidFill>
-              </a:rPr>
-              <a:t>	</a:t>
-            </a:r>
-            <a:r>
-              <a:rPr lang="en-US" sz="2800" dirty="0" smtClean="0"/>
-              <a:t>Redoes</a:t>
+              <a:t>/xxx</a:t>
+            </a:r>
+          </a:p>
+          <a:p>
+            <a:r>
+              <a:rPr lang="en-US" sz="2800" dirty="0"/>
+              <a:t>Press Return, the cursor will move to the first incidence of that string (xxx)</a:t>
+            </a:r>
+          </a:p>
+          <a:p>
+            <a:r>
+              <a:rPr lang="en-US" sz="2800" dirty="0"/>
+              <a:t>Repeat the search by typing “n” or search in a backwards direction by using “N”</a:t>
             </a:r>
           </a:p>
         </p:txBody>
       </p:sp>
       <p:sp>
         <p:nvSpPr>
-          <p:cNvPr id="4" name="Slide Number Placeholder 3"/>
+          <p:cNvPr id="5" name="TextBox 4"/>
+          <p:cNvSpPr txBox="1"/>
+          <p:nvPr/>
+        </p:nvSpPr>
+        <p:spPr>
+          <a:xfrm>
+            <a:off x="555978" y="1354667"/>
+            <a:ext cx="8057295" cy="523220"/>
+          </a:xfrm>
+          <a:prstGeom prst="rect">
+            <a:avLst/>
+          </a:prstGeom>
+          <a:noFill/>
+        </p:spPr>
+        <p:txBody>
+          <a:bodyPr wrap="square" rtlCol="0">
+            <a:spAutoFit/>
+          </a:bodyPr>
+          <a:lstStyle/>
+          <a:p>
+            <a:r>
+              <a:rPr lang="en-US" sz="2800" b="1" dirty="0">
+                <a:solidFill>
+                  <a:schemeClr val="tx2">
+                    <a:lumMod val="75000"/>
+                  </a:schemeClr>
+                </a:solidFill>
+              </a:rPr>
+              <a:t>Task</a:t>
+            </a:r>
+            <a:r>
+              <a:rPr lang="en-US" sz="2800" dirty="0"/>
+              <a:t>: to search content in “p1.txt” using “/”</a:t>
+            </a:r>
+          </a:p>
+        </p:txBody>
+      </p:sp>
+      <p:sp>
+        <p:nvSpPr>
+          <p:cNvPr id="3" name="Slide Number Placeholder 2"/>
           <p:cNvSpPr>
             <a:spLocks noGrp="1"/>
           </p:cNvSpPr>
@@ -8247,20 +8020,13 @@
     </p:spTree>
     <p:extLst>
       <p:ext uri="{BB962C8B-B14F-4D97-AF65-F5344CB8AC3E}">
-        <p14:creationId xmlns:p14="http://schemas.microsoft.com/office/powerpoint/2010/main" val="1770815387"/>
+        <p14:creationId xmlns:p14="http://schemas.microsoft.com/office/powerpoint/2010/main" val="3750666015"/>
       </p:ext>
     </p:extLst>
   </p:cSld>
   <p:clrMapOvr>
     <a:masterClrMapping/>
   </p:clrMapOvr>
-  <p:timing>
-    <p:tnLst>
-      <p:par>
-        <p:cTn xmlns:p14="http://schemas.microsoft.com/office/powerpoint/2010/main" id="1" dur="indefinite" restart="never" nodeType="tmRoot"/>
-      </p:par>
-    </p:tnLst>
-  </p:timing>
 </p:sld>
 </file>
 
@@ -8297,10 +8063,9 @@
           <a:lstStyle/>
           <a:p>
             <a:r>
-              <a:rPr lang="en-US" dirty="0" smtClean="0"/>
-              <a:t>Practice II – Deleting in command mode</a:t>
-            </a:r>
-            <a:endParaRPr lang="en-US" dirty="0"/>
+              <a:rPr lang="en-US" dirty="0"/>
+              <a:t>Practice II – Undo in command mode</a:t>
+            </a:r>
           </a:p>
         </p:txBody>
       </p:sp>
@@ -8316,114 +8081,50 @@
         </p:nvSpPr>
         <p:spPr>
           <a:xfrm>
-            <a:off x="457200" y="1714900"/>
-            <a:ext cx="8229600" cy="4275785"/>
+            <a:off x="1231028" y="2481938"/>
+            <a:ext cx="5959750" cy="925292"/>
           </a:xfrm>
         </p:spPr>
         <p:txBody>
           <a:bodyPr>
-            <a:normAutofit/>
+            <a:noAutofit/>
           </a:bodyPr>
           <a:lstStyle/>
           <a:p>
             <a:r>
-              <a:rPr lang="en-US" b="1" dirty="0">
+              <a:rPr lang="en-US" sz="2800" b="1" dirty="0">
                 <a:solidFill>
                   <a:srgbClr val="17375E"/>
                 </a:solidFill>
               </a:rPr>
-              <a:t>x</a:t>
-            </a:r>
-            <a:r>
-              <a:rPr lang="en-US" dirty="0"/>
-              <a:t>	deletes the character under the cursor.</a:t>
-            </a:r>
-          </a:p>
-          <a:p>
-            <a:r>
-              <a:rPr lang="en-US" b="1" dirty="0">
-                <a:solidFill>
-                  <a:schemeClr val="tx2">
-                    <a:lumMod val="75000"/>
-                  </a:schemeClr>
-                </a:solidFill>
-              </a:rPr>
-              <a:t>X</a:t>
-            </a:r>
-            <a:r>
-              <a:rPr lang="en-US" dirty="0"/>
-              <a:t>	deletes the character to the left of your cursor</a:t>
-            </a:r>
-          </a:p>
-          <a:p>
-            <a:r>
-              <a:rPr lang="en-US" b="1" dirty="0" err="1" smtClean="0">
+              <a:t>u</a:t>
+            </a:r>
+            <a:r>
+              <a:rPr lang="en-US" sz="2800" dirty="0"/>
+              <a:t>	undoes the change</a:t>
+            </a:r>
+          </a:p>
+          <a:p>
+            <a:r>
+              <a:rPr lang="en-US" sz="2800" b="1" dirty="0" err="1">
                 <a:solidFill>
                   <a:srgbClr val="17375E"/>
                 </a:solidFill>
               </a:rPr>
-              <a:t>dw</a:t>
-            </a:r>
-            <a:r>
-              <a:rPr lang="en-US" dirty="0" smtClean="0"/>
-              <a:t>	deletes </a:t>
-            </a:r>
-            <a:r>
-              <a:rPr lang="en-US" dirty="0"/>
-              <a:t>from the character selected to the end of the word.</a:t>
-            </a:r>
-          </a:p>
-          <a:p>
-            <a:r>
-              <a:rPr lang="en-US" b="1" dirty="0" err="1" smtClean="0">
+              <a:t>contol+r</a:t>
+            </a:r>
+            <a:r>
+              <a:rPr lang="en-US" sz="2800" b="1" dirty="0">
                 <a:solidFill>
                   <a:srgbClr val="17375E"/>
                 </a:solidFill>
               </a:rPr>
-              <a:t>dd</a:t>
-            </a:r>
-            <a:r>
-              <a:rPr lang="en-US" dirty="0" smtClean="0"/>
-              <a:t>	deletes </a:t>
-            </a:r>
-            <a:r>
-              <a:rPr lang="en-US" dirty="0"/>
-              <a:t>all the current line.</a:t>
-            </a:r>
-          </a:p>
-          <a:p>
-            <a:r>
-              <a:rPr lang="en-US" b="1" dirty="0">
-                <a:solidFill>
-                  <a:srgbClr val="17375E"/>
-                </a:solidFill>
-              </a:rPr>
-              <a:t>D</a:t>
-            </a:r>
-            <a:r>
-              <a:rPr lang="en-US" dirty="0"/>
-              <a:t>	deletes from the current character to the end of the line</a:t>
-            </a:r>
-            <a:r>
-              <a:rPr lang="en-US" dirty="0" smtClean="0"/>
-              <a:t>.</a:t>
-            </a:r>
-          </a:p>
-          <a:p>
-            <a:pPr marL="0" indent="0">
-              <a:buNone/>
-            </a:pPr>
-            <a:endParaRPr lang="en-US" sz="3200" dirty="0" smtClean="0"/>
-          </a:p>
-          <a:p>
-            <a:pPr marL="0" indent="0">
-              <a:buNone/>
-            </a:pPr>
-            <a:r>
-              <a:rPr lang="en-US" sz="3200" dirty="0" smtClean="0"/>
-              <a:t>Try 3dw, 2dd</a:t>
-            </a:r>
-            <a:endParaRPr lang="en-US" sz="3200" dirty="0"/>
+              <a:t>	</a:t>
+            </a:r>
+            <a:r>
+              <a:rPr lang="en-US" sz="2800" dirty="0"/>
+              <a:t>Redoes</a:t>
+            </a:r>
           </a:p>
         </p:txBody>
       </p:sp>
@@ -8453,20 +8154,13 @@
     </p:spTree>
     <p:extLst>
       <p:ext uri="{BB962C8B-B14F-4D97-AF65-F5344CB8AC3E}">
-        <p14:creationId xmlns:p14="http://schemas.microsoft.com/office/powerpoint/2010/main" val="1085370099"/>
+        <p14:creationId xmlns:p14="http://schemas.microsoft.com/office/powerpoint/2010/main" val="1770815387"/>
       </p:ext>
     </p:extLst>
   </p:cSld>
   <p:clrMapOvr>
     <a:masterClrMapping/>
   </p:clrMapOvr>
-  <p:timing>
-    <p:tnLst>
-      <p:par>
-        <p:cTn xmlns:p14="http://schemas.microsoft.com/office/powerpoint/2010/main" id="1" dur="indefinite" restart="never" nodeType="tmRoot"/>
-      </p:par>
-    </p:tnLst>
-  </p:timing>
 </p:sld>
 </file>
 
@@ -8503,10 +8197,194 @@
           <a:lstStyle/>
           <a:p>
             <a:r>
-              <a:rPr lang="en-US" dirty="0" smtClean="0"/>
+              <a:rPr lang="en-US" dirty="0"/>
+              <a:t>Practice II – Deleting in command mode</a:t>
+            </a:r>
+          </a:p>
+        </p:txBody>
+      </p:sp>
+      <p:sp>
+        <p:nvSpPr>
+          <p:cNvPr id="3" name="Content Placeholder 2"/>
+          <p:cNvSpPr>
+            <a:spLocks noGrp="1"/>
+          </p:cNvSpPr>
+          <p:nvPr>
+            <p:ph idx="1"/>
+          </p:nvPr>
+        </p:nvSpPr>
+        <p:spPr>
+          <a:xfrm>
+            <a:off x="457200" y="1714900"/>
+            <a:ext cx="8229600" cy="4275785"/>
+          </a:xfrm>
+        </p:spPr>
+        <p:txBody>
+          <a:bodyPr>
+            <a:normAutofit/>
+          </a:bodyPr>
+          <a:lstStyle/>
+          <a:p>
+            <a:r>
+              <a:rPr lang="en-US" b="1" dirty="0">
+                <a:solidFill>
+                  <a:srgbClr val="17375E"/>
+                </a:solidFill>
+              </a:rPr>
+              <a:t>x</a:t>
+            </a:r>
+            <a:r>
+              <a:rPr lang="en-US" dirty="0"/>
+              <a:t>	deletes the character under the cursor.</a:t>
+            </a:r>
+          </a:p>
+          <a:p>
+            <a:r>
+              <a:rPr lang="en-US" b="1" dirty="0">
+                <a:solidFill>
+                  <a:schemeClr val="tx2">
+                    <a:lumMod val="75000"/>
+                  </a:schemeClr>
+                </a:solidFill>
+              </a:rPr>
+              <a:t>X</a:t>
+            </a:r>
+            <a:r>
+              <a:rPr lang="en-US" dirty="0"/>
+              <a:t>	deletes the character to the left of your cursor</a:t>
+            </a:r>
+          </a:p>
+          <a:p>
+            <a:r>
+              <a:rPr lang="en-US" b="1" dirty="0" err="1">
+                <a:solidFill>
+                  <a:srgbClr val="17375E"/>
+                </a:solidFill>
+              </a:rPr>
+              <a:t>dw</a:t>
+            </a:r>
+            <a:r>
+              <a:rPr lang="en-US" dirty="0"/>
+              <a:t>	deletes from the character selected to the end of the word.</a:t>
+            </a:r>
+          </a:p>
+          <a:p>
+            <a:r>
+              <a:rPr lang="en-US" b="1" dirty="0" err="1">
+                <a:solidFill>
+                  <a:srgbClr val="17375E"/>
+                </a:solidFill>
+              </a:rPr>
+              <a:t>dd</a:t>
+            </a:r>
+            <a:r>
+              <a:rPr lang="en-US" dirty="0"/>
+              <a:t>	deletes all the current line.</a:t>
+            </a:r>
+          </a:p>
+          <a:p>
+            <a:r>
+              <a:rPr lang="en-US" b="1" dirty="0">
+                <a:solidFill>
+                  <a:srgbClr val="17375E"/>
+                </a:solidFill>
+              </a:rPr>
+              <a:t>D</a:t>
+            </a:r>
+            <a:r>
+              <a:rPr lang="en-US" dirty="0"/>
+              <a:t>	deletes from the current character to the end of the line.</a:t>
+            </a:r>
+          </a:p>
+          <a:p>
+            <a:pPr marL="0" indent="0">
+              <a:buNone/>
+            </a:pPr>
+            <a:endParaRPr lang="en-US" sz="3200" dirty="0"/>
+          </a:p>
+          <a:p>
+            <a:pPr marL="0" indent="0">
+              <a:buNone/>
+            </a:pPr>
+            <a:r>
+              <a:rPr lang="en-US" sz="3200" dirty="0"/>
+              <a:t>Try 3dw, 2dd</a:t>
+            </a:r>
+          </a:p>
+        </p:txBody>
+      </p:sp>
+      <p:sp>
+        <p:nvSpPr>
+          <p:cNvPr id="4" name="Slide Number Placeholder 3"/>
+          <p:cNvSpPr>
+            <a:spLocks noGrp="1"/>
+          </p:cNvSpPr>
+          <p:nvPr>
+            <p:ph type="sldNum" sz="quarter" idx="12"/>
+          </p:nvPr>
+        </p:nvSpPr>
+        <p:spPr/>
+        <p:txBody>
+          <a:bodyPr/>
+          <a:lstStyle/>
+          <a:p>
+            <a:fld id="{9DA039C4-C5F2-1743-BB7A-5D831266C61E}" type="slidenum">
+              <a:rPr lang="en-US" smtClean="0"/>
+              <a:t>23</a:t>
+            </a:fld>
+            <a:endParaRPr lang="en-US"/>
+          </a:p>
+        </p:txBody>
+      </p:sp>
+    </p:spTree>
+    <p:extLst>
+      <p:ext uri="{BB962C8B-B14F-4D97-AF65-F5344CB8AC3E}">
+        <p14:creationId xmlns:p14="http://schemas.microsoft.com/office/powerpoint/2010/main" val="1085370099"/>
+      </p:ext>
+    </p:extLst>
+  </p:cSld>
+  <p:clrMapOvr>
+    <a:masterClrMapping/>
+  </p:clrMapOvr>
+</p:sld>
+</file>
+
+<file path=ppt/slides/slide24.xml><?xml version="1.0" encoding="utf-8"?>
+<p:sld xmlns:a="http://schemas.openxmlformats.org/drawingml/2006/main" xmlns:r="http://schemas.openxmlformats.org/officeDocument/2006/relationships" xmlns:p="http://schemas.openxmlformats.org/presentationml/2006/main">
+  <p:cSld>
+    <p:spTree>
+      <p:nvGrpSpPr>
+        <p:cNvPr id="1" name=""/>
+        <p:cNvGrpSpPr/>
+        <p:nvPr/>
+      </p:nvGrpSpPr>
+      <p:grpSpPr>
+        <a:xfrm>
+          <a:off x="0" y="0"/>
+          <a:ext cx="0" cy="0"/>
+          <a:chOff x="0" y="0"/>
+          <a:chExt cx="0" cy="0"/>
+        </a:xfrm>
+      </p:grpSpPr>
+      <p:sp>
+        <p:nvSpPr>
+          <p:cNvPr id="2" name="Title 1"/>
+          <p:cNvSpPr>
+            <a:spLocks noGrp="1"/>
+          </p:cNvSpPr>
+          <p:nvPr>
+            <p:ph type="title"/>
+          </p:nvPr>
+        </p:nvSpPr>
+        <p:spPr/>
+        <p:txBody>
+          <a:bodyPr/>
+          <a:lstStyle/>
+          <a:p>
+            <a:r>
+              <a:rPr lang="en-US" dirty="0"/>
               <a:t>Practice II – Copy and paste in command mode</a:t>
             </a:r>
-            <a:endParaRPr lang="en-US" dirty="0"/>
           </a:p>
         </p:txBody>
       </p:sp>
@@ -8533,7 +8411,7 @@
           <a:lstStyle/>
           <a:p>
             <a:r>
-              <a:rPr lang="en-US" b="1" dirty="0" smtClean="0">
+              <a:rPr lang="en-US" b="1" dirty="0">
                 <a:solidFill>
                   <a:srgbClr val="17375E"/>
                 </a:solidFill>
@@ -8542,29 +8420,24 @@
             </a:r>
             <a:r>
               <a:rPr lang="en-US" dirty="0"/>
-              <a:t>	</a:t>
-            </a:r>
-            <a:r>
-              <a:rPr lang="en-US" dirty="0" smtClean="0"/>
-              <a:t>yank (copy); </a:t>
-            </a:r>
-            <a:r>
-              <a:rPr lang="en-US" b="1" dirty="0" smtClean="0"/>
+              <a:t>	yank (copy); </a:t>
+            </a:r>
+            <a:r>
+              <a:rPr lang="en-US" b="1" dirty="0"/>
               <a:t>v</a:t>
             </a:r>
             <a:r>
-              <a:rPr lang="en-US" dirty="0" smtClean="0"/>
+              <a:rPr lang="en-US" dirty="0"/>
               <a:t> to select and </a:t>
             </a:r>
             <a:r>
-              <a:rPr lang="en-US" b="1" dirty="0" smtClean="0"/>
+              <a:rPr lang="en-US" b="1" dirty="0"/>
               <a:t>y</a:t>
             </a:r>
-            <a:endParaRPr lang="en-US" b="1" dirty="0"/>
-          </a:p>
-          <a:p>
-            <a:r>
-              <a:rPr lang="en-US" b="1" dirty="0" err="1" smtClean="0">
+          </a:p>
+          <a:p>
+            <a:r>
+              <a:rPr lang="en-US" b="1" dirty="0" err="1">
                 <a:solidFill>
                   <a:srgbClr val="17375E"/>
                 </a:solidFill>
@@ -8572,7 +8445,7 @@
               <a:t>yw</a:t>
             </a:r>
             <a:r>
-              <a:rPr lang="en-US" dirty="0" smtClean="0"/>
+              <a:rPr lang="en-US" dirty="0"/>
               <a:t>	copies a word to a buffer</a:t>
             </a:r>
           </a:p>
@@ -8583,18 +8456,10 @@
                   <a:srgbClr val="17375E"/>
                 </a:solidFill>
               </a:rPr>
-              <a:t>5</a:t>
-            </a:r>
-            <a:r>
-              <a:rPr lang="en-US" b="1" dirty="0" smtClean="0">
-                <a:solidFill>
-                  <a:srgbClr val="17375E"/>
-                </a:solidFill>
-              </a:rPr>
-              <a:t>yw</a:t>
-            </a:r>
-            <a:r>
-              <a:rPr lang="en-US" dirty="0" smtClean="0"/>
+              <a:t>5yw</a:t>
+            </a:r>
+            <a:r>
+              <a:rPr lang="en-US" dirty="0"/>
               <a:t>	copies 5 words to a buffer</a:t>
             </a:r>
           </a:p>
@@ -8605,24 +8470,16 @@
                   <a:srgbClr val="17375E"/>
                 </a:solidFill>
               </a:rPr>
-              <a:t>y</a:t>
-            </a:r>
-            <a:r>
-              <a:rPr lang="en-US" b="1" dirty="0" err="1" smtClean="0">
-                <a:solidFill>
-                  <a:srgbClr val="17375E"/>
-                </a:solidFill>
-              </a:rPr>
-              <a:t>y</a:t>
-            </a:r>
-            <a:r>
-              <a:rPr lang="en-US" dirty="0" smtClean="0"/>
+              <a:t>yy</a:t>
+            </a:r>
+            <a:r>
+              <a:rPr lang="en-US" dirty="0"/>
               <a:t>	copies a line to a buffer</a:t>
             </a:r>
           </a:p>
           <a:p>
             <a:r>
-              <a:rPr lang="en-US" b="1" dirty="0" smtClean="0">
+              <a:rPr lang="en-US" b="1" dirty="0">
                 <a:solidFill>
                   <a:srgbClr val="17375E"/>
                 </a:solidFill>
@@ -8630,7 +8487,7 @@
               <a:t>5yy</a:t>
             </a:r>
             <a:r>
-              <a:rPr lang="en-US" dirty="0" smtClean="0"/>
+              <a:rPr lang="en-US" dirty="0"/>
               <a:t>	copies 5 lines to a buffer</a:t>
             </a:r>
           </a:p>
@@ -8647,16 +8504,12 @@
             </a:r>
             <a:r>
               <a:rPr lang="en-US" dirty="0"/>
-              <a:t>	put (paste</a:t>
-            </a:r>
-            <a:r>
-              <a:rPr lang="en-US" dirty="0" smtClean="0"/>
-              <a:t>) after the cursor</a:t>
-            </a:r>
-          </a:p>
-          <a:p>
-            <a:r>
-              <a:rPr lang="en-US" b="1" dirty="0" smtClean="0">
+              <a:t>	put (paste) after the cursor</a:t>
+            </a:r>
+          </a:p>
+          <a:p>
+            <a:r>
+              <a:rPr lang="en-US" b="1" dirty="0">
                 <a:solidFill>
                   <a:srgbClr val="17375E"/>
                 </a:solidFill>
@@ -8665,13 +8518,8 @@
             </a:r>
             <a:r>
               <a:rPr lang="en-US" dirty="0"/>
-              <a:t>	put (paste</a:t>
-            </a:r>
-            <a:r>
-              <a:rPr lang="en-US" dirty="0" smtClean="0"/>
-              <a:t>) before the cursor</a:t>
-            </a:r>
-            <a:endParaRPr lang="en-US" dirty="0"/>
+              <a:t>	put (paste) before the cursor</a:t>
+            </a:r>
           </a:p>
           <a:p>
             <a:pPr marL="0" indent="0">
@@ -8698,7 +8546,7 @@
           <a:p>
             <a:fld id="{9DA039C4-C5F2-1743-BB7A-5D831266C61E}" type="slidenum">
               <a:rPr lang="en-US" smtClean="0"/>
-              <a:t>23</a:t>
+              <a:t>24</a:t>
             </a:fld>
             <a:endParaRPr lang="en-US"/>
           </a:p>
@@ -8714,13 +8562,136 @@
   <p:clrMapOvr>
     <a:masterClrMapping/>
   </p:clrMapOvr>
-  <p:timing>
-    <p:tnLst>
-      <p:par>
-        <p:cTn xmlns:p14="http://schemas.microsoft.com/office/powerpoint/2010/main" id="1" dur="indefinite" restart="never" nodeType="tmRoot"/>
-      </p:par>
-    </p:tnLst>
-  </p:timing>
+</p:sld>
+</file>
+
+<file path=ppt/slides/slide25.xml><?xml version="1.0" encoding="utf-8"?>
+<p:sld xmlns:a="http://schemas.openxmlformats.org/drawingml/2006/main" xmlns:r="http://schemas.openxmlformats.org/officeDocument/2006/relationships" xmlns:p="http://schemas.openxmlformats.org/presentationml/2006/main">
+  <p:cSld>
+    <p:spTree>
+      <p:nvGrpSpPr>
+        <p:cNvPr id="1" name=""/>
+        <p:cNvGrpSpPr/>
+        <p:nvPr/>
+      </p:nvGrpSpPr>
+      <p:grpSpPr>
+        <a:xfrm>
+          <a:off x="0" y="0"/>
+          <a:ext cx="0" cy="0"/>
+          <a:chOff x="0" y="0"/>
+          <a:chExt cx="0" cy="0"/>
+        </a:xfrm>
+      </p:grpSpPr>
+      <p:sp>
+        <p:nvSpPr>
+          <p:cNvPr id="2" name="Title 1"/>
+          <p:cNvSpPr>
+            <a:spLocks noGrp="1"/>
+          </p:cNvSpPr>
+          <p:nvPr>
+            <p:ph type="title"/>
+          </p:nvPr>
+        </p:nvSpPr>
+        <p:spPr/>
+        <p:txBody>
+          <a:bodyPr/>
+          <a:lstStyle/>
+          <a:p>
+            <a:r>
+              <a:rPr lang="en-US" dirty="0"/>
+              <a:t>Reference links</a:t>
+            </a:r>
+          </a:p>
+        </p:txBody>
+      </p:sp>
+      <p:sp>
+        <p:nvSpPr>
+          <p:cNvPr id="3" name="Content Placeholder 2"/>
+          <p:cNvSpPr>
+            <a:spLocks noGrp="1"/>
+          </p:cNvSpPr>
+          <p:nvPr>
+            <p:ph idx="1"/>
+          </p:nvPr>
+        </p:nvSpPr>
+        <p:spPr>
+          <a:xfrm>
+            <a:off x="1261917" y="1963748"/>
+            <a:ext cx="6726883" cy="3124515"/>
+          </a:xfrm>
+        </p:spPr>
+        <p:txBody>
+          <a:bodyPr>
+            <a:normAutofit/>
+          </a:bodyPr>
+          <a:lstStyle/>
+          <a:p>
+            <a:r>
+              <a:rPr lang="en-US" sz="2800" dirty="0"/>
+              <a:t>BBEdit Regular Expression Cheat-Sheet</a:t>
+            </a:r>
+          </a:p>
+          <a:p>
+            <a:pPr marL="0" indent="0">
+              <a:buNone/>
+            </a:pPr>
+            <a:r>
+              <a:rPr lang="en-US" sz="2800" dirty="0">
+                <a:hlinkClick r:id="rId2"/>
+              </a:rPr>
+              <a:t>https://gist.github.com/ccstone/5385334</a:t>
+            </a:r>
+          </a:p>
+          <a:p>
+            <a:pPr marL="0" indent="0">
+              <a:buNone/>
+            </a:pPr>
+            <a:endParaRPr lang="en-US" sz="2800" dirty="0">
+              <a:hlinkClick r:id="rId2"/>
+            </a:endParaRPr>
+          </a:p>
+          <a:p>
+            <a:r>
+              <a:rPr lang="en-US" sz="2800" i="1" dirty="0"/>
+              <a:t>vi</a:t>
+            </a:r>
+          </a:p>
+          <a:p>
+            <a:pPr marL="0" indent="0">
+              <a:buNone/>
+            </a:pPr>
+            <a:r>
+              <a:rPr lang="en-US" sz="2800" dirty="0">
+                <a:hlinkClick r:id="rId3"/>
+              </a:rPr>
+              <a:t>https://kb.iu.edu/d/afdc</a:t>
+            </a:r>
+            <a:endParaRPr lang="en-US" sz="2800" dirty="0"/>
+          </a:p>
+          <a:p>
+            <a:pPr marL="0" indent="0">
+              <a:buNone/>
+            </a:pPr>
+            <a:endParaRPr lang="en-US" sz="2800" dirty="0"/>
+          </a:p>
+          <a:p>
+            <a:endParaRPr lang="en-US" sz="2800" dirty="0"/>
+          </a:p>
+          <a:p>
+            <a:endParaRPr lang="en-US" sz="2800" dirty="0"/>
+          </a:p>
+        </p:txBody>
+      </p:sp>
+    </p:spTree>
+    <p:extLst>
+      <p:ext uri="{BB962C8B-B14F-4D97-AF65-F5344CB8AC3E}">
+        <p14:creationId xmlns:p14="http://schemas.microsoft.com/office/powerpoint/2010/main" val="1688231447"/>
+      </p:ext>
+    </p:extLst>
+  </p:cSld>
+  <p:clrMapOvr>
+    <a:masterClrMapping/>
+  </p:clrMapOvr>
 </p:sld>
 </file>
 
@@ -8757,14 +8728,9 @@
           <a:lstStyle/>
           <a:p>
             <a:r>
-              <a:rPr lang="en-US" dirty="0" smtClean="0"/>
-              <a:t>Excel </a:t>
-            </a:r>
-            <a:r>
-              <a:rPr lang="en-US" dirty="0" err="1" smtClean="0"/>
-              <a:t>Practise</a:t>
-            </a:r>
-            <a:endParaRPr lang="en-US" dirty="0"/>
+              <a:rPr lang="en-US" dirty="0"/>
+              <a:t>Excel Practice</a:t>
+            </a:r>
           </a:p>
         </p:txBody>
       </p:sp>
@@ -8791,7 +8757,7 @@
           <a:lstStyle/>
           <a:p>
             <a:r>
-              <a:rPr lang="en-US" dirty="0" smtClean="0"/>
+              <a:rPr lang="en-US" sz="3600" dirty="0"/>
               <a:t>Excel data</a:t>
             </a:r>
           </a:p>
@@ -8799,25 +8765,25 @@
             <a:pPr marL="0" indent="0">
               <a:buNone/>
             </a:pPr>
-            <a:endParaRPr lang="en-US" sz="1200" dirty="0"/>
+            <a:endParaRPr lang="en-US" sz="3600" dirty="0"/>
           </a:p>
           <a:p>
             <a:pPr marL="0" indent="0">
               <a:buNone/>
             </a:pPr>
             <a:r>
-              <a:rPr lang="en-US" sz="2000" dirty="0" smtClean="0">
+              <a:rPr lang="en-US" sz="3600" dirty="0">
                 <a:hlinkClick r:id="rId2"/>
               </a:rPr>
               <a:t>Excel file for practice</a:t>
             </a:r>
-            <a:endParaRPr lang="en-US" sz="2000" dirty="0"/>
+            <a:endParaRPr lang="en-US" sz="3600" dirty="0"/>
           </a:p>
           <a:p>
             <a:pPr marL="0" indent="0">
               <a:buNone/>
             </a:pPr>
-            <a:endParaRPr lang="en-US" sz="1200" dirty="0"/>
+            <a:endParaRPr lang="en-US" sz="3600" dirty="0"/>
           </a:p>
         </p:txBody>
       </p:sp>
@@ -8831,13 +8797,6 @@
   <p:clrMapOvr>
     <a:masterClrMapping/>
   </p:clrMapOvr>
-  <p:timing>
-    <p:tnLst>
-      <p:par>
-        <p:cTn xmlns:p14="http://schemas.microsoft.com/office/powerpoint/2010/main" id="1" dur="indefinite" restart="never" nodeType="tmRoot"/>
-      </p:par>
-    </p:tnLst>
-  </p:timing>
 </p:sld>
 </file>
 
@@ -8874,10 +8833,9 @@
           <a:lstStyle/>
           <a:p>
             <a:r>
-              <a:rPr lang="en-US" dirty="0" smtClean="0"/>
+              <a:rPr lang="en-US" dirty="0"/>
               <a:t>Excel Practice I</a:t>
             </a:r>
-            <a:endParaRPr lang="en-US" dirty="0"/>
           </a:p>
         </p:txBody>
       </p:sp>
@@ -8904,10 +8862,34 @@
             <a:tbl>
               <a:tblPr/>
               <a:tblGrid>
-                <a:gridCol w="1219200"/>
-                <a:gridCol w="825500"/>
-                <a:gridCol w="825500"/>
-                <a:gridCol w="825500"/>
+                <a:gridCol w="1219200">
+                  <a:extLst>
+                    <a:ext uri="{9D8B030D-6E8A-4147-A177-3AD203B41FA5}">
+                      <a16:colId xmlns:a16="http://schemas.microsoft.com/office/drawing/2014/main" val="20000"/>
+                    </a:ext>
+                  </a:extLst>
+                </a:gridCol>
+                <a:gridCol w="825500">
+                  <a:extLst>
+                    <a:ext uri="{9D8B030D-6E8A-4147-A177-3AD203B41FA5}">
+                      <a16:colId xmlns:a16="http://schemas.microsoft.com/office/drawing/2014/main" val="20001"/>
+                    </a:ext>
+                  </a:extLst>
+                </a:gridCol>
+                <a:gridCol w="825500">
+                  <a:extLst>
+                    <a:ext uri="{9D8B030D-6E8A-4147-A177-3AD203B41FA5}">
+                      <a16:colId xmlns:a16="http://schemas.microsoft.com/office/drawing/2014/main" val="20002"/>
+                    </a:ext>
+                  </a:extLst>
+                </a:gridCol>
+                <a:gridCol w="825500">
+                  <a:extLst>
+                    <a:ext uri="{9D8B030D-6E8A-4147-A177-3AD203B41FA5}">
+                      <a16:colId xmlns:a16="http://schemas.microsoft.com/office/drawing/2014/main" val="20003"/>
+                    </a:ext>
+                  </a:extLst>
+                </a:gridCol>
               </a:tblGrid>
               <a:tr h="190500">
                 <a:tc>
@@ -9138,6 +9120,11 @@
                     </a:lnB>
                   </a:tcPr>
                 </a:tc>
+                <a:extLst>
+                  <a:ext uri="{0D108BD9-81ED-4DB2-BD59-A6C34878D82A}">
+                    <a16:rowId xmlns:a16="http://schemas.microsoft.com/office/drawing/2014/main" val="10000"/>
+                  </a:ext>
+                </a:extLst>
               </a:tr>
               <a:tr h="190500">
                 <a:tc>
@@ -9374,6 +9361,11 @@
                     </a:solidFill>
                   </a:tcPr>
                 </a:tc>
+                <a:extLst>
+                  <a:ext uri="{0D108BD9-81ED-4DB2-BD59-A6C34878D82A}">
+                    <a16:rowId xmlns:a16="http://schemas.microsoft.com/office/drawing/2014/main" val="10001"/>
+                  </a:ext>
+                </a:extLst>
               </a:tr>
               <a:tr h="190500">
                 <a:tc>
@@ -9610,6 +9602,11 @@
                     </a:solidFill>
                   </a:tcPr>
                 </a:tc>
+                <a:extLst>
+                  <a:ext uri="{0D108BD9-81ED-4DB2-BD59-A6C34878D82A}">
+                    <a16:rowId xmlns:a16="http://schemas.microsoft.com/office/drawing/2014/main" val="10002"/>
+                  </a:ext>
+                </a:extLst>
               </a:tr>
               <a:tr h="190500">
                 <a:tc>
@@ -9846,6 +9843,11 @@
                     </a:solidFill>
                   </a:tcPr>
                 </a:tc>
+                <a:extLst>
+                  <a:ext uri="{0D108BD9-81ED-4DB2-BD59-A6C34878D82A}">
+                    <a16:rowId xmlns:a16="http://schemas.microsoft.com/office/drawing/2014/main" val="10003"/>
+                  </a:ext>
+                </a:extLst>
               </a:tr>
               <a:tr h="190500">
                 <a:tc>
@@ -10082,6 +10084,11 @@
                     </a:solidFill>
                   </a:tcPr>
                 </a:tc>
+                <a:extLst>
+                  <a:ext uri="{0D108BD9-81ED-4DB2-BD59-A6C34878D82A}">
+                    <a16:rowId xmlns:a16="http://schemas.microsoft.com/office/drawing/2014/main" val="10004"/>
+                  </a:ext>
+                </a:extLst>
               </a:tr>
               <a:tr h="190500">
                 <a:tc>
@@ -10318,6 +10325,11 @@
                     </a:solidFill>
                   </a:tcPr>
                 </a:tc>
+                <a:extLst>
+                  <a:ext uri="{0D108BD9-81ED-4DB2-BD59-A6C34878D82A}">
+                    <a16:rowId xmlns:a16="http://schemas.microsoft.com/office/drawing/2014/main" val="10005"/>
+                  </a:ext>
+                </a:extLst>
               </a:tr>
               <a:tr h="190500">
                 <a:tc>
@@ -10464,6 +10476,11 @@
                     </a:lnB>
                   </a:tcPr>
                 </a:tc>
+                <a:extLst>
+                  <a:ext uri="{0D108BD9-81ED-4DB2-BD59-A6C34878D82A}">
+                    <a16:rowId xmlns:a16="http://schemas.microsoft.com/office/drawing/2014/main" val="10006"/>
+                  </a:ext>
+                </a:extLst>
               </a:tr>
               <a:tr h="190500">
                 <a:tc>
@@ -10607,6 +10624,11 @@
                     </a:lnB>
                   </a:tcPr>
                 </a:tc>
+                <a:extLst>
+                  <a:ext uri="{0D108BD9-81ED-4DB2-BD59-A6C34878D82A}">
+                    <a16:rowId xmlns:a16="http://schemas.microsoft.com/office/drawing/2014/main" val="10007"/>
+                  </a:ext>
+                </a:extLst>
               </a:tr>
               <a:tr h="190500">
                 <a:tc>
@@ -10816,6 +10838,11 @@
                     </a:lnB>
                   </a:tcPr>
                 </a:tc>
+                <a:extLst>
+                  <a:ext uri="{0D108BD9-81ED-4DB2-BD59-A6C34878D82A}">
+                    <a16:rowId xmlns:a16="http://schemas.microsoft.com/office/drawing/2014/main" val="10008"/>
+                  </a:ext>
+                </a:extLst>
               </a:tr>
               <a:tr h="190500">
                 <a:tc>
@@ -11028,6 +11055,11 @@
                     </a:lnB>
                   </a:tcPr>
                 </a:tc>
+                <a:extLst>
+                  <a:ext uri="{0D108BD9-81ED-4DB2-BD59-A6C34878D82A}">
+                    <a16:rowId xmlns:a16="http://schemas.microsoft.com/office/drawing/2014/main" val="10009"/>
+                  </a:ext>
+                </a:extLst>
               </a:tr>
               <a:tr h="190500">
                 <a:tc>
@@ -11240,6 +11272,11 @@
                     </a:lnB>
                   </a:tcPr>
                 </a:tc>
+                <a:extLst>
+                  <a:ext uri="{0D108BD9-81ED-4DB2-BD59-A6C34878D82A}">
+                    <a16:rowId xmlns:a16="http://schemas.microsoft.com/office/drawing/2014/main" val="10010"/>
+                  </a:ext>
+                </a:extLst>
               </a:tr>
               <a:tr h="190500">
                 <a:tc>
@@ -11452,6 +11489,11 @@
                     </a:lnB>
                   </a:tcPr>
                 </a:tc>
+                <a:extLst>
+                  <a:ext uri="{0D108BD9-81ED-4DB2-BD59-A6C34878D82A}">
+                    <a16:rowId xmlns:a16="http://schemas.microsoft.com/office/drawing/2014/main" val="10011"/>
+                  </a:ext>
+                </a:extLst>
               </a:tr>
               <a:tr h="190500">
                 <a:tc>
@@ -11664,6 +11706,11 @@
                     </a:lnB>
                   </a:tcPr>
                 </a:tc>
+                <a:extLst>
+                  <a:ext uri="{0D108BD9-81ED-4DB2-BD59-A6C34878D82A}">
+                    <a16:rowId xmlns:a16="http://schemas.microsoft.com/office/drawing/2014/main" val="10012"/>
+                  </a:ext>
+                </a:extLst>
               </a:tr>
               <a:tr h="190500">
                 <a:tc>
@@ -11876,6 +11923,11 @@
                     </a:lnB>
                   </a:tcPr>
                 </a:tc>
+                <a:extLst>
+                  <a:ext uri="{0D108BD9-81ED-4DB2-BD59-A6C34878D82A}">
+                    <a16:rowId xmlns:a16="http://schemas.microsoft.com/office/drawing/2014/main" val="10013"/>
+                  </a:ext>
+                </a:extLst>
               </a:tr>
               <a:tr h="190500">
                 <a:tc>
@@ -12016,6 +12068,11 @@
                     </a:lnB>
                   </a:tcPr>
                 </a:tc>
+                <a:extLst>
+                  <a:ext uri="{0D108BD9-81ED-4DB2-BD59-A6C34878D82A}">
+                    <a16:rowId xmlns:a16="http://schemas.microsoft.com/office/drawing/2014/main" val="10014"/>
+                  </a:ext>
+                </a:extLst>
               </a:tr>
               <a:tr h="190500">
                 <a:tc>
@@ -12153,6 +12210,11 @@
                     </a:lnB>
                   </a:tcPr>
                 </a:tc>
+                <a:extLst>
+                  <a:ext uri="{0D108BD9-81ED-4DB2-BD59-A6C34878D82A}">
+                    <a16:rowId xmlns:a16="http://schemas.microsoft.com/office/drawing/2014/main" val="10015"/>
+                  </a:ext>
+                </a:extLst>
               </a:tr>
               <a:tr h="190500">
                 <a:tc>
@@ -12338,6 +12400,11 @@
                     </a:lnB>
                   </a:tcPr>
                 </a:tc>
+                <a:extLst>
+                  <a:ext uri="{0D108BD9-81ED-4DB2-BD59-A6C34878D82A}">
+                    <a16:rowId xmlns:a16="http://schemas.microsoft.com/office/drawing/2014/main" val="10016"/>
+                  </a:ext>
+                </a:extLst>
               </a:tr>
             </a:tbl>
           </a:graphicData>
@@ -12366,10 +12433,9 @@
           <a:lstStyle/>
           <a:p>
             <a:r>
-              <a:rPr lang="en-US" dirty="0" smtClean="0"/>
+              <a:rPr lang="en-US" dirty="0"/>
               <a:t>Refer to the lecture ...</a:t>
             </a:r>
-            <a:endParaRPr lang="en-US" dirty="0"/>
           </a:p>
         </p:txBody>
       </p:sp>
@@ -12383,13 +12449,6 @@
   <p:clrMapOvr>
     <a:masterClrMapping/>
   </p:clrMapOvr>
-  <p:timing>
-    <p:tnLst>
-      <p:par>
-        <p:cTn xmlns:p14="http://schemas.microsoft.com/office/powerpoint/2010/main" id="1" dur="indefinite" restart="never" nodeType="tmRoot"/>
-      </p:par>
-    </p:tnLst>
-  </p:timing>
 </p:sld>
 </file>
 
@@ -12427,13 +12486,8 @@
           <a:p>
             <a:r>
               <a:rPr lang="en-US" dirty="0"/>
-              <a:t>Excel Practice </a:t>
-            </a:r>
-            <a:r>
-              <a:rPr lang="en-US" dirty="0" smtClean="0"/>
-              <a:t>II</a:t>
-            </a:r>
-            <a:endParaRPr lang="en-US" dirty="0"/>
+              <a:t>Excel Practice II</a:t>
+            </a:r>
           </a:p>
         </p:txBody>
       </p:sp>
@@ -12460,18 +12514,90 @@
             <a:tbl>
               <a:tblPr/>
               <a:tblGrid>
-                <a:gridCol w="433633"/>
-                <a:gridCol w="612742"/>
-                <a:gridCol w="603315"/>
-                <a:gridCol w="424206"/>
-                <a:gridCol w="735291"/>
-                <a:gridCol w="697583"/>
-                <a:gridCol w="895546"/>
-                <a:gridCol w="725864"/>
-                <a:gridCol w="697583"/>
-                <a:gridCol w="320511"/>
-                <a:gridCol w="1489435"/>
-                <a:gridCol w="593889"/>
+                <a:gridCol w="433633">
+                  <a:extLst>
+                    <a:ext uri="{9D8B030D-6E8A-4147-A177-3AD203B41FA5}">
+                      <a16:colId xmlns:a16="http://schemas.microsoft.com/office/drawing/2014/main" val="20000"/>
+                    </a:ext>
+                  </a:extLst>
+                </a:gridCol>
+                <a:gridCol w="612742">
+                  <a:extLst>
+                    <a:ext uri="{9D8B030D-6E8A-4147-A177-3AD203B41FA5}">
+                      <a16:colId xmlns:a16="http://schemas.microsoft.com/office/drawing/2014/main" val="20001"/>
+                    </a:ext>
+                  </a:extLst>
+                </a:gridCol>
+                <a:gridCol w="603315">
+                  <a:extLst>
+                    <a:ext uri="{9D8B030D-6E8A-4147-A177-3AD203B41FA5}">
+                      <a16:colId xmlns:a16="http://schemas.microsoft.com/office/drawing/2014/main" val="20002"/>
+                    </a:ext>
+                  </a:extLst>
+                </a:gridCol>
+                <a:gridCol w="424206">
+                  <a:extLst>
+                    <a:ext uri="{9D8B030D-6E8A-4147-A177-3AD203B41FA5}">
+                      <a16:colId xmlns:a16="http://schemas.microsoft.com/office/drawing/2014/main" val="20003"/>
+                    </a:ext>
+                  </a:extLst>
+                </a:gridCol>
+                <a:gridCol w="735291">
+                  <a:extLst>
+                    <a:ext uri="{9D8B030D-6E8A-4147-A177-3AD203B41FA5}">
+                      <a16:colId xmlns:a16="http://schemas.microsoft.com/office/drawing/2014/main" val="20004"/>
+                    </a:ext>
+                  </a:extLst>
+                </a:gridCol>
+                <a:gridCol w="697583">
+                  <a:extLst>
+                    <a:ext uri="{9D8B030D-6E8A-4147-A177-3AD203B41FA5}">
+                      <a16:colId xmlns:a16="http://schemas.microsoft.com/office/drawing/2014/main" val="20005"/>
+                    </a:ext>
+                  </a:extLst>
+                </a:gridCol>
+                <a:gridCol w="895546">
+                  <a:extLst>
+                    <a:ext uri="{9D8B030D-6E8A-4147-A177-3AD203B41FA5}">
+                      <a16:colId xmlns:a16="http://schemas.microsoft.com/office/drawing/2014/main" val="20006"/>
+                    </a:ext>
+                  </a:extLst>
+                </a:gridCol>
+                <a:gridCol w="725864">
+                  <a:extLst>
+                    <a:ext uri="{9D8B030D-6E8A-4147-A177-3AD203B41FA5}">
+                      <a16:colId xmlns:a16="http://schemas.microsoft.com/office/drawing/2014/main" val="20007"/>
+                    </a:ext>
+                  </a:extLst>
+                </a:gridCol>
+                <a:gridCol w="697583">
+                  <a:extLst>
+                    <a:ext uri="{9D8B030D-6E8A-4147-A177-3AD203B41FA5}">
+                      <a16:colId xmlns:a16="http://schemas.microsoft.com/office/drawing/2014/main" val="20008"/>
+                    </a:ext>
+                  </a:extLst>
+                </a:gridCol>
+                <a:gridCol w="320511">
+                  <a:extLst>
+                    <a:ext uri="{9D8B030D-6E8A-4147-A177-3AD203B41FA5}">
+                      <a16:colId xmlns:a16="http://schemas.microsoft.com/office/drawing/2014/main" val="20009"/>
+                    </a:ext>
+                  </a:extLst>
+                </a:gridCol>
+                <a:gridCol w="1489435">
+                  <a:extLst>
+                    <a:ext uri="{9D8B030D-6E8A-4147-A177-3AD203B41FA5}">
+                      <a16:colId xmlns:a16="http://schemas.microsoft.com/office/drawing/2014/main" val="20010"/>
+                    </a:ext>
+                  </a:extLst>
+                </a:gridCol>
+                <a:gridCol w="593889">
+                  <a:extLst>
+                    <a:ext uri="{9D8B030D-6E8A-4147-A177-3AD203B41FA5}">
+                      <a16:colId xmlns:a16="http://schemas.microsoft.com/office/drawing/2014/main" val="20011"/>
+                    </a:ext>
+                  </a:extLst>
+                </a:gridCol>
               </a:tblGrid>
               <a:tr h="145173">
                 <a:tc>
@@ -13080,6 +13206,11 @@
                     </a:solidFill>
                   </a:tcPr>
                 </a:tc>
+                <a:extLst>
+                  <a:ext uri="{0D108BD9-81ED-4DB2-BD59-A6C34878D82A}">
+                    <a16:rowId xmlns:a16="http://schemas.microsoft.com/office/drawing/2014/main" val="10000"/>
+                  </a:ext>
+                </a:extLst>
               </a:tr>
               <a:tr h="145173">
                 <a:tc>
@@ -13688,6 +13819,11 @@
                     </a:solidFill>
                   </a:tcPr>
                 </a:tc>
+                <a:extLst>
+                  <a:ext uri="{0D108BD9-81ED-4DB2-BD59-A6C34878D82A}">
+                    <a16:rowId xmlns:a16="http://schemas.microsoft.com/office/drawing/2014/main" val="10001"/>
+                  </a:ext>
+                </a:extLst>
               </a:tr>
               <a:tr h="145173">
                 <a:tc>
@@ -14296,6 +14432,11 @@
                     </a:solidFill>
                   </a:tcPr>
                 </a:tc>
+                <a:extLst>
+                  <a:ext uri="{0D108BD9-81ED-4DB2-BD59-A6C34878D82A}">
+                    <a16:rowId xmlns:a16="http://schemas.microsoft.com/office/drawing/2014/main" val="10002"/>
+                  </a:ext>
+                </a:extLst>
               </a:tr>
               <a:tr h="145173">
                 <a:tc>
@@ -14904,6 +15045,11 @@
                     </a:solidFill>
                   </a:tcPr>
                 </a:tc>
+                <a:extLst>
+                  <a:ext uri="{0D108BD9-81ED-4DB2-BD59-A6C34878D82A}">
+                    <a16:rowId xmlns:a16="http://schemas.microsoft.com/office/drawing/2014/main" val="10003"/>
+                  </a:ext>
+                </a:extLst>
               </a:tr>
               <a:tr h="145173">
                 <a:tc>
@@ -15512,6 +15658,11 @@
                     </a:solidFill>
                   </a:tcPr>
                 </a:tc>
+                <a:extLst>
+                  <a:ext uri="{0D108BD9-81ED-4DB2-BD59-A6C34878D82A}">
+                    <a16:rowId xmlns:a16="http://schemas.microsoft.com/office/drawing/2014/main" val="10004"/>
+                  </a:ext>
+                </a:extLst>
               </a:tr>
               <a:tr h="145173">
                 <a:tc>
@@ -16120,6 +16271,11 @@
                     </a:solidFill>
                   </a:tcPr>
                 </a:tc>
+                <a:extLst>
+                  <a:ext uri="{0D108BD9-81ED-4DB2-BD59-A6C34878D82A}">
+                    <a16:rowId xmlns:a16="http://schemas.microsoft.com/office/drawing/2014/main" val="10005"/>
+                  </a:ext>
+                </a:extLst>
               </a:tr>
               <a:tr h="145173">
                 <a:tc>
@@ -16728,6 +16884,11 @@
                     </a:solidFill>
                   </a:tcPr>
                 </a:tc>
+                <a:extLst>
+                  <a:ext uri="{0D108BD9-81ED-4DB2-BD59-A6C34878D82A}">
+                    <a16:rowId xmlns:a16="http://schemas.microsoft.com/office/drawing/2014/main" val="10006"/>
+                  </a:ext>
+                </a:extLst>
               </a:tr>
               <a:tr h="145173">
                 <a:tc>
@@ -17336,6 +17497,11 @@
                     </a:solidFill>
                   </a:tcPr>
                 </a:tc>
+                <a:extLst>
+                  <a:ext uri="{0D108BD9-81ED-4DB2-BD59-A6C34878D82A}">
+                    <a16:rowId xmlns:a16="http://schemas.microsoft.com/office/drawing/2014/main" val="10007"/>
+                  </a:ext>
+                </a:extLst>
               </a:tr>
               <a:tr h="145173">
                 <a:tc>
@@ -17944,6 +18110,11 @@
                     </a:solidFill>
                   </a:tcPr>
                 </a:tc>
+                <a:extLst>
+                  <a:ext uri="{0D108BD9-81ED-4DB2-BD59-A6C34878D82A}">
+                    <a16:rowId xmlns:a16="http://schemas.microsoft.com/office/drawing/2014/main" val="10008"/>
+                  </a:ext>
+                </a:extLst>
               </a:tr>
               <a:tr h="145173">
                 <a:tc>
@@ -18552,6 +18723,11 @@
                     </a:solidFill>
                   </a:tcPr>
                 </a:tc>
+                <a:extLst>
+                  <a:ext uri="{0D108BD9-81ED-4DB2-BD59-A6C34878D82A}">
+                    <a16:rowId xmlns:a16="http://schemas.microsoft.com/office/drawing/2014/main" val="10009"/>
+                  </a:ext>
+                </a:extLst>
               </a:tr>
               <a:tr h="145173">
                 <a:tc>
@@ -19106,6 +19282,11 @@
                     </a:lnB>
                   </a:tcPr>
                 </a:tc>
+                <a:extLst>
+                  <a:ext uri="{0D108BD9-81ED-4DB2-BD59-A6C34878D82A}">
+                    <a16:rowId xmlns:a16="http://schemas.microsoft.com/office/drawing/2014/main" val="10010"/>
+                  </a:ext>
+                </a:extLst>
               </a:tr>
               <a:tr h="145173">
                 <a:tc>
@@ -19648,6 +19829,11 @@
                     </a:lnB>
                   </a:tcPr>
                 </a:tc>
+                <a:extLst>
+                  <a:ext uri="{0D108BD9-81ED-4DB2-BD59-A6C34878D82A}">
+                    <a16:rowId xmlns:a16="http://schemas.microsoft.com/office/drawing/2014/main" val="10011"/>
+                  </a:ext>
+                </a:extLst>
               </a:tr>
             </a:tbl>
           </a:graphicData>
@@ -19663,13 +19849,6 @@
   <p:clrMapOvr>
     <a:masterClrMapping/>
   </p:clrMapOvr>
-  <p:timing>
-    <p:tnLst>
-      <p:par>
-        <p:cTn xmlns:p14="http://schemas.microsoft.com/office/powerpoint/2010/main" id="1" dur="indefinite" restart="never" nodeType="tmRoot"/>
-      </p:par>
-    </p:tnLst>
-  </p:timing>
 </p:sld>
 </file>
 
@@ -19707,13 +19886,8 @@
           <a:p>
             <a:r>
               <a:rPr lang="en-US" dirty="0"/>
-              <a:t>Excel Practice </a:t>
-            </a:r>
-            <a:r>
-              <a:rPr lang="en-US" dirty="0" smtClean="0"/>
-              <a:t>III</a:t>
-            </a:r>
-            <a:endParaRPr lang="en-US" dirty="0"/>
+              <a:t>Excel Practice III</a:t>
+            </a:r>
           </a:p>
         </p:txBody>
       </p:sp>
@@ -19733,22 +19907,76 @@
         </p:nvGraphicFramePr>
         <p:xfrm>
           <a:off x="511821" y="1767374"/>
-          <a:ext cx="8229602" cy="1449306"/>
+          <a:ext cx="8229602" cy="1487692"/>
         </p:xfrm>
         <a:graphic>
           <a:graphicData uri="http://schemas.openxmlformats.org/drawingml/2006/table">
             <a:tbl>
               <a:tblPr/>
               <a:tblGrid>
-                <a:gridCol w="646010"/>
-                <a:gridCol w="646010"/>
-                <a:gridCol w="415693"/>
-                <a:gridCol w="1112260"/>
-                <a:gridCol w="1235844"/>
-                <a:gridCol w="365136"/>
-                <a:gridCol w="870709"/>
-                <a:gridCol w="870709"/>
-                <a:gridCol w="2067231"/>
+                <a:gridCol w="646010">
+                  <a:extLst>
+                    <a:ext uri="{9D8B030D-6E8A-4147-A177-3AD203B41FA5}">
+                      <a16:colId xmlns:a16="http://schemas.microsoft.com/office/drawing/2014/main" val="20000"/>
+                    </a:ext>
+                  </a:extLst>
+                </a:gridCol>
+                <a:gridCol w="646010">
+                  <a:extLst>
+                    <a:ext uri="{9D8B030D-6E8A-4147-A177-3AD203B41FA5}">
+                      <a16:colId xmlns:a16="http://schemas.microsoft.com/office/drawing/2014/main" val="20001"/>
+                    </a:ext>
+                  </a:extLst>
+                </a:gridCol>
+                <a:gridCol w="415693">
+                  <a:extLst>
+                    <a:ext uri="{9D8B030D-6E8A-4147-A177-3AD203B41FA5}">
+                      <a16:colId xmlns:a16="http://schemas.microsoft.com/office/drawing/2014/main" val="20002"/>
+                    </a:ext>
+                  </a:extLst>
+                </a:gridCol>
+                <a:gridCol w="1112260">
+                  <a:extLst>
+                    <a:ext uri="{9D8B030D-6E8A-4147-A177-3AD203B41FA5}">
+                      <a16:colId xmlns:a16="http://schemas.microsoft.com/office/drawing/2014/main" val="20003"/>
+                    </a:ext>
+                  </a:extLst>
+                </a:gridCol>
+                <a:gridCol w="1235844">
+                  <a:extLst>
+                    <a:ext uri="{9D8B030D-6E8A-4147-A177-3AD203B41FA5}">
+                      <a16:colId xmlns:a16="http://schemas.microsoft.com/office/drawing/2014/main" val="20004"/>
+                    </a:ext>
+                  </a:extLst>
+                </a:gridCol>
+                <a:gridCol w="365136">
+                  <a:extLst>
+                    <a:ext uri="{9D8B030D-6E8A-4147-A177-3AD203B41FA5}">
+                      <a16:colId xmlns:a16="http://schemas.microsoft.com/office/drawing/2014/main" val="20005"/>
+                    </a:ext>
+                  </a:extLst>
+                </a:gridCol>
+                <a:gridCol w="870709">
+                  <a:extLst>
+                    <a:ext uri="{9D8B030D-6E8A-4147-A177-3AD203B41FA5}">
+                      <a16:colId xmlns:a16="http://schemas.microsoft.com/office/drawing/2014/main" val="20006"/>
+                    </a:ext>
+                  </a:extLst>
+                </a:gridCol>
+                <a:gridCol w="870709">
+                  <a:extLst>
+                    <a:ext uri="{9D8B030D-6E8A-4147-A177-3AD203B41FA5}">
+                      <a16:colId xmlns:a16="http://schemas.microsoft.com/office/drawing/2014/main" val="20007"/>
+                    </a:ext>
+                  </a:extLst>
+                </a:gridCol>
+                <a:gridCol w="2067231">
+                  <a:extLst>
+                    <a:ext uri="{9D8B030D-6E8A-4147-A177-3AD203B41FA5}">
+                      <a16:colId xmlns:a16="http://schemas.microsoft.com/office/drawing/2014/main" val="20008"/>
+                    </a:ext>
+                  </a:extLst>
+                </a:gridCol>
               </a:tblGrid>
               <a:tr h="241551">
                 <a:tc>
@@ -20282,6 +20510,11 @@
                     </a:solidFill>
                   </a:tcPr>
                 </a:tc>
+                <a:extLst>
+                  <a:ext uri="{0D108BD9-81ED-4DB2-BD59-A6C34878D82A}">
+                    <a16:rowId xmlns:a16="http://schemas.microsoft.com/office/drawing/2014/main" val="10000"/>
+                  </a:ext>
+                </a:extLst>
               </a:tr>
               <a:tr h="241551">
                 <a:tc>
@@ -20815,6 +21048,11 @@
                     </a:solidFill>
                   </a:tcPr>
                 </a:tc>
+                <a:extLst>
+                  <a:ext uri="{0D108BD9-81ED-4DB2-BD59-A6C34878D82A}">
+                    <a16:rowId xmlns:a16="http://schemas.microsoft.com/office/drawing/2014/main" val="10001"/>
+                  </a:ext>
+                </a:extLst>
               </a:tr>
               <a:tr h="241551">
                 <a:tc>
@@ -21348,6 +21586,11 @@
                     </a:solidFill>
                   </a:tcPr>
                 </a:tc>
+                <a:extLst>
+                  <a:ext uri="{0D108BD9-81ED-4DB2-BD59-A6C34878D82A}">
+                    <a16:rowId xmlns:a16="http://schemas.microsoft.com/office/drawing/2014/main" val="10002"/>
+                  </a:ext>
+                </a:extLst>
               </a:tr>
               <a:tr h="241551">
                 <a:tc>
@@ -21881,6 +22124,11 @@
                     </a:solidFill>
                   </a:tcPr>
                 </a:tc>
+                <a:extLst>
+                  <a:ext uri="{0D108BD9-81ED-4DB2-BD59-A6C34878D82A}">
+                    <a16:rowId xmlns:a16="http://schemas.microsoft.com/office/drawing/2014/main" val="10003"/>
+                  </a:ext>
+                </a:extLst>
               </a:tr>
               <a:tr h="241551">
                 <a:tc>
@@ -22414,6 +22662,11 @@
                     </a:solidFill>
                   </a:tcPr>
                 </a:tc>
+                <a:extLst>
+                  <a:ext uri="{0D108BD9-81ED-4DB2-BD59-A6C34878D82A}">
+                    <a16:rowId xmlns:a16="http://schemas.microsoft.com/office/drawing/2014/main" val="10004"/>
+                  </a:ext>
+                </a:extLst>
               </a:tr>
               <a:tr h="241551">
                 <a:tc>
@@ -22947,6 +23200,11 @@
                     </a:solidFill>
                   </a:tcPr>
                 </a:tc>
+                <a:extLst>
+                  <a:ext uri="{0D108BD9-81ED-4DB2-BD59-A6C34878D82A}">
+                    <a16:rowId xmlns:a16="http://schemas.microsoft.com/office/drawing/2014/main" val="10005"/>
+                  </a:ext>
+                </a:extLst>
               </a:tr>
             </a:tbl>
           </a:graphicData>
@@ -22962,13 +23220,6 @@
   <p:clrMapOvr>
     <a:masterClrMapping/>
   </p:clrMapOvr>
-  <p:timing>
-    <p:tnLst>
-      <p:par>
-        <p:cTn xmlns:p14="http://schemas.microsoft.com/office/powerpoint/2010/main" id="1" dur="indefinite" restart="never" nodeType="tmRoot"/>
-      </p:par>
-    </p:tnLst>
-  </p:timing>
 </p:sld>
 </file>
 
@@ -23010,10 +23261,9 @@
           <a:lstStyle/>
           <a:p>
             <a:r>
-              <a:rPr lang="en-US" dirty="0" smtClean="0"/>
+              <a:rPr lang="en-US" dirty="0"/>
               <a:t>Outline</a:t>
             </a:r>
-            <a:endParaRPr lang="en-US" dirty="0"/>
           </a:p>
         </p:txBody>
       </p:sp>
@@ -23045,7 +23295,7 @@
               </a:lnSpc>
             </a:pPr>
             <a:r>
-              <a:rPr lang="en-US" dirty="0" smtClean="0">
+              <a:rPr lang="en-US" dirty="0">
                 <a:solidFill>
                   <a:schemeClr val="bg1">
                     <a:lumMod val="75000"/>
@@ -23062,18 +23312,9 @@
               </a:lnSpc>
             </a:pPr>
             <a:r>
-              <a:rPr lang="en-US" dirty="0" smtClean="0"/>
-              <a:t>Practice </a:t>
-            </a:r>
-            <a:r>
               <a:rPr lang="en-US" dirty="0"/>
-              <a:t>using regular expression in </a:t>
-            </a:r>
-            <a:r>
-              <a:rPr lang="en-US" dirty="0" err="1" smtClean="0"/>
-              <a:t>TextWrangler</a:t>
-            </a:r>
-            <a:endParaRPr lang="en-US" dirty="0"/>
+              <a:t>Practice using regular expression in BBEdit</a:t>
+            </a:r>
           </a:p>
         </p:txBody>
       </p:sp>
@@ -23087,13 +23328,6 @@
   <p:clrMapOvr>
     <a:masterClrMapping/>
   </p:clrMapOvr>
-  <p:timing>
-    <p:tnLst>
-      <p:par>
-        <p:cTn xmlns:p14="http://schemas.microsoft.com/office/powerpoint/2010/main" id="1" dur="indefinite" restart="never" nodeType="tmRoot"/>
-      </p:par>
-    </p:tnLst>
-  </p:timing>
 </p:sld>
 </file>
 
@@ -23130,10 +23364,9 @@
           <a:lstStyle/>
           <a:p>
             <a:r>
-              <a:rPr lang="en-US" dirty="0" smtClean="0"/>
+              <a:rPr lang="en-US" dirty="0"/>
               <a:t>Separators: Tab and comma</a:t>
             </a:r>
-            <a:endParaRPr lang="en-US" dirty="0"/>
           </a:p>
         </p:txBody>
       </p:sp>
@@ -23165,7 +23398,7 @@
               </a:lnSpc>
             </a:pPr>
             <a:r>
-              <a:rPr lang="en-US" sz="2800" b="1" dirty="0" smtClean="0">
+              <a:rPr lang="en-US" sz="2800" b="1" dirty="0">
                 <a:solidFill>
                   <a:srgbClr val="17375E"/>
                 </a:solidFill>
@@ -23173,10 +23406,9 @@
               <a:t>\t</a:t>
             </a:r>
             <a:r>
-              <a:rPr lang="en-US" sz="2800" dirty="0" smtClean="0"/>
+              <a:rPr lang="en-US" sz="2800" dirty="0"/>
               <a:t>  : a tab character</a:t>
             </a:r>
-            <a:endParaRPr lang="en-US" sz="2800" dirty="0"/>
           </a:p>
         </p:txBody>
       </p:sp>
@@ -23350,10 +23582,10 @@
               <a:buNone/>
             </a:pPr>
             <a:r>
-              <a:rPr lang="en-US" dirty="0" err="1" smtClean="0"/>
+              <a:rPr lang="en-US" dirty="0" err="1"/>
               <a:t>Agalma,elegans</a:t>
             </a:r>
-            <a:endParaRPr lang="en-US" dirty="0" smtClean="0"/>
+            <a:endParaRPr lang="en-US" dirty="0"/>
           </a:p>
           <a:p>
             <a:pPr marL="0" indent="0">
@@ -23361,18 +23593,10 @@
               <a:buNone/>
             </a:pPr>
             <a:r>
-              <a:rPr lang="en-US" dirty="0" err="1" smtClean="0"/>
-              <a:t>Frillagalma</a:t>
-            </a:r>
-            <a:r>
               <a:rPr lang="en-US" dirty="0" err="1"/>
-              <a:t>,</a:t>
-            </a:r>
-            <a:r>
-              <a:rPr lang="en-US" dirty="0" err="1" smtClean="0"/>
-              <a:t>vitiazi</a:t>
-            </a:r>
-            <a:endParaRPr lang="en-US" dirty="0" smtClean="0"/>
+              <a:t>Frillagalma,vitiazi</a:t>
+            </a:r>
+            <a:endParaRPr lang="en-US" dirty="0"/>
           </a:p>
           <a:p>
             <a:pPr marL="0" indent="0">
@@ -23380,7 +23604,7 @@
               <a:buNone/>
             </a:pPr>
             <a:r>
-              <a:rPr lang="en-US" dirty="0" err="1" smtClean="0"/>
+              <a:rPr lang="en-US" dirty="0" err="1"/>
               <a:t>Mus,musculus</a:t>
             </a:r>
             <a:endParaRPr lang="en-US" dirty="0"/>
@@ -23410,8 +23634,20 @@
             <a:tbl>
               <a:tblPr/>
               <a:tblGrid>
-                <a:gridCol w="1663700"/>
-                <a:gridCol w="1435100"/>
+                <a:gridCol w="1663700">
+                  <a:extLst>
+                    <a:ext uri="{9D8B030D-6E8A-4147-A177-3AD203B41FA5}">
+                      <a16:colId xmlns:a16="http://schemas.microsoft.com/office/drawing/2014/main" val="20000"/>
+                    </a:ext>
+                  </a:extLst>
+                </a:gridCol>
+                <a:gridCol w="1435100">
+                  <a:extLst>
+                    <a:ext uri="{9D8B030D-6E8A-4147-A177-3AD203B41FA5}">
+                      <a16:colId xmlns:a16="http://schemas.microsoft.com/office/drawing/2014/main" val="20001"/>
+                    </a:ext>
+                  </a:extLst>
+                </a:gridCol>
               </a:tblGrid>
               <a:tr h="381000">
                 <a:tc>
@@ -23528,6 +23764,11 @@
                     </a:lnB>
                   </a:tcPr>
                 </a:tc>
+                <a:extLst>
+                  <a:ext uri="{0D108BD9-81ED-4DB2-BD59-A6C34878D82A}">
+                    <a16:rowId xmlns:a16="http://schemas.microsoft.com/office/drawing/2014/main" val="10000"/>
+                  </a:ext>
+                </a:extLst>
               </a:tr>
               <a:tr h="381000">
                 <a:tc>
@@ -23537,7 +23778,7 @@
                     <a:p>
                       <a:pPr algn="l" fontAlgn="ctr"/>
                       <a:r>
-                        <a:rPr lang="pl-PL" sz="2000" b="0" i="0" u="none" strike="noStrike" dirty="0" smtClean="0">
+                        <a:rPr lang="pl-PL" sz="2000" b="0" i="0" u="none" strike="noStrike" dirty="0">
                           <a:solidFill>
                             <a:srgbClr val="000000"/>
                           </a:solidFill>
@@ -23546,13 +23787,6 @@
                         </a:rPr>
                         <a:t>,</a:t>
                       </a:r>
-                      <a:endParaRPr lang="pl-PL" sz="2000" b="0" i="0" u="none" strike="noStrike" dirty="0">
-                        <a:solidFill>
-                          <a:srgbClr val="000000"/>
-                        </a:solidFill>
-                        <a:effectLst/>
-                        <a:latin typeface="Courier"/>
-                      </a:endParaRPr>
                     </a:p>
                   </a:txBody>
                   <a:tcPr marL="12700" marR="12700" marT="12700" marB="0" anchor="ctr">
@@ -23601,7 +23835,7 @@
                     <a:p>
                       <a:pPr algn="l" fontAlgn="b"/>
                       <a:r>
-                        <a:rPr lang="en-US" sz="2000" b="0" i="0" u="none" strike="noStrike" dirty="0" smtClean="0">
+                        <a:rPr lang="en-US" sz="2000" b="0" i="0" u="none" strike="noStrike" dirty="0">
                           <a:solidFill>
                             <a:srgbClr val="000000"/>
                           </a:solidFill>
@@ -23610,13 +23844,6 @@
                         </a:rPr>
                         <a:t>\t</a:t>
                       </a:r>
-                      <a:endParaRPr lang="en-US" sz="2000" b="0" i="0" u="none" strike="noStrike" dirty="0">
-                        <a:solidFill>
-                          <a:srgbClr val="000000"/>
-                        </a:solidFill>
-                        <a:effectLst/>
-                        <a:latin typeface="Courier"/>
-                      </a:endParaRPr>
                     </a:p>
                   </a:txBody>
                   <a:tcPr marL="12700" marR="12700" marT="12700" marB="0" anchor="b">
@@ -23658,6 +23885,11 @@
                     </a:lnB>
                   </a:tcPr>
                 </a:tc>
+                <a:extLst>
+                  <a:ext uri="{0D108BD9-81ED-4DB2-BD59-A6C34878D82A}">
+                    <a16:rowId xmlns:a16="http://schemas.microsoft.com/office/drawing/2014/main" val="10001"/>
+                  </a:ext>
+                </a:extLst>
               </a:tr>
               <a:tr h="381000">
                 <a:tc>
@@ -23667,7 +23899,7 @@
                     <a:p>
                       <a:pPr algn="l" fontAlgn="ctr"/>
                       <a:r>
-                        <a:rPr lang="pl-PL" sz="2000" b="0" i="0" u="none" strike="noStrike" dirty="0" smtClean="0">
+                        <a:rPr lang="pl-PL" sz="2000" b="0" i="0" u="none" strike="noStrike" dirty="0">
                           <a:solidFill>
                             <a:srgbClr val="000000"/>
                           </a:solidFill>
@@ -23676,13 +23908,6 @@
                         </a:rPr>
                         <a:t>\t</a:t>
                       </a:r>
-                      <a:endParaRPr lang="pl-PL" sz="2000" b="0" i="0" u="none" strike="noStrike" dirty="0">
-                        <a:solidFill>
-                          <a:srgbClr val="000000"/>
-                        </a:solidFill>
-                        <a:effectLst/>
-                        <a:latin typeface="Courier"/>
-                      </a:endParaRPr>
                     </a:p>
                   </a:txBody>
                   <a:tcPr marL="12700" marR="12700" marT="12700" marB="0" anchor="ctr">
@@ -23731,7 +23956,7 @@
                     <a:p>
                       <a:pPr algn="l" fontAlgn="b"/>
                       <a:r>
-                        <a:rPr lang="en-US" sz="2000" b="0" i="0" u="none" strike="noStrike" dirty="0" smtClean="0">
+                        <a:rPr lang="en-US" sz="2000" b="0" i="0" u="none" strike="noStrike" dirty="0">
                           <a:solidFill>
                             <a:srgbClr val="000000"/>
                           </a:solidFill>
@@ -23740,13 +23965,6 @@
                         </a:rPr>
                         <a:t>,</a:t>
                       </a:r>
-                      <a:endParaRPr lang="en-US" sz="2000" b="0" i="0" u="none" strike="noStrike" dirty="0">
-                        <a:solidFill>
-                          <a:srgbClr val="000000"/>
-                        </a:solidFill>
-                        <a:effectLst/>
-                        <a:latin typeface="Courier"/>
-                      </a:endParaRPr>
                     </a:p>
                   </a:txBody>
                   <a:tcPr marL="12700" marR="12700" marT="12700" marB="0" anchor="b">
@@ -23788,6 +24006,11 @@
                     </a:lnB>
                   </a:tcPr>
                 </a:tc>
+                <a:extLst>
+                  <a:ext uri="{0D108BD9-81ED-4DB2-BD59-A6C34878D82A}">
+                    <a16:rowId xmlns:a16="http://schemas.microsoft.com/office/drawing/2014/main" val="10002"/>
+                  </a:ext>
+                </a:extLst>
               </a:tr>
             </a:tbl>
           </a:graphicData>
@@ -23839,10 +24062,9 @@
           <a:lstStyle/>
           <a:p>
             <a:r>
-              <a:rPr lang="en-US" dirty="0" smtClean="0"/>
+              <a:rPr lang="en-US" dirty="0"/>
               <a:t>Line beginnings and endings</a:t>
             </a:r>
-            <a:endParaRPr lang="en-US" dirty="0"/>
           </a:p>
         </p:txBody>
       </p:sp>
@@ -23869,7 +24091,7 @@
           <a:lstStyle/>
           <a:p>
             <a:r>
-              <a:rPr lang="en-US" b="1" dirty="0" smtClean="0">
+              <a:rPr lang="en-US" b="1" dirty="0">
                 <a:solidFill>
                   <a:schemeClr val="tx2">
                     <a:lumMod val="75000"/>
@@ -23879,13 +24101,13 @@
               <a:t>^</a:t>
             </a:r>
             <a:r>
-              <a:rPr lang="en-US" dirty="0" smtClean="0"/>
+              <a:rPr lang="en-US" dirty="0"/>
               <a:t> beginnings</a:t>
             </a:r>
           </a:p>
           <a:p>
             <a:r>
-              <a:rPr lang="en-US" b="1" dirty="0" smtClean="0">
+              <a:rPr lang="en-US" b="1" dirty="0">
                 <a:solidFill>
                   <a:srgbClr val="17375E"/>
                 </a:solidFill>
@@ -23893,7 +24115,7 @@
               <a:t>$</a:t>
             </a:r>
             <a:r>
-              <a:rPr lang="en-US" dirty="0" smtClean="0"/>
+              <a:rPr lang="en-US" dirty="0"/>
               <a:t> endings</a:t>
             </a:r>
           </a:p>
@@ -24069,18 +24291,18 @@
               <a:buNone/>
             </a:pPr>
             <a:r>
-              <a:rPr lang="en-US" dirty="0" err="1" smtClean="0"/>
+              <a:rPr lang="en-US" dirty="0" err="1"/>
               <a:t>Agalma</a:t>
             </a:r>
             <a:r>
-              <a:rPr lang="en-US" dirty="0" smtClean="0"/>
+              <a:rPr lang="en-US" dirty="0"/>
               <a:t> </a:t>
             </a:r>
             <a:r>
-              <a:rPr lang="en-US" dirty="0" err="1" smtClean="0"/>
+              <a:rPr lang="en-US" dirty="0" err="1"/>
               <a:t>elegans</a:t>
             </a:r>
-            <a:endParaRPr lang="en-US" dirty="0" smtClean="0"/>
+            <a:endParaRPr lang="en-US" dirty="0"/>
           </a:p>
           <a:p>
             <a:pPr marL="0" indent="0">
@@ -24088,18 +24310,18 @@
               <a:buNone/>
             </a:pPr>
             <a:r>
-              <a:rPr lang="en-US" dirty="0" err="1" smtClean="0"/>
+              <a:rPr lang="en-US" dirty="0" err="1"/>
               <a:t>Frillagalma</a:t>
             </a:r>
             <a:r>
-              <a:rPr lang="en-US" dirty="0" smtClean="0"/>
+              <a:rPr lang="en-US" dirty="0"/>
               <a:t> </a:t>
             </a:r>
             <a:r>
-              <a:rPr lang="en-US" dirty="0" err="1" smtClean="0"/>
+              <a:rPr lang="en-US" dirty="0" err="1"/>
               <a:t>vitiazi</a:t>
             </a:r>
-            <a:endParaRPr lang="en-US" dirty="0" smtClean="0"/>
+            <a:endParaRPr lang="en-US" dirty="0"/>
           </a:p>
           <a:p>
             <a:pPr marL="0" indent="0">
@@ -24107,18 +24329,18 @@
               <a:buNone/>
             </a:pPr>
             <a:r>
-              <a:rPr lang="en-US" dirty="0" err="1" smtClean="0"/>
+              <a:rPr lang="en-US" dirty="0" err="1"/>
               <a:t>Mus</a:t>
             </a:r>
             <a:r>
-              <a:rPr lang="en-US" dirty="0" smtClean="0"/>
+              <a:rPr lang="en-US" dirty="0"/>
               <a:t> </a:t>
             </a:r>
             <a:r>
-              <a:rPr lang="en-US" dirty="0" err="1" smtClean="0"/>
+              <a:rPr lang="en-US" dirty="0" err="1"/>
               <a:t>musculus</a:t>
             </a:r>
-            <a:endParaRPr lang="en-US" dirty="0" smtClean="0"/>
+            <a:endParaRPr lang="en-US" dirty="0"/>
           </a:p>
           <a:p>
             <a:pPr marL="0" indent="0">
@@ -24152,8 +24374,20 @@
             <a:tbl>
               <a:tblPr/>
               <a:tblGrid>
-                <a:gridCol w="1349759"/>
-                <a:gridCol w="2385485"/>
+                <a:gridCol w="1349759">
+                  <a:extLst>
+                    <a:ext uri="{9D8B030D-6E8A-4147-A177-3AD203B41FA5}">
+                      <a16:colId xmlns:a16="http://schemas.microsoft.com/office/drawing/2014/main" val="20000"/>
+                    </a:ext>
+                  </a:extLst>
+                </a:gridCol>
+                <a:gridCol w="2385485">
+                  <a:extLst>
+                    <a:ext uri="{9D8B030D-6E8A-4147-A177-3AD203B41FA5}">
+                      <a16:colId xmlns:a16="http://schemas.microsoft.com/office/drawing/2014/main" val="20001"/>
+                    </a:ext>
+                  </a:extLst>
+                </a:gridCol>
               </a:tblGrid>
               <a:tr h="381000">
                 <a:tc>
@@ -24270,6 +24504,11 @@
                     </a:lnB>
                   </a:tcPr>
                 </a:tc>
+                <a:extLst>
+                  <a:ext uri="{0D108BD9-81ED-4DB2-BD59-A6C34878D82A}">
+                    <a16:rowId xmlns:a16="http://schemas.microsoft.com/office/drawing/2014/main" val="10000"/>
+                  </a:ext>
+                </a:extLst>
               </a:tr>
               <a:tr h="381000">
                 <a:tc>
@@ -24279,7 +24518,7 @@
                     <a:p>
                       <a:pPr algn="l" fontAlgn="ctr"/>
                       <a:r>
-                        <a:rPr lang="pl-PL" sz="2000" b="0" i="0" u="none" strike="noStrike" dirty="0" smtClean="0">
+                        <a:rPr lang="pl-PL" sz="2000" b="0" i="0" u="none" strike="noStrike" dirty="0">
                           <a:solidFill>
                             <a:srgbClr val="000000"/>
                           </a:solidFill>
@@ -24288,13 +24527,6 @@
                         </a:rPr>
                         <a:t>^</a:t>
                       </a:r>
-                      <a:endParaRPr lang="pl-PL" sz="2000" b="0" i="0" u="none" strike="noStrike" dirty="0">
-                        <a:solidFill>
-                          <a:srgbClr val="000000"/>
-                        </a:solidFill>
-                        <a:effectLst/>
-                        <a:latin typeface="Courier"/>
-                      </a:endParaRPr>
                     </a:p>
                   </a:txBody>
                   <a:tcPr marL="12700" marR="12700" marT="12700" marB="0" anchor="ctr">
@@ -24343,7 +24575,7 @@
                     <a:p>
                       <a:pPr algn="l" fontAlgn="b"/>
                       <a:r>
-                        <a:rPr lang="en-US" sz="2000" b="0" i="0" u="none" strike="noStrike" dirty="0" smtClean="0">
+                        <a:rPr lang="en-US" sz="2000" b="0" i="0" u="none" strike="noStrike" dirty="0">
                           <a:solidFill>
                             <a:srgbClr val="000000"/>
                           </a:solidFill>
@@ -24351,6 +24583,258 @@
                           <a:latin typeface="Courier"/>
                         </a:rPr>
                         <a:t>here</a:t>
+                      </a:r>
+                    </a:p>
+                  </a:txBody>
+                  <a:tcPr marL="12700" marR="12700" marT="12700" marB="0" anchor="b">
+                    <a:lnL w="6350" cap="flat" cmpd="sng" algn="ctr">
+                      <a:solidFill>
+                        <a:srgbClr val="000000"/>
+                      </a:solidFill>
+                      <a:prstDash val="solid"/>
+                      <a:round/>
+                      <a:headEnd type="none" w="med" len="med"/>
+                      <a:tailEnd type="none" w="med" len="med"/>
+                    </a:lnL>
+                    <a:lnR w="6350" cap="flat" cmpd="sng" algn="ctr">
+                      <a:solidFill>
+                        <a:srgbClr val="000000"/>
+                      </a:solidFill>
+                      <a:prstDash val="solid"/>
+                      <a:round/>
+                      <a:headEnd type="none" w="med" len="med"/>
+                      <a:tailEnd type="none" w="med" len="med"/>
+                    </a:lnR>
+                    <a:lnT w="6350" cap="flat" cmpd="sng" algn="ctr">
+                      <a:solidFill>
+                        <a:srgbClr val="000000"/>
+                      </a:solidFill>
+                      <a:prstDash val="solid"/>
+                      <a:round/>
+                      <a:headEnd type="none" w="med" len="med"/>
+                      <a:tailEnd type="none" w="med" len="med"/>
+                    </a:lnT>
+                    <a:lnB w="6350" cap="flat" cmpd="sng" algn="ctr">
+                      <a:solidFill>
+                        <a:srgbClr val="000000"/>
+                      </a:solidFill>
+                      <a:prstDash val="solid"/>
+                      <a:round/>
+                      <a:headEnd type="none" w="med" len="med"/>
+                      <a:tailEnd type="none" w="med" len="med"/>
+                    </a:lnB>
+                  </a:tcPr>
+                </a:tc>
+                <a:extLst>
+                  <a:ext uri="{0D108BD9-81ED-4DB2-BD59-A6C34878D82A}">
+                    <a16:rowId xmlns:a16="http://schemas.microsoft.com/office/drawing/2014/main" val="10001"/>
+                  </a:ext>
+                </a:extLst>
+              </a:tr>
+              <a:tr h="381000">
+                <a:tc>
+                  <a:txBody>
+                    <a:bodyPr/>
+                    <a:lstStyle/>
+                    <a:p>
+                      <a:pPr algn="l" fontAlgn="ctr"/>
+                      <a:r>
+                        <a:rPr lang="pl-PL" sz="2000" b="0" i="0" u="none" strike="noStrike" dirty="0">
+                          <a:solidFill>
+                            <a:srgbClr val="000000"/>
+                          </a:solidFill>
+                          <a:effectLst/>
+                          <a:latin typeface="Courier"/>
+                        </a:rPr>
+                        <a:t>$</a:t>
+                      </a:r>
+                    </a:p>
+                  </a:txBody>
+                  <a:tcPr marL="12700" marR="12700" marT="12700" marB="0" anchor="ctr">
+                    <a:lnL w="6350" cap="flat" cmpd="sng" algn="ctr">
+                      <a:solidFill>
+                        <a:srgbClr val="000000"/>
+                      </a:solidFill>
+                      <a:prstDash val="solid"/>
+                      <a:round/>
+                      <a:headEnd type="none" w="med" len="med"/>
+                      <a:tailEnd type="none" w="med" len="med"/>
+                    </a:lnL>
+                    <a:lnR w="6350" cap="flat" cmpd="sng" algn="ctr">
+                      <a:solidFill>
+                        <a:srgbClr val="000000"/>
+                      </a:solidFill>
+                      <a:prstDash val="solid"/>
+                      <a:round/>
+                      <a:headEnd type="none" w="med" len="med"/>
+                      <a:tailEnd type="none" w="med" len="med"/>
+                    </a:lnR>
+                    <a:lnT w="6350" cap="flat" cmpd="sng" algn="ctr">
+                      <a:solidFill>
+                        <a:srgbClr val="000000"/>
+                      </a:solidFill>
+                      <a:prstDash val="solid"/>
+                      <a:round/>
+                      <a:headEnd type="none" w="med" len="med"/>
+                      <a:tailEnd type="none" w="med" len="med"/>
+                    </a:lnT>
+                    <a:lnB w="6350" cap="flat" cmpd="sng" algn="ctr">
+                      <a:solidFill>
+                        <a:srgbClr val="000000"/>
+                      </a:solidFill>
+                      <a:prstDash val="solid"/>
+                      <a:round/>
+                      <a:headEnd type="none" w="med" len="med"/>
+                      <a:tailEnd type="none" w="med" len="med"/>
+                    </a:lnB>
+                  </a:tcPr>
+                </a:tc>
+                <a:tc>
+                  <a:txBody>
+                    <a:bodyPr/>
+                    <a:lstStyle/>
+                    <a:p>
+                      <a:pPr algn="l" fontAlgn="b"/>
+                      <a:r>
+                        <a:rPr lang="en-US" sz="2000" b="0" i="0" u="none" strike="noStrike" dirty="0">
+                          <a:solidFill>
+                            <a:srgbClr val="000000"/>
+                          </a:solidFill>
+                          <a:effectLst/>
+                          <a:latin typeface="Courier"/>
+                        </a:rPr>
+                        <a:t>there</a:t>
+                      </a:r>
+                    </a:p>
+                  </a:txBody>
+                  <a:tcPr marL="12700" marR="12700" marT="12700" marB="0" anchor="b">
+                    <a:lnL w="6350" cap="flat" cmpd="sng" algn="ctr">
+                      <a:solidFill>
+                        <a:srgbClr val="000000"/>
+                      </a:solidFill>
+                      <a:prstDash val="solid"/>
+                      <a:round/>
+                      <a:headEnd type="none" w="med" len="med"/>
+                      <a:tailEnd type="none" w="med" len="med"/>
+                    </a:lnL>
+                    <a:lnR w="6350" cap="flat" cmpd="sng" algn="ctr">
+                      <a:solidFill>
+                        <a:srgbClr val="000000"/>
+                      </a:solidFill>
+                      <a:prstDash val="solid"/>
+                      <a:round/>
+                      <a:headEnd type="none" w="med" len="med"/>
+                      <a:tailEnd type="none" w="med" len="med"/>
+                    </a:lnR>
+                    <a:lnT w="6350" cap="flat" cmpd="sng" algn="ctr">
+                      <a:solidFill>
+                        <a:srgbClr val="000000"/>
+                      </a:solidFill>
+                      <a:prstDash val="solid"/>
+                      <a:round/>
+                      <a:headEnd type="none" w="med" len="med"/>
+                      <a:tailEnd type="none" w="med" len="med"/>
+                    </a:lnT>
+                    <a:lnB w="6350" cap="flat" cmpd="sng" algn="ctr">
+                      <a:solidFill>
+                        <a:srgbClr val="000000"/>
+                      </a:solidFill>
+                      <a:prstDash val="solid"/>
+                      <a:round/>
+                      <a:headEnd type="none" w="med" len="med"/>
+                      <a:tailEnd type="none" w="med" len="med"/>
+                    </a:lnB>
+                  </a:tcPr>
+                </a:tc>
+                <a:extLst>
+                  <a:ext uri="{0D108BD9-81ED-4DB2-BD59-A6C34878D82A}">
+                    <a16:rowId xmlns:a16="http://schemas.microsoft.com/office/drawing/2014/main" val="10002"/>
+                  </a:ext>
+                </a:extLst>
+              </a:tr>
+              <a:tr h="381000">
+                <a:tc>
+                  <a:txBody>
+                    <a:bodyPr/>
+                    <a:lstStyle/>
+                    <a:p>
+                      <a:pPr algn="l" fontAlgn="ctr"/>
+                      <a:r>
+                        <a:rPr lang="pl-PL" sz="2000" b="0" i="0" u="none" strike="noStrike" dirty="0">
+                          <a:solidFill>
+                            <a:srgbClr val="000000"/>
+                          </a:solidFill>
+                          <a:effectLst/>
+                          <a:latin typeface="Courier"/>
+                        </a:rPr>
+                        <a:t>^$</a:t>
+                      </a:r>
+                    </a:p>
+                  </a:txBody>
+                  <a:tcPr marL="12700" marR="12700" marT="12700" marB="0" anchor="ctr">
+                    <a:lnL w="6350" cap="flat" cmpd="sng" algn="ctr">
+                      <a:solidFill>
+                        <a:srgbClr val="000000"/>
+                      </a:solidFill>
+                      <a:prstDash val="solid"/>
+                      <a:round/>
+                      <a:headEnd type="none" w="med" len="med"/>
+                      <a:tailEnd type="none" w="med" len="med"/>
+                    </a:lnL>
+                    <a:lnR w="6350" cap="flat" cmpd="sng" algn="ctr">
+                      <a:solidFill>
+                        <a:srgbClr val="000000"/>
+                      </a:solidFill>
+                      <a:prstDash val="solid"/>
+                      <a:round/>
+                      <a:headEnd type="none" w="med" len="med"/>
+                      <a:tailEnd type="none" w="med" len="med"/>
+                    </a:lnR>
+                    <a:lnT w="6350" cap="flat" cmpd="sng" algn="ctr">
+                      <a:solidFill>
+                        <a:srgbClr val="000000"/>
+                      </a:solidFill>
+                      <a:prstDash val="solid"/>
+                      <a:round/>
+                      <a:headEnd type="none" w="med" len="med"/>
+                      <a:tailEnd type="none" w="med" len="med"/>
+                    </a:lnT>
+                    <a:lnB w="6350" cap="flat" cmpd="sng" algn="ctr">
+                      <a:solidFill>
+                        <a:srgbClr val="000000"/>
+                      </a:solidFill>
+                      <a:prstDash val="solid"/>
+                      <a:round/>
+                      <a:headEnd type="none" w="med" len="med"/>
+                      <a:tailEnd type="none" w="med" len="med"/>
+                    </a:lnB>
+                  </a:tcPr>
+                </a:tc>
+                <a:tc>
+                  <a:txBody>
+                    <a:bodyPr/>
+                    <a:lstStyle/>
+                    <a:p>
+                      <a:pPr algn="l" fontAlgn="b"/>
+                      <a:r>
+                        <a:rPr lang="en-US" sz="2000" b="0" i="0" u="none" strike="noStrike" dirty="0">
+                          <a:solidFill>
+                            <a:srgbClr val="000000"/>
+                          </a:solidFill>
+                          <a:effectLst/>
+                          <a:latin typeface="Courier"/>
+                        </a:rPr>
+                        <a:t>empty</a:t>
+                      </a:r>
+                      <a:r>
+                        <a:rPr lang="en-US" sz="2000" b="0" i="0" u="none" strike="noStrike" baseline="0" dirty="0">
+                          <a:solidFill>
+                            <a:srgbClr val="000000"/>
+                          </a:solidFill>
+                          <a:effectLst/>
+                          <a:latin typeface="Courier"/>
+                        </a:rPr>
+                        <a:t> line</a:t>
                       </a:r>
                       <a:endParaRPr lang="en-US" sz="2000" b="0" i="0" u="none" strike="noStrike" dirty="0">
                         <a:solidFill>
@@ -24400,276 +24884,11 @@
                     </a:lnB>
                   </a:tcPr>
                 </a:tc>
-              </a:tr>
-              <a:tr h="381000">
-                <a:tc>
-                  <a:txBody>
-                    <a:bodyPr/>
-                    <a:lstStyle/>
-                    <a:p>
-                      <a:pPr algn="l" fontAlgn="ctr"/>
-                      <a:r>
-                        <a:rPr lang="pl-PL" sz="2000" b="0" i="0" u="none" strike="noStrike" dirty="0" smtClean="0">
-                          <a:solidFill>
-                            <a:srgbClr val="000000"/>
-                          </a:solidFill>
-                          <a:effectLst/>
-                          <a:latin typeface="Courier"/>
-                        </a:rPr>
-                        <a:t>$</a:t>
-                      </a:r>
-                      <a:endParaRPr lang="pl-PL" sz="2000" b="0" i="0" u="none" strike="noStrike" dirty="0">
-                        <a:solidFill>
-                          <a:srgbClr val="000000"/>
-                        </a:solidFill>
-                        <a:effectLst/>
-                        <a:latin typeface="Courier"/>
-                      </a:endParaRPr>
-                    </a:p>
-                  </a:txBody>
-                  <a:tcPr marL="12700" marR="12700" marT="12700" marB="0" anchor="ctr">
-                    <a:lnL w="6350" cap="flat" cmpd="sng" algn="ctr">
-                      <a:solidFill>
-                        <a:srgbClr val="000000"/>
-                      </a:solidFill>
-                      <a:prstDash val="solid"/>
-                      <a:round/>
-                      <a:headEnd type="none" w="med" len="med"/>
-                      <a:tailEnd type="none" w="med" len="med"/>
-                    </a:lnL>
-                    <a:lnR w="6350" cap="flat" cmpd="sng" algn="ctr">
-                      <a:solidFill>
-                        <a:srgbClr val="000000"/>
-                      </a:solidFill>
-                      <a:prstDash val="solid"/>
-                      <a:round/>
-                      <a:headEnd type="none" w="med" len="med"/>
-                      <a:tailEnd type="none" w="med" len="med"/>
-                    </a:lnR>
-                    <a:lnT w="6350" cap="flat" cmpd="sng" algn="ctr">
-                      <a:solidFill>
-                        <a:srgbClr val="000000"/>
-                      </a:solidFill>
-                      <a:prstDash val="solid"/>
-                      <a:round/>
-                      <a:headEnd type="none" w="med" len="med"/>
-                      <a:tailEnd type="none" w="med" len="med"/>
-                    </a:lnT>
-                    <a:lnB w="6350" cap="flat" cmpd="sng" algn="ctr">
-                      <a:solidFill>
-                        <a:srgbClr val="000000"/>
-                      </a:solidFill>
-                      <a:prstDash val="solid"/>
-                      <a:round/>
-                      <a:headEnd type="none" w="med" len="med"/>
-                      <a:tailEnd type="none" w="med" len="med"/>
-                    </a:lnB>
-                  </a:tcPr>
-                </a:tc>
-                <a:tc>
-                  <a:txBody>
-                    <a:bodyPr/>
-                    <a:lstStyle/>
-                    <a:p>
-                      <a:pPr algn="l" fontAlgn="b"/>
-                      <a:r>
-                        <a:rPr lang="en-US" sz="2000" b="0" i="0" u="none" strike="noStrike" dirty="0" smtClean="0">
-                          <a:solidFill>
-                            <a:srgbClr val="000000"/>
-                          </a:solidFill>
-                          <a:effectLst/>
-                          <a:latin typeface="Courier"/>
-                        </a:rPr>
-                        <a:t>there</a:t>
-                      </a:r>
-                      <a:endParaRPr lang="en-US" sz="2000" b="0" i="0" u="none" strike="noStrike" dirty="0">
-                        <a:solidFill>
-                          <a:srgbClr val="000000"/>
-                        </a:solidFill>
-                        <a:effectLst/>
-                        <a:latin typeface="Courier"/>
-                      </a:endParaRPr>
-                    </a:p>
-                  </a:txBody>
-                  <a:tcPr marL="12700" marR="12700" marT="12700" marB="0" anchor="b">
-                    <a:lnL w="6350" cap="flat" cmpd="sng" algn="ctr">
-                      <a:solidFill>
-                        <a:srgbClr val="000000"/>
-                      </a:solidFill>
-                      <a:prstDash val="solid"/>
-                      <a:round/>
-                      <a:headEnd type="none" w="med" len="med"/>
-                      <a:tailEnd type="none" w="med" len="med"/>
-                    </a:lnL>
-                    <a:lnR w="6350" cap="flat" cmpd="sng" algn="ctr">
-                      <a:solidFill>
-                        <a:srgbClr val="000000"/>
-                      </a:solidFill>
-                      <a:prstDash val="solid"/>
-                      <a:round/>
-                      <a:headEnd type="none" w="med" len="med"/>
-                      <a:tailEnd type="none" w="med" len="med"/>
-                    </a:lnR>
-                    <a:lnT w="6350" cap="flat" cmpd="sng" algn="ctr">
-                      <a:solidFill>
-                        <a:srgbClr val="000000"/>
-                      </a:solidFill>
-                      <a:prstDash val="solid"/>
-                      <a:round/>
-                      <a:headEnd type="none" w="med" len="med"/>
-                      <a:tailEnd type="none" w="med" len="med"/>
-                    </a:lnT>
-                    <a:lnB w="6350" cap="flat" cmpd="sng" algn="ctr">
-                      <a:solidFill>
-                        <a:srgbClr val="000000"/>
-                      </a:solidFill>
-                      <a:prstDash val="solid"/>
-                      <a:round/>
-                      <a:headEnd type="none" w="med" len="med"/>
-                      <a:tailEnd type="none" w="med" len="med"/>
-                    </a:lnB>
-                  </a:tcPr>
-                </a:tc>
-              </a:tr>
-              <a:tr h="381000">
-                <a:tc>
-                  <a:txBody>
-                    <a:bodyPr/>
-                    <a:lstStyle/>
-                    <a:p>
-                      <a:pPr algn="l" fontAlgn="ctr"/>
-                      <a:r>
-                        <a:rPr lang="pl-PL" sz="2000" b="0" i="0" u="none" strike="noStrike" dirty="0" smtClean="0">
-                          <a:solidFill>
-                            <a:srgbClr val="000000"/>
-                          </a:solidFill>
-                          <a:effectLst/>
-                          <a:latin typeface="Courier"/>
-                        </a:rPr>
-                        <a:t>^$</a:t>
-                      </a:r>
-                      <a:endParaRPr lang="pl-PL" sz="2000" b="0" i="0" u="none" strike="noStrike" dirty="0">
-                        <a:solidFill>
-                          <a:srgbClr val="000000"/>
-                        </a:solidFill>
-                        <a:effectLst/>
-                        <a:latin typeface="Courier"/>
-                      </a:endParaRPr>
-                    </a:p>
-                  </a:txBody>
-                  <a:tcPr marL="12700" marR="12700" marT="12700" marB="0" anchor="ctr">
-                    <a:lnL w="6350" cap="flat" cmpd="sng" algn="ctr">
-                      <a:solidFill>
-                        <a:srgbClr val="000000"/>
-                      </a:solidFill>
-                      <a:prstDash val="solid"/>
-                      <a:round/>
-                      <a:headEnd type="none" w="med" len="med"/>
-                      <a:tailEnd type="none" w="med" len="med"/>
-                    </a:lnL>
-                    <a:lnR w="6350" cap="flat" cmpd="sng" algn="ctr">
-                      <a:solidFill>
-                        <a:srgbClr val="000000"/>
-                      </a:solidFill>
-                      <a:prstDash val="solid"/>
-                      <a:round/>
-                      <a:headEnd type="none" w="med" len="med"/>
-                      <a:tailEnd type="none" w="med" len="med"/>
-                    </a:lnR>
-                    <a:lnT w="6350" cap="flat" cmpd="sng" algn="ctr">
-                      <a:solidFill>
-                        <a:srgbClr val="000000"/>
-                      </a:solidFill>
-                      <a:prstDash val="solid"/>
-                      <a:round/>
-                      <a:headEnd type="none" w="med" len="med"/>
-                      <a:tailEnd type="none" w="med" len="med"/>
-                    </a:lnT>
-                    <a:lnB w="6350" cap="flat" cmpd="sng" algn="ctr">
-                      <a:solidFill>
-                        <a:srgbClr val="000000"/>
-                      </a:solidFill>
-                      <a:prstDash val="solid"/>
-                      <a:round/>
-                      <a:headEnd type="none" w="med" len="med"/>
-                      <a:tailEnd type="none" w="med" len="med"/>
-                    </a:lnB>
-                  </a:tcPr>
-                </a:tc>
-                <a:tc>
-                  <a:txBody>
-                    <a:bodyPr/>
-                    <a:lstStyle/>
-                    <a:p>
-                      <a:pPr algn="l" fontAlgn="b"/>
-                      <a:r>
-                        <a:rPr lang="en-US" sz="2000" b="0" i="0" u="none" strike="noStrike" dirty="0" smtClean="0">
-                          <a:solidFill>
-                            <a:srgbClr val="000000"/>
-                          </a:solidFill>
-                          <a:effectLst/>
-                          <a:latin typeface="Courier"/>
-                        </a:rPr>
-                        <a:t>empty</a:t>
-                      </a:r>
-                      <a:r>
-                        <a:rPr lang="en-US" sz="2000" b="0" i="0" u="none" strike="noStrike" baseline="0" dirty="0" smtClean="0">
-                          <a:solidFill>
-                            <a:srgbClr val="000000"/>
-                          </a:solidFill>
-                          <a:effectLst/>
-                          <a:latin typeface="Courier"/>
-                        </a:rPr>
-                        <a:t> line</a:t>
-                      </a:r>
-                      <a:endParaRPr lang="en-US" sz="2000" b="0" i="0" u="none" strike="noStrike" dirty="0">
-                        <a:solidFill>
-                          <a:srgbClr val="000000"/>
-                        </a:solidFill>
-                        <a:effectLst/>
-                        <a:latin typeface="Courier"/>
-                      </a:endParaRPr>
-                    </a:p>
-                  </a:txBody>
-                  <a:tcPr marL="12700" marR="12700" marT="12700" marB="0" anchor="b">
-                    <a:lnL w="6350" cap="flat" cmpd="sng" algn="ctr">
-                      <a:solidFill>
-                        <a:srgbClr val="000000"/>
-                      </a:solidFill>
-                      <a:prstDash val="solid"/>
-                      <a:round/>
-                      <a:headEnd type="none" w="med" len="med"/>
-                      <a:tailEnd type="none" w="med" len="med"/>
-                    </a:lnL>
-                    <a:lnR w="6350" cap="flat" cmpd="sng" algn="ctr">
-                      <a:solidFill>
-                        <a:srgbClr val="000000"/>
-                      </a:solidFill>
-                      <a:prstDash val="solid"/>
-                      <a:round/>
-                      <a:headEnd type="none" w="med" len="med"/>
-                      <a:tailEnd type="none" w="med" len="med"/>
-                    </a:lnR>
-                    <a:lnT w="6350" cap="flat" cmpd="sng" algn="ctr">
-                      <a:solidFill>
-                        <a:srgbClr val="000000"/>
-                      </a:solidFill>
-                      <a:prstDash val="solid"/>
-                      <a:round/>
-                      <a:headEnd type="none" w="med" len="med"/>
-                      <a:tailEnd type="none" w="med" len="med"/>
-                    </a:lnT>
-                    <a:lnB w="6350" cap="flat" cmpd="sng" algn="ctr">
-                      <a:solidFill>
-                        <a:srgbClr val="000000"/>
-                      </a:solidFill>
-                      <a:prstDash val="solid"/>
-                      <a:round/>
-                      <a:headEnd type="none" w="med" len="med"/>
-                      <a:tailEnd type="none" w="med" len="med"/>
-                    </a:lnB>
-                  </a:tcPr>
-                </a:tc>
+                <a:extLst>
+                  <a:ext uri="{0D108BD9-81ED-4DB2-BD59-A6C34878D82A}">
+                    <a16:rowId xmlns:a16="http://schemas.microsoft.com/office/drawing/2014/main" val="10003"/>
+                  </a:ext>
+                </a:extLst>
               </a:tr>
             </a:tbl>
           </a:graphicData>

--- a/PLPTH813Bioinformatis/2021/labs/lab01_Excel_regex_vi.pptx
+++ b/PLPTH813Bioinformatis/2021/labs/lab01_Excel_regex_vi.pptx
@@ -232,7 +232,7 @@
           <a:p>
             <a:fld id="{08E6E0A8-E17C-C949-B17E-7A1A6494483A}" type="datetimeFigureOut">
               <a:rPr lang="en-US" smtClean="0"/>
-              <a:t>1/27/21</a:t>
+              <a:t>2/4/21</a:t>
             </a:fld>
             <a:endParaRPr lang="en-US"/>
           </a:p>
@@ -771,7 +771,7 @@
           <a:p>
             <a:fld id="{42B8B0BE-C8D7-EB48-AD68-71DB5002F24B}" type="datetimeFigureOut">
               <a:rPr lang="en-US" smtClean="0"/>
-              <a:t>1/27/21</a:t>
+              <a:t>2/4/21</a:t>
             </a:fld>
             <a:endParaRPr lang="en-US"/>
           </a:p>
@@ -939,7 +939,7 @@
           <a:p>
             <a:fld id="{42B8B0BE-C8D7-EB48-AD68-71DB5002F24B}" type="datetimeFigureOut">
               <a:rPr lang="en-US" smtClean="0"/>
-              <a:t>1/27/21</a:t>
+              <a:t>2/4/21</a:t>
             </a:fld>
             <a:endParaRPr lang="en-US"/>
           </a:p>
@@ -1117,7 +1117,7 @@
           <a:p>
             <a:fld id="{42B8B0BE-C8D7-EB48-AD68-71DB5002F24B}" type="datetimeFigureOut">
               <a:rPr lang="en-US" smtClean="0"/>
-              <a:t>1/27/21</a:t>
+              <a:t>2/4/21</a:t>
             </a:fld>
             <a:endParaRPr lang="en-US"/>
           </a:p>
@@ -1285,7 +1285,7 @@
           <a:p>
             <a:fld id="{42B8B0BE-C8D7-EB48-AD68-71DB5002F24B}" type="datetimeFigureOut">
               <a:rPr lang="en-US" smtClean="0"/>
-              <a:t>1/27/21</a:t>
+              <a:t>2/4/21</a:t>
             </a:fld>
             <a:endParaRPr lang="en-US"/>
           </a:p>
@@ -1530,7 +1530,7 @@
           <a:p>
             <a:fld id="{42B8B0BE-C8D7-EB48-AD68-71DB5002F24B}" type="datetimeFigureOut">
               <a:rPr lang="en-US" smtClean="0"/>
-              <a:t>1/27/21</a:t>
+              <a:t>2/4/21</a:t>
             </a:fld>
             <a:endParaRPr lang="en-US"/>
           </a:p>
@@ -1815,7 +1815,7 @@
           <a:p>
             <a:fld id="{42B8B0BE-C8D7-EB48-AD68-71DB5002F24B}" type="datetimeFigureOut">
               <a:rPr lang="en-US" smtClean="0"/>
-              <a:t>1/27/21</a:t>
+              <a:t>2/4/21</a:t>
             </a:fld>
             <a:endParaRPr lang="en-US"/>
           </a:p>
@@ -2234,7 +2234,7 @@
           <a:p>
             <a:fld id="{42B8B0BE-C8D7-EB48-AD68-71DB5002F24B}" type="datetimeFigureOut">
               <a:rPr lang="en-US" smtClean="0"/>
-              <a:t>1/27/21</a:t>
+              <a:t>2/4/21</a:t>
             </a:fld>
             <a:endParaRPr lang="en-US"/>
           </a:p>
@@ -2351,7 +2351,7 @@
           <a:p>
             <a:fld id="{42B8B0BE-C8D7-EB48-AD68-71DB5002F24B}" type="datetimeFigureOut">
               <a:rPr lang="en-US" smtClean="0"/>
-              <a:t>1/27/21</a:t>
+              <a:t>2/4/21</a:t>
             </a:fld>
             <a:endParaRPr lang="en-US"/>
           </a:p>
@@ -2446,7 +2446,7 @@
           <a:p>
             <a:fld id="{42B8B0BE-C8D7-EB48-AD68-71DB5002F24B}" type="datetimeFigureOut">
               <a:rPr lang="en-US" smtClean="0"/>
-              <a:t>1/27/21</a:t>
+              <a:t>2/4/21</a:t>
             </a:fld>
             <a:endParaRPr lang="en-US"/>
           </a:p>
@@ -2721,7 +2721,7 @@
           <a:p>
             <a:fld id="{42B8B0BE-C8D7-EB48-AD68-71DB5002F24B}" type="datetimeFigureOut">
               <a:rPr lang="en-US" smtClean="0"/>
-              <a:t>1/27/21</a:t>
+              <a:t>2/4/21</a:t>
             </a:fld>
             <a:endParaRPr lang="en-US"/>
           </a:p>
@@ -2973,7 +2973,7 @@
           <a:p>
             <a:fld id="{42B8B0BE-C8D7-EB48-AD68-71DB5002F24B}" type="datetimeFigureOut">
               <a:rPr lang="en-US" smtClean="0"/>
-              <a:t>1/27/21</a:t>
+              <a:t>2/4/21</a:t>
             </a:fld>
             <a:endParaRPr lang="en-US"/>
           </a:p>
@@ -3184,7 +3184,7 @@
           <a:p>
             <a:fld id="{42B8B0BE-C8D7-EB48-AD68-71DB5002F24B}" type="datetimeFigureOut">
               <a:rPr lang="en-US" smtClean="0"/>
-              <a:t>1/27/21</a:t>
+              <a:t>2/4/21</a:t>
             </a:fld>
             <a:endParaRPr lang="en-US"/>
           </a:p>
@@ -6564,7 +6564,7 @@
         </p:nvSpPr>
         <p:spPr>
           <a:xfrm>
-            <a:off x="1379267" y="2274838"/>
+            <a:off x="1379267" y="2007751"/>
             <a:ext cx="6385466" cy="2308324"/>
           </a:xfrm>
           <a:prstGeom prst="rect">
@@ -6652,7 +6652,7 @@
         </p:nvSpPr>
         <p:spPr>
           <a:xfrm>
-            <a:off x="457200" y="5272586"/>
+            <a:off x="457200" y="4510876"/>
             <a:ext cx="5611857" cy="584775"/>
           </a:xfrm>
           <a:prstGeom prst="rect">
@@ -6670,6 +6670,47 @@
               <a:rPr lang="en-US" sz="3200" dirty="0"/>
               <a:t>Putty: Graphic interface for login</a:t>
             </a:r>
+          </a:p>
+        </p:txBody>
+      </p:sp>
+      <p:sp>
+        <p:nvSpPr>
+          <p:cNvPr id="6" name="Rectangle 5">
+            <a:extLst>
+              <a:ext uri="{FF2B5EF4-FFF2-40B4-BE49-F238E27FC236}">
+                <a16:creationId xmlns:a16="http://schemas.microsoft.com/office/drawing/2014/main" id="{7F56A494-5DE1-844D-8D6C-A77BAD1EFD8D}"/>
+              </a:ext>
+            </a:extLst>
+          </p:cNvPr>
+          <p:cNvSpPr/>
+          <p:nvPr/>
+        </p:nvSpPr>
+        <p:spPr>
+          <a:xfrm>
+            <a:off x="1379267" y="5685556"/>
+            <a:ext cx="5342640" cy="461665"/>
+          </a:xfrm>
+          <a:prstGeom prst="rect">
+            <a:avLst/>
+          </a:prstGeom>
+        </p:spPr>
+        <p:txBody>
+          <a:bodyPr wrap="square">
+            <a:spAutoFit/>
+          </a:bodyPr>
+          <a:lstStyle/>
+          <a:p>
+            <a:r>
+              <a:rPr lang="en-US" sz="2400" dirty="0">
+                <a:solidFill>
+                  <a:srgbClr val="3366BB"/>
+                </a:solidFill>
+                <a:latin typeface="Arial" panose="020B0604020202020204" pitchFamily="34" charset="0"/>
+                <a:hlinkClick r:id="rId2"/>
+              </a:rPr>
+              <a:t>https://ondemand.beocat.ksu.edu</a:t>
+            </a:r>
+            <a:endParaRPr lang="en-US" sz="2400" dirty="0"/>
           </a:p>
         </p:txBody>
       </p:sp>
@@ -8215,7 +8256,7 @@
         </p:nvSpPr>
         <p:spPr>
           <a:xfrm>
-            <a:off x="457200" y="1714900"/>
+            <a:off x="558800" y="1564095"/>
             <a:ext cx="8229600" cy="4275785"/>
           </a:xfrm>
         </p:spPr>
